--- a/개발계획서 그림.pptx
+++ b/개발계획서 그림.pptx
@@ -1,28 +1,29 @@
 
 <file path=ppt/presentation.xml><?xml version="1.0" encoding="utf-8"?>
-<p:presentation xmlns:r="http://schemas.openxmlformats.org/officeDocument/2006/relationships" xmlns:c="http://schemas.openxmlformats.org/drawingml/2006/chart" xmlns:a="http://schemas.openxmlformats.org/drawingml/2006/main" xmlns:dgm="http://schemas.openxmlformats.org/drawingml/2006/diagram" xmlns:dsp="http://schemas.microsoft.com/office/drawing/2008/diagram" xmlns:p="http://schemas.openxmlformats.org/presentationml/2006/main">
+<p:presentation xmlns:r="http://schemas.openxmlformats.org/officeDocument/2006/relationships" xmlns:c="http://schemas.openxmlformats.org/drawingml/2006/chart" xmlns:a="http://schemas.openxmlformats.org/drawingml/2006/main" xmlns:dgm="http://schemas.openxmlformats.org/drawingml/2006/diagram" xmlns:dsp="http://schemas.microsoft.com/office/drawing/2008/diagram" xmlns:p="http://schemas.openxmlformats.org/presentationml/2006/main" xmlns:p14="http://schemas.microsoft.com/office/powerpoint/2010/main">
   <p:sldMasterIdLst>
-    <p:sldMasterId id="2147483664" r:id="rId1"/>
+    <p:sldMasterId id="2147483670" r:id="rId13"/>
   </p:sldMasterIdLst>
   <p:notesMasterIdLst>
-    <p:notesMasterId r:id="rId2"/>
+    <p:notesMasterId r:id="rId17"/>
   </p:notesMasterIdLst>
   <p:handoutMasterIdLst>
-    <p:handoutMasterId r:id="rId3"/>
+    <p:handoutMasterId r:id="rId15"/>
   </p:handoutMasterIdLst>
   <p:sldIdLst>
-    <p:sldId id="256" r:id="rId4"/>
-    <p:sldId id="257" r:id="rId5"/>
-    <p:sldId id="258" r:id="rId6"/>
-    <p:sldId id="259" r:id="rId7"/>
-    <p:sldId id="260" r:id="rId8"/>
-    <p:sldId id="261" r:id="rId9"/>
-    <p:sldId id="262" r:id="rId10"/>
-    <p:sldId id="263" r:id="rId11"/>
-    <p:sldId id="264" r:id="rId12"/>
-    <p:sldId id="265" r:id="rId13"/>
-    <p:sldId id="266" r:id="rId14"/>
-    <p:sldId id="268" r:id="rId15"/>
+    <p:sldId id="256" r:id="rId19"/>
+    <p:sldId id="257" r:id="rId20"/>
+    <p:sldId id="258" r:id="rId21"/>
+    <p:sldId id="259" r:id="rId22"/>
+    <p:sldId id="260" r:id="rId23"/>
+    <p:sldId id="261" r:id="rId24"/>
+    <p:sldId id="262" r:id="rId25"/>
+    <p:sldId id="263" r:id="rId26"/>
+    <p:sldId id="265" r:id="rId27"/>
+    <p:sldId id="266" r:id="rId28"/>
+    <p:sldId id="268" r:id="rId29"/>
+    <p:sldId id="269" r:id="rId30"/>
+    <p:sldId id="270" r:id="rId31"/>
   </p:sldIdLst>
   <p:sldSz cx="12192000" cy="6858000"/>
   <p:notesSz cx="6858000" cy="9144000"/>
@@ -124,7 +125,7 @@
   <p:extLst>
     <p:ext uri="{521415D9-36F7-43E2-AB2F-B90AF26B5E84}">
       <p14:sectionLst xmlns:p14="http://schemas.microsoft.com/office/powerpoint/2010/main">
-        <p14:section id="{19426B28-6CAC-44F9-B93A-CACFB8D5527F}" name="기본 구역">
+        <p14:section name="기본 구역" id="{19426B28-6CAC-44F9-B93A-CACFB8D5527F}">
           <p14:sldIdLst>
             <p14:sldId id="256"/>
             <p14:sldId id="257"/>
@@ -133,18 +134,33 @@
             <p14:sldId id="260"/>
           </p14:sldIdLst>
         </p14:section>
-        <p14:section id="{570DB3A9-21E7-4313-B554-B5F61E122351}" name="제목 없는 구역">
+        <p14:section name="제목 없는 구역" id="{570DB3A9-21E7-4313-B554-B5F61E122351}">
           <p14:sldIdLst>
             <p14:sldId id="261"/>
             <p14:sldId id="262"/>
             <p14:sldId id="263"/>
-            <p14:sldId id="264"/>
             <p14:sldId id="265"/>
             <p14:sldId id="266"/>
             <p14:sldId id="268"/>
+            <p14:sldId id="269"/>
+            <p14:sldId id="270"/>
           </p14:sldIdLst>
         </p14:section>
       </p14:sectionLst>
+    </p:ext>
+    <p:ext uri="{EFAFB233-063F-42B5-8137-9DF3F51BA10A}">
+      <p15:sldGuideLst xmlns:p15="http://schemas.microsoft.com/office/powerpoint/2012/main">
+        <p15:guide id="0" orient="horz" pos="2153" userDrawn="1">
+          <p15:clr>
+            <a:srgbClr val="A4A3A4"/>
+          </p15:clr>
+        </p15:guide>
+        <p15:guide id="1" pos="3833" userDrawn="1">
+          <p15:clr>
+            <a:srgbClr val="A4A3A4"/>
+          </p15:clr>
+        </p15:guide>
+      </p15:sldGuideLst>
     </p:ext>
   </p:extLst>
 </p:presentation>
@@ -27786,7 +27802,7 @@
       </p:sp>
       <p:pic>
         <p:nvPicPr>
-          <p:cNvPr id="32" name="그림 13" descr="C:/Users/tjddu/AppData/Roaming/PolarisOffice/ETemp/69320_12651064/fImage209675141.png"/>
+          <p:cNvPr id="32" name="그림 13"/>
           <p:cNvPicPr>
             <a:picLocks noChangeAspect="1"/>
           </p:cNvPicPr>
@@ -28086,1188 +28102,6 @@
 </file>
 
 <file path=ppt/slides/slide10.xml><?xml version="1.0" encoding="utf-8"?>
-<p:sld xmlns:r="http://schemas.openxmlformats.org/officeDocument/2006/relationships" xmlns:c="http://schemas.openxmlformats.org/drawingml/2006/chart" xmlns:a="http://schemas.openxmlformats.org/drawingml/2006/main" xmlns:dgm="http://schemas.openxmlformats.org/drawingml/2006/diagram" xmlns:dsp="http://schemas.microsoft.com/office/drawing/2008/diagram" xmlns:p="http://schemas.openxmlformats.org/presentationml/2006/main">
-  <p:cSld>
-    <p:spTree>
-      <p:nvGrpSpPr>
-        <p:cNvPr id="1" name=""/>
-        <p:cNvGrpSpPr/>
-        <p:nvPr/>
-      </p:nvGrpSpPr>
-      <p:grpSpPr>
-        <a:xfrm>
-          <a:off x="0" y="0"/>
-          <a:ext cx="0" cy="0"/>
-          <a:chOff x="0" y="0"/>
-          <a:chExt cx="0" cy="0"/>
-        </a:xfrm>
-      </p:grpSpPr>
-      <p:sp>
-        <p:nvSpPr>
-          <p:cNvPr id="6" name="직사각형 0"/>
-          <p:cNvSpPr>
-            <a:spLocks noGrp="1"/>
-          </p:cNvSpPr>
-          <p:nvPr>
-            <p:ph type="title" idx="0"/>
-          </p:nvPr>
-        </p:nvSpPr>
-        <p:spPr/>
-        <p:txBody>
-          <a:bodyPr>
-            <a:noAutofit/>
-          </a:bodyPr>
-          <a:lstStyle/>
-          <a:p>
-            <a:pPr algn="l">
-              <a:defRPr lang="ko-KR" altLang="en-US"/>
-            </a:pPr>
-            <a:r>
-              <a:rPr lang="ko-KR" altLang="en-US"/>
-              <a:t>도서프로그램 요구사항 분석도</a:t>
-            </a:r>
-            <a:endParaRPr lang="ko-KR" altLang="en-US"/>
-          </a:p>
-        </p:txBody>
-      </p:sp>
-      <p:sp>
-        <p:nvSpPr>
-          <p:cNvPr id="3" name="직사각형 8"/>
-          <p:cNvSpPr/>
-          <p:nvPr/>
-        </p:nvSpPr>
-        <p:spPr>
-          <a:xfrm>
-            <a:off x="2121600" y="1915200"/>
-            <a:ext cx="3758400" cy="4104000"/>
-          </a:xfrm>
-          <a:prstGeom prst="rect">
-            <a:avLst/>
-          </a:prstGeom>
-          <a:solidFill>
-            <a:schemeClr val="bg1">
-              <a:lumMod val="95000"/>
-            </a:schemeClr>
-          </a:solidFill>
-          <a:ln w="28575">
-            <a:noFill/>
-          </a:ln>
-          <a:effectLst>
-            <a:outerShdw blurRad="50800" dist="38100" dir="2700000" algn="ctr" rotWithShape="0">
-              <a:schemeClr val="tx1">
-                <a:alpha val="40000"/>
-              </a:schemeClr>
-            </a:outerShdw>
-          </a:effectLst>
-        </p:spPr>
-        <p:style>
-          <a:lnRef idx="2">
-            <a:schemeClr val="accent1">
-              <a:shade val="50000"/>
-            </a:schemeClr>
-          </a:lnRef>
-          <a:fillRef idx="1">
-            <a:schemeClr val="accent1"/>
-          </a:fillRef>
-          <a:effectRef idx="0">
-            <a:schemeClr val="accent1"/>
-          </a:effectRef>
-          <a:fontRef idx="minor">
-            <a:schemeClr val="lt1"/>
-          </a:fontRef>
-        </p:style>
-        <p:txBody>
-          <a:bodyPr vert="horz" wrap="square" lIns="91440" tIns="45720" rIns="91440" bIns="45720" anchor="t">
-            <a:noAutofit/>
-          </a:bodyPr>
-          <a:lstStyle/>
-          <a:p>
-            <a:pPr marL="180022" indent="-180022">
-              <a:lnSpc>
-                <a:spcPct val="150000"/>
-              </a:lnSpc>
-              <a:buClr>
-                <a:srgbClr val="1c3d62">
-                  <a:alpha val="100000"/>
-                </a:srgbClr>
-              </a:buClr>
-              <a:buFont typeface="+mn-cs"/>
-              <a:buChar char="•"/>
-              <a:defRPr lang="ko-KR" altLang="en-US"/>
-            </a:pPr>
-            <a:r>
-              <a:rPr xmlns:mc="http://schemas.openxmlformats.org/markup-compatibility/2006" xmlns:hp="http://schemas.haansoft.com/office/presentation/8.0" lang="ko-KR" altLang="en-US" sz="1500" b="0" i="0" u="none" kern="1200" mc:Ignorable="hp" hp:hslEmbossed="0">
-                <a:solidFill>
-                  <a:schemeClr val="accent1"/>
-                </a:solidFill>
-                <a:latin typeface="+mn-lt"/>
-                <a:ea typeface="+mn-ea"/>
-                <a:cs typeface="+mj-cs"/>
-              </a:rPr>
-              <a:t>성능 요구사항</a:t>
-            </a:r>
-            <a:endParaRPr xmlns:mc="http://schemas.openxmlformats.org/markup-compatibility/2006" xmlns:hp="http://schemas.haansoft.com/office/presentation/8.0" lang="ko-KR" altLang="en-US" sz="1500" b="0" i="0" u="none" kern="1200" mc:Ignorable="hp" hp:hslEmbossed="0">
-              <a:solidFill>
-                <a:schemeClr val="accent1"/>
-              </a:solidFill>
-              <a:latin typeface="+mn-lt"/>
-              <a:ea typeface="+mn-ea"/>
-              <a:cs typeface="+mj-cs"/>
-            </a:endParaRPr>
-          </a:p>
-          <a:p>
-            <a:pPr marL="637222" lvl="1" indent="-180022">
-              <a:lnSpc>
-                <a:spcPct val="150000"/>
-              </a:lnSpc>
-              <a:buClr>
-                <a:srgbClr val="1c3d62">
-                  <a:alpha val="100000"/>
-                </a:srgbClr>
-              </a:buClr>
-              <a:buFont typeface="+mn-cs"/>
-              <a:buChar char="•"/>
-              <a:defRPr lang="ko-KR" altLang="en-US"/>
-            </a:pPr>
-            <a:r>
-              <a:rPr xmlns:mc="http://schemas.openxmlformats.org/markup-compatibility/2006" xmlns:hp="http://schemas.haansoft.com/office/presentation/8.0" lang="ko-KR" altLang="en-US" sz="1500" b="0" i="0" u="none" kern="1200" mc:Ignorable="hp" hp:hslEmbossed="0">
-                <a:solidFill>
-                  <a:schemeClr val="accent1"/>
-                </a:solidFill>
-                <a:latin typeface="+mn-lt"/>
-                <a:ea typeface="+mn-ea"/>
-                <a:cs typeface="+mj-cs"/>
-              </a:rPr>
-              <a:t>콘솔환경 구동</a:t>
-            </a:r>
-            <a:endParaRPr xmlns:mc="http://schemas.openxmlformats.org/markup-compatibility/2006" xmlns:hp="http://schemas.haansoft.com/office/presentation/8.0" lang="ko-KR" altLang="en-US" sz="1500" b="0" i="0" u="none" kern="1200" mc:Ignorable="hp" hp:hslEmbossed="0">
-              <a:solidFill>
-                <a:schemeClr val="accent1"/>
-              </a:solidFill>
-              <a:latin typeface="+mn-lt"/>
-              <a:ea typeface="+mn-ea"/>
-              <a:cs typeface="+mj-cs"/>
-            </a:endParaRPr>
-          </a:p>
-          <a:p>
-            <a:pPr marL="180022" lvl="0" indent="-180022">
-              <a:lnSpc>
-                <a:spcPct val="150000"/>
-              </a:lnSpc>
-              <a:buClr>
-                <a:srgbClr val="1c3d62">
-                  <a:alpha val="100000"/>
-                </a:srgbClr>
-              </a:buClr>
-              <a:buFont typeface="+mn-cs"/>
-              <a:buChar char="•"/>
-              <a:defRPr lang="ko-KR" altLang="en-US"/>
-            </a:pPr>
-            <a:r>
-              <a:rPr xmlns:mc="http://schemas.openxmlformats.org/markup-compatibility/2006" xmlns:hp="http://schemas.haansoft.com/office/presentation/8.0" lang="ko-KR" altLang="en-US" sz="1500" b="0" i="0" u="none" kern="1200" mc:Ignorable="hp" hp:hslEmbossed="0">
-                <a:solidFill>
-                  <a:schemeClr val="accent1"/>
-                </a:solidFill>
-                <a:latin typeface="+mn-lt"/>
-                <a:ea typeface="+mn-ea"/>
-                <a:cs typeface="+mj-cs"/>
-              </a:rPr>
-              <a:t>프로그램 요구사항</a:t>
-            </a:r>
-            <a:endParaRPr xmlns:mc="http://schemas.openxmlformats.org/markup-compatibility/2006" xmlns:hp="http://schemas.haansoft.com/office/presentation/8.0" lang="ko-KR" altLang="en-US" sz="1500" b="0" i="0" u="none" kern="1200" mc:Ignorable="hp" hp:hslEmbossed="0">
-              <a:solidFill>
-                <a:schemeClr val="accent1"/>
-              </a:solidFill>
-              <a:latin typeface="+mn-lt"/>
-              <a:ea typeface="+mn-ea"/>
-              <a:cs typeface="+mj-cs"/>
-            </a:endParaRPr>
-          </a:p>
-          <a:p>
-            <a:pPr marL="637222" lvl="1" indent="-180022">
-              <a:lnSpc>
-                <a:spcPct val="150000"/>
-              </a:lnSpc>
-              <a:buClr>
-                <a:srgbClr val="1c3d62">
-                  <a:alpha val="100000"/>
-                </a:srgbClr>
-              </a:buClr>
-              <a:buFont typeface="+mn-cs"/>
-              <a:buChar char="•"/>
-              <a:defRPr lang="ko-KR" altLang="en-US"/>
-            </a:pPr>
-            <a:r>
-              <a:rPr xmlns:mc="http://schemas.openxmlformats.org/markup-compatibility/2006" xmlns:hp="http://schemas.haansoft.com/office/presentation/8.0" lang="ko-KR" altLang="en-US" sz="1500" b="0" i="0" u="none" kern="1200" mc:Ignorable="hp" hp:hslEmbossed="0">
-                <a:solidFill>
-                  <a:schemeClr val="accent1"/>
-                </a:solidFill>
-                <a:latin typeface="+mn-lt"/>
-                <a:ea typeface="+mn-ea"/>
-                <a:cs typeface="+mj-cs"/>
-              </a:rPr>
-              <a:t>로그인</a:t>
-            </a:r>
-            <a:endParaRPr xmlns:mc="http://schemas.openxmlformats.org/markup-compatibility/2006" xmlns:hp="http://schemas.haansoft.com/office/presentation/8.0" lang="ko-KR" altLang="en-US" sz="1500" b="0" i="0" u="none" kern="1200" mc:Ignorable="hp" hp:hslEmbossed="0">
-              <a:solidFill>
-                <a:schemeClr val="accent1"/>
-              </a:solidFill>
-              <a:latin typeface="+mn-lt"/>
-              <a:ea typeface="+mn-ea"/>
-              <a:cs typeface="+mj-cs"/>
-            </a:endParaRPr>
-          </a:p>
-          <a:p>
-            <a:pPr marL="637222" lvl="1" indent="-180022">
-              <a:lnSpc>
-                <a:spcPct val="150000"/>
-              </a:lnSpc>
-              <a:buClr>
-                <a:srgbClr val="1c3d62">
-                  <a:alpha val="100000"/>
-                </a:srgbClr>
-              </a:buClr>
-              <a:buFont typeface="+mn-cs"/>
-              <a:buChar char="•"/>
-              <a:defRPr lang="ko-KR" altLang="en-US"/>
-            </a:pPr>
-            <a:r>
-              <a:rPr xmlns:mc="http://schemas.openxmlformats.org/markup-compatibility/2006" xmlns:hp="http://schemas.haansoft.com/office/presentation/8.0" lang="ko-KR" altLang="en-US" sz="1500" b="0" i="0" u="none" kern="1200" mc:Ignorable="hp" hp:hslEmbossed="0">
-                <a:solidFill>
-                  <a:schemeClr val="accent1"/>
-                </a:solidFill>
-                <a:latin typeface="+mn-lt"/>
-                <a:ea typeface="+mn-ea"/>
-                <a:cs typeface="+mj-cs"/>
-              </a:rPr>
-              <a:t>읽기</a:t>
-            </a:r>
-            <a:r>
-              <a:rPr xmlns:mc="http://schemas.openxmlformats.org/markup-compatibility/2006" xmlns:hp="http://schemas.haansoft.com/office/presentation/8.0" lang="en-US" altLang="ko-KR" sz="1500" b="0" i="0" u="none" kern="1200" mc:Ignorable="hp" hp:hslEmbossed="0">
-                <a:solidFill>
-                  <a:schemeClr val="accent1"/>
-                </a:solidFill>
-                <a:latin typeface="+mn-lt"/>
-                <a:ea typeface="+mn-ea"/>
-                <a:cs typeface="+mj-cs"/>
-              </a:rPr>
-              <a:t>/</a:t>
-            </a:r>
-            <a:r>
-              <a:rPr xmlns:mc="http://schemas.openxmlformats.org/markup-compatibility/2006" xmlns:hp="http://schemas.haansoft.com/office/presentation/8.0" lang="ko-KR" altLang="en-US" sz="1500" b="0" i="0" u="none" kern="1200" mc:Ignorable="hp" hp:hslEmbossed="0">
-                <a:solidFill>
-                  <a:schemeClr val="accent1"/>
-                </a:solidFill>
-                <a:latin typeface="+mn-lt"/>
-                <a:ea typeface="+mn-ea"/>
-                <a:cs typeface="+mj-cs"/>
-              </a:rPr>
-              <a:t>쓰기모드 설정</a:t>
-            </a:r>
-            <a:endParaRPr xmlns:mc="http://schemas.openxmlformats.org/markup-compatibility/2006" xmlns:hp="http://schemas.haansoft.com/office/presentation/8.0" lang="ko-KR" altLang="en-US" sz="1500" b="0" i="0" u="none" kern="1200" mc:Ignorable="hp" hp:hslEmbossed="0">
-              <a:solidFill>
-                <a:schemeClr val="accent1"/>
-              </a:solidFill>
-              <a:latin typeface="+mn-lt"/>
-              <a:ea typeface="+mn-ea"/>
-              <a:cs typeface="+mj-cs"/>
-            </a:endParaRPr>
-          </a:p>
-          <a:p>
-            <a:pPr marL="637222" lvl="1" indent="-180022">
-              <a:lnSpc>
-                <a:spcPct val="150000"/>
-              </a:lnSpc>
-              <a:buClr>
-                <a:srgbClr val="1c3d62">
-                  <a:alpha val="100000"/>
-                </a:srgbClr>
-              </a:buClr>
-              <a:buFont typeface="+mn-cs"/>
-              <a:buChar char="•"/>
-              <a:defRPr lang="ko-KR" altLang="en-US"/>
-            </a:pPr>
-            <a:r>
-              <a:rPr xmlns:mc="http://schemas.openxmlformats.org/markup-compatibility/2006" xmlns:hp="http://schemas.haansoft.com/office/presentation/8.0" lang="ko-KR" altLang="en-US" sz="1500" b="0" i="0" u="none" kern="1200" mc:Ignorable="hp" hp:hslEmbossed="0">
-                <a:solidFill>
-                  <a:schemeClr val="accent1"/>
-                </a:solidFill>
-                <a:latin typeface="+mn-lt"/>
-                <a:ea typeface="+mn-ea"/>
-                <a:cs typeface="+mj-cs"/>
-              </a:rPr>
-              <a:t>사용자 정보 관리 파일</a:t>
-            </a:r>
-            <a:endParaRPr xmlns:mc="http://schemas.openxmlformats.org/markup-compatibility/2006" xmlns:hp="http://schemas.haansoft.com/office/presentation/8.0" lang="ko-KR" altLang="en-US" sz="1500" b="0" i="0" u="none" kern="1200" mc:Ignorable="hp" hp:hslEmbossed="0">
-              <a:solidFill>
-                <a:schemeClr val="accent1"/>
-              </a:solidFill>
-              <a:latin typeface="+mn-lt"/>
-              <a:ea typeface="+mn-ea"/>
-              <a:cs typeface="+mj-cs"/>
-            </a:endParaRPr>
-          </a:p>
-          <a:p>
-            <a:pPr marL="637222" lvl="1" indent="-180022">
-              <a:lnSpc>
-                <a:spcPct val="150000"/>
-              </a:lnSpc>
-              <a:buClr>
-                <a:srgbClr val="1c3d62">
-                  <a:alpha val="100000"/>
-                </a:srgbClr>
-              </a:buClr>
-              <a:buFont typeface="+mn-cs"/>
-              <a:buChar char="•"/>
-              <a:defRPr lang="ko-KR" altLang="en-US"/>
-            </a:pPr>
-            <a:r>
-              <a:rPr xmlns:mc="http://schemas.openxmlformats.org/markup-compatibility/2006" xmlns:hp="http://schemas.haansoft.com/office/presentation/8.0" lang="ko-KR" altLang="en-US" sz="1500" b="0" i="0" u="none" kern="1200" mc:Ignorable="hp" hp:hslEmbossed="0">
-                <a:solidFill>
-                  <a:schemeClr val="accent1"/>
-                </a:solidFill>
-                <a:latin typeface="+mn-lt"/>
-                <a:ea typeface="+mn-ea"/>
-                <a:cs typeface="+mj-cs"/>
-              </a:rPr>
-              <a:t>도서 정보 파일 </a:t>
-            </a:r>
-            <a:endParaRPr xmlns:mc="http://schemas.openxmlformats.org/markup-compatibility/2006" xmlns:hp="http://schemas.haansoft.com/office/presentation/8.0" lang="ko-KR" altLang="en-US" sz="1500" b="0" i="0" u="none" kern="1200" mc:Ignorable="hp" hp:hslEmbossed="0">
-              <a:solidFill>
-                <a:schemeClr val="accent1"/>
-              </a:solidFill>
-              <a:latin typeface="+mn-lt"/>
-              <a:ea typeface="+mn-ea"/>
-              <a:cs typeface="+mj-cs"/>
-            </a:endParaRPr>
-          </a:p>
-          <a:p>
-            <a:pPr marL="180022" lvl="0" indent="-180022">
-              <a:lnSpc>
-                <a:spcPct val="150000"/>
-              </a:lnSpc>
-              <a:buClr>
-                <a:srgbClr val="1c3d62">
-                  <a:alpha val="100000"/>
-                </a:srgbClr>
-              </a:buClr>
-              <a:buFont typeface="+mn-cs"/>
-              <a:buChar char="•"/>
-              <a:defRPr lang="ko-KR" altLang="en-US"/>
-            </a:pPr>
-            <a:r>
-              <a:rPr xmlns:mc="http://schemas.openxmlformats.org/markup-compatibility/2006" xmlns:hp="http://schemas.haansoft.com/office/presentation/8.0" lang="ko-KR" altLang="en-US" sz="1500" b="0" i="0" u="none" kern="1200" mc:Ignorable="hp" hp:hslEmbossed="0">
-                <a:solidFill>
-                  <a:schemeClr val="accent1"/>
-                </a:solidFill>
-                <a:latin typeface="+mn-lt"/>
-                <a:ea typeface="+mn-ea"/>
-                <a:cs typeface="+mj-cs"/>
-              </a:rPr>
-              <a:t>프로그램 업데이트</a:t>
-            </a:r>
-            <a:endParaRPr xmlns:mc="http://schemas.openxmlformats.org/markup-compatibility/2006" xmlns:hp="http://schemas.haansoft.com/office/presentation/8.0" lang="ko-KR" altLang="en-US" sz="1500" b="0" i="0" u="none" kern="1200" mc:Ignorable="hp" hp:hslEmbossed="0">
-              <a:solidFill>
-                <a:schemeClr val="accent1"/>
-              </a:solidFill>
-              <a:latin typeface="+mn-lt"/>
-              <a:ea typeface="+mn-ea"/>
-              <a:cs typeface="+mj-cs"/>
-            </a:endParaRPr>
-          </a:p>
-          <a:p>
-            <a:pPr marL="637222" lvl="1" indent="-180022">
-              <a:lnSpc>
-                <a:spcPct val="150000"/>
-              </a:lnSpc>
-              <a:buClr>
-                <a:srgbClr val="1c3d62">
-                  <a:alpha val="100000"/>
-                </a:srgbClr>
-              </a:buClr>
-              <a:buFont typeface="+mn-cs"/>
-              <a:buChar char="•"/>
-              <a:defRPr lang="ko-KR" altLang="en-US"/>
-            </a:pPr>
-            <a:r>
-              <a:rPr xmlns:mc="http://schemas.openxmlformats.org/markup-compatibility/2006" xmlns:hp="http://schemas.haansoft.com/office/presentation/8.0" lang="ko-KR" altLang="en-US" sz="1500" b="0" i="0" u="none" kern="1200" mc:Ignorable="hp" hp:hslEmbossed="0">
-                <a:solidFill>
-                  <a:schemeClr val="accent1"/>
-                </a:solidFill>
-                <a:latin typeface="+mn-lt"/>
-                <a:ea typeface="+mn-ea"/>
-                <a:cs typeface="+mj-cs"/>
-              </a:rPr>
-              <a:t>도서정보 파일 최신화 업데이트</a:t>
-            </a:r>
-            <a:endParaRPr xmlns:mc="http://schemas.openxmlformats.org/markup-compatibility/2006" xmlns:hp="http://schemas.haansoft.com/office/presentation/8.0" lang="ko-KR" altLang="en-US" sz="1500" b="0" i="0" u="none" kern="1200" mc:Ignorable="hp" hp:hslEmbossed="0">
-              <a:solidFill>
-                <a:schemeClr val="accent1"/>
-              </a:solidFill>
-              <a:latin typeface="+mn-lt"/>
-              <a:ea typeface="+mn-ea"/>
-              <a:cs typeface="+mj-cs"/>
-            </a:endParaRPr>
-          </a:p>
-          <a:p>
-            <a:pPr marL="637222" lvl="1" indent="-180022">
-              <a:lnSpc>
-                <a:spcPct val="150000"/>
-              </a:lnSpc>
-              <a:buClr>
-                <a:srgbClr val="1c3d62">
-                  <a:alpha val="100000"/>
-                </a:srgbClr>
-              </a:buClr>
-              <a:buFont typeface="+mn-cs"/>
-              <a:buChar char="•"/>
-              <a:defRPr lang="ko-KR" altLang="en-US"/>
-            </a:pPr>
-            <a:r>
-              <a:rPr xmlns:mc="http://schemas.openxmlformats.org/markup-compatibility/2006" xmlns:hp="http://schemas.haansoft.com/office/presentation/8.0" lang="ko-KR" altLang="en-US" sz="1500" b="0" i="0" u="none" kern="1200" mc:Ignorable="hp" hp:hslEmbossed="0">
-                <a:solidFill>
-                  <a:schemeClr val="accent1"/>
-                </a:solidFill>
-                <a:latin typeface="+mn-lt"/>
-                <a:ea typeface="+mn-ea"/>
-                <a:cs typeface="+mj-cs"/>
-              </a:rPr>
-              <a:t>최대 </a:t>
-            </a:r>
-            <a:r>
-              <a:rPr xmlns:mc="http://schemas.openxmlformats.org/markup-compatibility/2006" xmlns:hp="http://schemas.haansoft.com/office/presentation/8.0" lang="en-US" altLang="ko-KR" sz="1500" b="0" i="0" u="none" kern="1200" mc:Ignorable="hp" hp:hslEmbossed="0">
-                <a:solidFill>
-                  <a:schemeClr val="accent1"/>
-                </a:solidFill>
-                <a:latin typeface="+mn-lt"/>
-                <a:ea typeface="+mn-ea"/>
-                <a:cs typeface="+mj-cs"/>
-              </a:rPr>
-              <a:t>700</a:t>
-            </a:r>
-            <a:r>
-              <a:rPr xmlns:mc="http://schemas.openxmlformats.org/markup-compatibility/2006" xmlns:hp="http://schemas.haansoft.com/office/presentation/8.0" lang="ko-KR" altLang="en-US" sz="1500" b="0" i="0" u="none" kern="1200" mc:Ignorable="hp" hp:hslEmbossed="0">
-                <a:solidFill>
-                  <a:schemeClr val="accent1"/>
-                </a:solidFill>
-                <a:latin typeface="+mn-lt"/>
-                <a:ea typeface="+mn-ea"/>
-                <a:cs typeface="+mj-cs"/>
-              </a:rPr>
-              <a:t>권 저장 가능 공간</a:t>
-            </a:r>
-            <a:endParaRPr xmlns:mc="http://schemas.openxmlformats.org/markup-compatibility/2006" xmlns:hp="http://schemas.haansoft.com/office/presentation/8.0" lang="ko-KR" altLang="en-US" sz="1500" b="0" i="0" u="none" kern="1200" mc:Ignorable="hp" hp:hslEmbossed="0">
-              <a:solidFill>
-                <a:schemeClr val="accent1"/>
-              </a:solidFill>
-              <a:latin typeface="+mn-lt"/>
-              <a:ea typeface="+mn-ea"/>
-              <a:cs typeface="+mj-cs"/>
-            </a:endParaRPr>
-          </a:p>
-          <a:p>
-            <a:pPr marL="637222" lvl="1" indent="-180022">
-              <a:lnSpc>
-                <a:spcPct val="150000"/>
-              </a:lnSpc>
-              <a:buClr>
-                <a:srgbClr val="1c3d62">
-                  <a:alpha val="100000"/>
-                </a:srgbClr>
-              </a:buClr>
-              <a:buFont typeface="+mn-cs"/>
-              <a:buChar char="•"/>
-              <a:defRPr lang="ko-KR" altLang="en-US"/>
-            </a:pPr>
-            <a:endParaRPr xmlns:mc="http://schemas.openxmlformats.org/markup-compatibility/2006" xmlns:hp="http://schemas.haansoft.com/office/presentation/8.0" lang="ko-KR" altLang="en-US" sz="1500" b="0" i="0" u="none" kern="1200" mc:Ignorable="hp" hp:hslEmbossed="0">
-              <a:solidFill>
-                <a:schemeClr val="accent1"/>
-              </a:solidFill>
-              <a:latin typeface="+mn-lt"/>
-              <a:ea typeface="+mn-ea"/>
-              <a:cs typeface="+mj-cs"/>
-            </a:endParaRPr>
-          </a:p>
-          <a:p>
-            <a:pPr marL="637222" lvl="1" indent="-180022">
-              <a:lnSpc>
-                <a:spcPct val="150000"/>
-              </a:lnSpc>
-              <a:buClr>
-                <a:srgbClr val="1c3d62">
-                  <a:alpha val="100000"/>
-                </a:srgbClr>
-              </a:buClr>
-              <a:buFont typeface="+mn-cs"/>
-              <a:buChar char="•"/>
-              <a:defRPr lang="ko-KR" altLang="en-US"/>
-            </a:pPr>
-            <a:endParaRPr xmlns:mc="http://schemas.openxmlformats.org/markup-compatibility/2006" xmlns:hp="http://schemas.haansoft.com/office/presentation/8.0" lang="ko-KR" altLang="en-US" sz="1500" b="0" i="0" u="none" kern="1200" mc:Ignorable="hp" hp:hslEmbossed="0">
-              <a:solidFill>
-                <a:schemeClr val="accent1"/>
-              </a:solidFill>
-              <a:latin typeface="+mn-lt"/>
-              <a:ea typeface="+mn-ea"/>
-              <a:cs typeface="+mj-cs"/>
-            </a:endParaRPr>
-          </a:p>
-          <a:p>
-            <a:pPr marL="637222" lvl="1" indent="-180022">
-              <a:lnSpc>
-                <a:spcPct val="150000"/>
-              </a:lnSpc>
-              <a:buClr>
-                <a:srgbClr val="1c3d62">
-                  <a:alpha val="100000"/>
-                </a:srgbClr>
-              </a:buClr>
-              <a:buFont typeface="+mn-cs"/>
-              <a:buChar char="•"/>
-              <a:defRPr lang="ko-KR" altLang="en-US"/>
-            </a:pPr>
-            <a:endParaRPr xmlns:mc="http://schemas.openxmlformats.org/markup-compatibility/2006" xmlns:hp="http://schemas.haansoft.com/office/presentation/8.0" lang="ko-KR" altLang="en-US" sz="1800" b="0" i="0" u="none" kern="1200" mc:Ignorable="hp" hp:hslEmbossed="0">
-              <a:solidFill>
-                <a:schemeClr val="accent1"/>
-              </a:solidFill>
-              <a:latin typeface="+mn-lt"/>
-              <a:ea typeface="+mn-ea"/>
-              <a:cs typeface="+mj-cs"/>
-            </a:endParaRPr>
-          </a:p>
-        </p:txBody>
-      </p:sp>
-      <p:sp>
-        <p:nvSpPr>
-          <p:cNvPr id="7" name="직사각형 8"/>
-          <p:cNvSpPr/>
-          <p:nvPr/>
-        </p:nvSpPr>
-        <p:spPr>
-          <a:xfrm>
-            <a:off x="6312000" y="1916832"/>
-            <a:ext cx="3758400" cy="4104456"/>
-          </a:xfrm>
-          <a:prstGeom prst="rect">
-            <a:avLst/>
-          </a:prstGeom>
-          <a:solidFill>
-            <a:schemeClr val="bg1">
-              <a:lumMod val="95000"/>
-            </a:schemeClr>
-          </a:solidFill>
-          <a:ln w="28575">
-            <a:noFill/>
-          </a:ln>
-          <a:effectLst>
-            <a:outerShdw blurRad="50800" dist="38100" dir="2700000" algn="ctr" rotWithShape="0">
-              <a:srgbClr val="000000">
-                <a:alpha val="40000"/>
-              </a:srgbClr>
-            </a:outerShdw>
-          </a:effectLst>
-        </p:spPr>
-        <p:style>
-          <a:lnRef idx="2">
-            <a:schemeClr val="accent1">
-              <a:shade val="50000"/>
-            </a:schemeClr>
-          </a:lnRef>
-          <a:fillRef idx="1">
-            <a:schemeClr val="accent1"/>
-          </a:fillRef>
-          <a:effectRef idx="0">
-            <a:schemeClr val="accent1"/>
-          </a:effectRef>
-          <a:fontRef idx="minor">
-            <a:schemeClr val="lt1"/>
-          </a:fontRef>
-        </p:style>
-        <p:txBody>
-          <a:bodyPr vert="horz" wrap="square" lIns="91440" tIns="45720" rIns="91440" bIns="45720" anchor="t">
-            <a:noAutofit/>
-          </a:bodyPr>
-          <a:lstStyle/>
-          <a:p>
-            <a:pPr marL="179959" indent="-179959">
-              <a:lnSpc>
-                <a:spcPct val="150000"/>
-              </a:lnSpc>
-              <a:buClr>
-                <a:srgbClr val="e9ae2b">
-                  <a:alpha val="100000"/>
-                </a:srgbClr>
-              </a:buClr>
-              <a:buFont typeface="+mn-cs"/>
-              <a:buChar char="•"/>
-              <a:defRPr lang="ko-KR" altLang="en-US"/>
-            </a:pPr>
-            <a:r>
-              <a:rPr lang="ko-KR" altLang="en-US" sz="1500">
-                <a:solidFill>
-                  <a:schemeClr val="accent3">
-                    <a:lumMod val="50000"/>
-                  </a:schemeClr>
-                </a:solidFill>
-                <a:cs typeface="+mj-cs"/>
-              </a:rPr>
-              <a:t>기능 요구사항</a:t>
-            </a:r>
-            <a:endParaRPr lang="ko-KR" altLang="en-US" sz="1500">
-              <a:solidFill>
-                <a:schemeClr val="accent3">
-                  <a:lumMod val="50000"/>
-                </a:schemeClr>
-              </a:solidFill>
-              <a:cs typeface="+mj-cs"/>
-            </a:endParaRPr>
-          </a:p>
-          <a:p>
-            <a:pPr marL="637159" lvl="1" indent="-179959">
-              <a:lnSpc>
-                <a:spcPct val="150000"/>
-              </a:lnSpc>
-              <a:buClr>
-                <a:srgbClr val="e9ae2b">
-                  <a:alpha val="100000"/>
-                </a:srgbClr>
-              </a:buClr>
-              <a:buFont typeface="+mn-cs"/>
-              <a:buChar char="•"/>
-              <a:defRPr lang="ko-KR" altLang="en-US"/>
-            </a:pPr>
-            <a:r>
-              <a:rPr lang="ko-KR" altLang="en-US" sz="1500">
-                <a:solidFill>
-                  <a:schemeClr val="accent3">
-                    <a:lumMod val="50000"/>
-                  </a:schemeClr>
-                </a:solidFill>
-                <a:cs typeface="+mj-cs"/>
-              </a:rPr>
-              <a:t>로그인 기능 활성화</a:t>
-            </a:r>
-            <a:endParaRPr lang="ko-KR" altLang="en-US" sz="1500">
-              <a:solidFill>
-                <a:schemeClr val="accent3">
-                  <a:lumMod val="50000"/>
-                </a:schemeClr>
-              </a:solidFill>
-              <a:cs typeface="+mj-cs"/>
-            </a:endParaRPr>
-          </a:p>
-          <a:p>
-            <a:pPr marL="179959" lvl="0" indent="-179959">
-              <a:lnSpc>
-                <a:spcPct val="150000"/>
-              </a:lnSpc>
-              <a:buClr>
-                <a:srgbClr val="e9ae2b">
-                  <a:alpha val="100000"/>
-                </a:srgbClr>
-              </a:buClr>
-              <a:buFont typeface="+mn-cs"/>
-              <a:buChar char="•"/>
-              <a:defRPr lang="ko-KR" altLang="en-US"/>
-            </a:pPr>
-            <a:r>
-              <a:rPr lang="ko-KR" altLang="en-US" sz="1500">
-                <a:solidFill>
-                  <a:schemeClr val="accent3">
-                    <a:lumMod val="50000"/>
-                  </a:schemeClr>
-                </a:solidFill>
-                <a:cs typeface="+mj-cs"/>
-              </a:rPr>
-              <a:t>도서정보 기능 요구사항</a:t>
-            </a:r>
-            <a:endParaRPr lang="ko-KR" altLang="en-US" sz="1500">
-              <a:solidFill>
-                <a:schemeClr val="accent3">
-                  <a:lumMod val="50000"/>
-                </a:schemeClr>
-              </a:solidFill>
-              <a:cs typeface="+mj-cs"/>
-            </a:endParaRPr>
-          </a:p>
-          <a:p>
-            <a:pPr marL="637159" lvl="1" indent="-179959">
-              <a:lnSpc>
-                <a:spcPct val="150000"/>
-              </a:lnSpc>
-              <a:buClr>
-                <a:srgbClr val="e9ae2b">
-                  <a:alpha val="100000"/>
-                </a:srgbClr>
-              </a:buClr>
-              <a:buFont typeface="+mn-cs"/>
-              <a:buChar char="•"/>
-              <a:defRPr lang="ko-KR" altLang="en-US"/>
-            </a:pPr>
-            <a:r>
-              <a:rPr lang="ko-KR" altLang="en-US" sz="1500">
-                <a:solidFill>
-                  <a:schemeClr val="accent3">
-                    <a:lumMod val="50000"/>
-                  </a:schemeClr>
-                </a:solidFill>
-                <a:cs typeface="+mj-cs"/>
-              </a:rPr>
-              <a:t>검색</a:t>
-            </a:r>
-            <a:r>
-              <a:rPr lang="en-US" altLang="ko-KR" sz="1500">
-                <a:solidFill>
-                  <a:schemeClr val="accent3">
-                    <a:lumMod val="50000"/>
-                  </a:schemeClr>
-                </a:solidFill>
-                <a:cs typeface="+mj-cs"/>
-              </a:rPr>
-              <a:t>,</a:t>
-            </a:r>
-            <a:r>
-              <a:rPr lang="ko-KR" altLang="en-US" sz="1500">
-                <a:solidFill>
-                  <a:schemeClr val="accent3">
-                    <a:lumMod val="50000"/>
-                  </a:schemeClr>
-                </a:solidFill>
-                <a:cs typeface="+mj-cs"/>
-              </a:rPr>
-              <a:t> 추가</a:t>
-            </a:r>
-            <a:r>
-              <a:rPr lang="en-US" altLang="ko-KR" sz="1500">
-                <a:solidFill>
-                  <a:schemeClr val="accent3">
-                    <a:lumMod val="50000"/>
-                  </a:schemeClr>
-                </a:solidFill>
-                <a:cs typeface="+mj-cs"/>
-              </a:rPr>
-              <a:t>,</a:t>
-            </a:r>
-            <a:r>
-              <a:rPr lang="ko-KR" altLang="en-US" sz="1500">
-                <a:solidFill>
-                  <a:schemeClr val="accent3">
-                    <a:lumMod val="50000"/>
-                  </a:schemeClr>
-                </a:solidFill>
-                <a:cs typeface="+mj-cs"/>
-              </a:rPr>
-              <a:t> 수정</a:t>
-            </a:r>
-            <a:r>
-              <a:rPr lang="en-US" altLang="ko-KR" sz="1500">
-                <a:solidFill>
-                  <a:schemeClr val="accent3">
-                    <a:lumMod val="50000"/>
-                  </a:schemeClr>
-                </a:solidFill>
-                <a:cs typeface="+mj-cs"/>
-              </a:rPr>
-              <a:t>,</a:t>
-            </a:r>
-            <a:r>
-              <a:rPr lang="ko-KR" altLang="en-US" sz="1500">
-                <a:solidFill>
-                  <a:schemeClr val="accent3">
-                    <a:lumMod val="50000"/>
-                  </a:schemeClr>
-                </a:solidFill>
-                <a:cs typeface="+mj-cs"/>
-              </a:rPr>
-              <a:t> 삭제</a:t>
-            </a:r>
-            <a:r>
-              <a:rPr lang="en-US" altLang="ko-KR" sz="1500">
-                <a:solidFill>
-                  <a:schemeClr val="accent3">
-                    <a:lumMod val="50000"/>
-                  </a:schemeClr>
-                </a:solidFill>
-                <a:cs typeface="+mj-cs"/>
-              </a:rPr>
-              <a:t>,</a:t>
-            </a:r>
-            <a:r>
-              <a:rPr lang="ko-KR" altLang="en-US" sz="1500">
-                <a:solidFill>
-                  <a:schemeClr val="accent3">
-                    <a:lumMod val="50000"/>
-                  </a:schemeClr>
-                </a:solidFill>
-                <a:cs typeface="+mj-cs"/>
-              </a:rPr>
-              <a:t> 종료</a:t>
-            </a:r>
-            <a:endParaRPr lang="ko-KR" altLang="en-US" sz="1500">
-              <a:solidFill>
-                <a:schemeClr val="accent3">
-                  <a:lumMod val="50000"/>
-                </a:schemeClr>
-              </a:solidFill>
-              <a:cs typeface="+mj-cs"/>
-            </a:endParaRPr>
-          </a:p>
-          <a:p>
-            <a:pPr marL="179959" lvl="0" indent="-179959">
-              <a:lnSpc>
-                <a:spcPct val="150000"/>
-              </a:lnSpc>
-              <a:buClr>
-                <a:srgbClr val="e9ae2b">
-                  <a:alpha val="100000"/>
-                </a:srgbClr>
-              </a:buClr>
-              <a:buFont typeface="+mn-cs"/>
-              <a:buChar char="•"/>
-              <a:defRPr lang="ko-KR" altLang="en-US"/>
-            </a:pPr>
-            <a:r>
-              <a:rPr lang="ko-KR" altLang="en-US" sz="1500">
-                <a:solidFill>
-                  <a:schemeClr val="accent3">
-                    <a:lumMod val="50000"/>
-                  </a:schemeClr>
-                </a:solidFill>
-                <a:cs typeface="+mj-cs"/>
-              </a:rPr>
-              <a:t>도서 정보 관리</a:t>
-            </a:r>
-            <a:endParaRPr lang="ko-KR" altLang="en-US" sz="1500">
-              <a:solidFill>
-                <a:schemeClr val="accent3">
-                  <a:lumMod val="50000"/>
-                </a:schemeClr>
-              </a:solidFill>
-              <a:cs typeface="+mj-cs"/>
-            </a:endParaRPr>
-          </a:p>
-          <a:p>
-            <a:pPr marL="637159" lvl="1" indent="-179959">
-              <a:lnSpc>
-                <a:spcPct val="150000"/>
-              </a:lnSpc>
-              <a:buClr>
-                <a:srgbClr val="e9ae2b">
-                  <a:alpha val="100000"/>
-                </a:srgbClr>
-              </a:buClr>
-              <a:buFont typeface="+mn-cs"/>
-              <a:buChar char="•"/>
-              <a:defRPr lang="ko-KR" altLang="en-US"/>
-            </a:pPr>
-            <a:r>
-              <a:rPr lang="ko-KR" altLang="en-US" sz="1500">
-                <a:solidFill>
-                  <a:schemeClr val="accent3">
-                    <a:lumMod val="50000"/>
-                  </a:schemeClr>
-                </a:solidFill>
-                <a:cs typeface="+mj-cs"/>
-              </a:rPr>
-              <a:t>평점 랭킹 서비스</a:t>
-            </a:r>
-            <a:endParaRPr lang="ko-KR" altLang="en-US" sz="1500">
-              <a:solidFill>
-                <a:schemeClr val="accent3">
-                  <a:lumMod val="50000"/>
-                </a:schemeClr>
-              </a:solidFill>
-              <a:cs typeface="+mj-cs"/>
-            </a:endParaRPr>
-          </a:p>
-          <a:p>
-            <a:pPr marL="637159" lvl="1" indent="-179959">
-              <a:lnSpc>
-                <a:spcPct val="150000"/>
-              </a:lnSpc>
-              <a:buClr>
-                <a:srgbClr val="e9ae2b">
-                  <a:alpha val="100000"/>
-                </a:srgbClr>
-              </a:buClr>
-              <a:buFont typeface="+mn-cs"/>
-              <a:buChar char="•"/>
-              <a:defRPr lang="ko-KR" altLang="en-US"/>
-            </a:pPr>
-            <a:endParaRPr lang="ko-KR" altLang="en-US" sz="1500">
-              <a:solidFill>
-                <a:schemeClr val="accent3">
-                  <a:lumMod val="50000"/>
-                </a:schemeClr>
-              </a:solidFill>
-              <a:cs typeface="+mj-cs"/>
-            </a:endParaRPr>
-          </a:p>
-          <a:p>
-            <a:pPr marL="637159" lvl="1" indent="-179959">
-              <a:lnSpc>
-                <a:spcPct val="150000"/>
-              </a:lnSpc>
-              <a:buClr>
-                <a:srgbClr val="e9ae2b">
-                  <a:alpha val="100000"/>
-                </a:srgbClr>
-              </a:buClr>
-              <a:buFont typeface="+mn-cs"/>
-              <a:buChar char="•"/>
-              <a:defRPr lang="ko-KR" altLang="en-US"/>
-            </a:pPr>
-            <a:endParaRPr lang="ko-KR" altLang="en-US" sz="1500">
-              <a:solidFill>
-                <a:schemeClr val="accent3">
-                  <a:lumMod val="50000"/>
-                </a:schemeClr>
-              </a:solidFill>
-              <a:cs typeface="+mj-cs"/>
-            </a:endParaRPr>
-          </a:p>
-        </p:txBody>
-      </p:sp>
-      <p:sp>
-        <p:nvSpPr>
-          <p:cNvPr id="4" name="직사각형 9"/>
-          <p:cNvSpPr/>
-          <p:nvPr/>
-        </p:nvSpPr>
-        <p:spPr>
-          <a:xfrm>
-            <a:off x="2119285" y="1500174"/>
-            <a:ext cx="3752876" cy="419103"/>
-          </a:xfrm>
-          <a:prstGeom prst="rect">
-            <a:avLst/>
-          </a:prstGeom>
-          <a:gradFill flip="none" rotWithShape="1">
-            <a:gsLst>
-              <a:gs pos="0">
-                <a:schemeClr val="accent1">
-                  <a:lumMod val="20000"/>
-                  <a:lumOff val="80000"/>
-                </a:schemeClr>
-              </a:gs>
-              <a:gs pos="7000">
-                <a:schemeClr val="accent1"/>
-              </a:gs>
-              <a:gs pos="93000">
-                <a:schemeClr val="accent1"/>
-              </a:gs>
-              <a:gs pos="100000">
-                <a:schemeClr val="accent1">
-                  <a:lumMod val="40000"/>
-                  <a:lumOff val="60000"/>
-                </a:schemeClr>
-              </a:gs>
-            </a:gsLst>
-            <a:lin ang="5400000" scaled="1"/>
-            <a:tileRect/>
-          </a:gradFill>
-          <a:ln w="12700">
-            <a:solidFill>
-              <a:schemeClr val="accent1"/>
-            </a:solidFill>
-          </a:ln>
-          <a:effectLst>
-            <a:outerShdw blurRad="50800" dist="38100" dir="2700000" algn="ctr" rotWithShape="0">
-              <a:srgbClr val="000000">
-                <a:alpha val="40000"/>
-              </a:srgbClr>
-            </a:outerShdw>
-          </a:effectLst>
-        </p:spPr>
-        <p:style>
-          <a:lnRef idx="2">
-            <a:schemeClr val="accent1">
-              <a:shade val="50000"/>
-            </a:schemeClr>
-          </a:lnRef>
-          <a:fillRef idx="1">
-            <a:schemeClr val="accent1"/>
-          </a:fillRef>
-          <a:effectRef idx="0">
-            <a:schemeClr val="accent1"/>
-          </a:effectRef>
-          <a:fontRef idx="minor">
-            <a:schemeClr val="lt1"/>
-          </a:fontRef>
-        </p:style>
-        <p:txBody>
-          <a:bodyPr vert="horz" wrap="square" lIns="91440" tIns="45720" rIns="91440" bIns="45720" anchor="ctr">
-            <a:noAutofit/>
-          </a:bodyPr>
-          <a:lstStyle/>
-          <a:p>
-            <a:pPr algn="ctr">
-              <a:spcBef>
-                <a:spcPct val="0"/>
-              </a:spcBef>
-              <a:spcAft>
-                <a:spcPct val="0"/>
-              </a:spcAft>
-              <a:defRPr lang="ko-KR" altLang="en-US"/>
-            </a:pPr>
-            <a:r>
-              <a:rPr lang="ko-KR" altLang="en-US" sz="2000">
-                <a:ln w="9525">
-                  <a:solidFill>
-                    <a:schemeClr val="dk1"/>
-                  </a:solidFill>
-                </a:ln>
-                <a:solidFill>
-                  <a:schemeClr val="dk1"/>
-                </a:solidFill>
-                <a:latin typeface="+mn-lt"/>
-                <a:cs typeface="+mn-cs"/>
-              </a:rPr>
-              <a:t>비기능적 요구사항</a:t>
-            </a:r>
-            <a:endParaRPr lang="ko-KR" altLang="en-US" sz="2000">
-              <a:ln w="9525">
-                <a:solidFill>
-                  <a:schemeClr val="dk1"/>
-                </a:solidFill>
-              </a:ln>
-              <a:solidFill>
-                <a:schemeClr val="dk1"/>
-              </a:solidFill>
-              <a:latin typeface="+mn-lt"/>
-              <a:cs typeface="+mn-cs"/>
-            </a:endParaRPr>
-          </a:p>
-        </p:txBody>
-      </p:sp>
-      <p:sp>
-        <p:nvSpPr>
-          <p:cNvPr id="5" name="직사각형 10"/>
-          <p:cNvSpPr/>
-          <p:nvPr/>
-        </p:nvSpPr>
-        <p:spPr>
-          <a:xfrm>
-            <a:off x="6310314" y="1500174"/>
-            <a:ext cx="3752876" cy="419103"/>
-          </a:xfrm>
-          <a:prstGeom prst="rect">
-            <a:avLst/>
-          </a:prstGeom>
-          <a:gradFill flip="none" rotWithShape="1">
-            <a:gsLst>
-              <a:gs pos="0">
-                <a:schemeClr val="accent3">
-                  <a:lumMod val="75000"/>
-                </a:schemeClr>
-              </a:gs>
-              <a:gs pos="7000">
-                <a:schemeClr val="accent3"/>
-              </a:gs>
-              <a:gs pos="93000">
-                <a:schemeClr val="accent3"/>
-              </a:gs>
-              <a:gs pos="100000">
-                <a:schemeClr val="accent3">
-                  <a:lumMod val="40000"/>
-                  <a:lumOff val="60000"/>
-                </a:schemeClr>
-              </a:gs>
-            </a:gsLst>
-            <a:lin ang="16200000" scaled="1"/>
-            <a:tileRect/>
-          </a:gradFill>
-          <a:ln w="12700">
-            <a:solidFill>
-              <a:schemeClr val="accent3"/>
-            </a:solidFill>
-          </a:ln>
-          <a:effectLst>
-            <a:outerShdw blurRad="50800" dist="38100" dir="2700000" algn="ctr" rotWithShape="0">
-              <a:srgbClr val="000000">
-                <a:alpha val="40000"/>
-              </a:srgbClr>
-            </a:outerShdw>
-          </a:effectLst>
-        </p:spPr>
-        <p:style>
-          <a:lnRef idx="2">
-            <a:schemeClr val="accent1">
-              <a:shade val="50000"/>
-            </a:schemeClr>
-          </a:lnRef>
-          <a:fillRef idx="1">
-            <a:schemeClr val="accent1"/>
-          </a:fillRef>
-          <a:effectRef idx="0">
-            <a:schemeClr val="accent1"/>
-          </a:effectRef>
-          <a:fontRef idx="minor">
-            <a:schemeClr val="lt1"/>
-          </a:fontRef>
-        </p:style>
-        <p:txBody>
-          <a:bodyPr vert="horz" wrap="square" lIns="91440" tIns="45720" rIns="91440" bIns="45720" anchor="ctr">
-            <a:noAutofit/>
-          </a:bodyPr>
-          <a:lstStyle/>
-          <a:p>
-            <a:pPr algn="ctr">
-              <a:spcBef>
-                <a:spcPct val="0"/>
-              </a:spcBef>
-              <a:spcAft>
-                <a:spcPct val="0"/>
-              </a:spcAft>
-              <a:defRPr lang="ko-KR" altLang="en-US"/>
-            </a:pPr>
-            <a:r>
-              <a:rPr lang="ko-KR" altLang="en-US" sz="2000">
-                <a:ln w="9525">
-                  <a:solidFill>
-                    <a:schemeClr val="dk1"/>
-                  </a:solidFill>
-                </a:ln>
-                <a:solidFill>
-                  <a:schemeClr val="dk1"/>
-                </a:solidFill>
-              </a:rPr>
-              <a:t>기능적 요구사항</a:t>
-            </a:r>
-            <a:endParaRPr lang="ko-KR" altLang="en-US" sz="2000">
-              <a:ln w="9525">
-                <a:solidFill>
-                  <a:schemeClr val="dk1"/>
-                </a:solidFill>
-              </a:ln>
-              <a:solidFill>
-                <a:schemeClr val="dk1"/>
-              </a:solidFill>
-            </a:endParaRPr>
-          </a:p>
-        </p:txBody>
-      </p:sp>
-    </p:spTree>
-    <p:extLst>
-      <p:ext uri="{BB962C8B-B14F-4D97-AF65-F5344CB8AC3E}">
-        <p14:creationId xmlns:p14="http://schemas.microsoft.com/office/powerpoint/2010/main" val="547432939"/>
-      </p:ext>
-    </p:extLst>
-  </p:cSld>
-  <p:clrMapOvr>
-    <a:masterClrMapping/>
-  </p:clrMapOvr>
-  <mc:AlternateContent xmlns:mc="http://schemas.openxmlformats.org/markup-compatibility/2006">
-    <mc:Choice xmlns:p14="http://schemas.microsoft.com/office/powerpoint/2010/main" Requires="p14">
-      <p:transition xmlns:mc="http://schemas.openxmlformats.org/markup-compatibility/2006" xmlns:p14="http://schemas.microsoft.com/office/powerpoint/2010/main" mc:Ignorable="p14" p14:dur="500"/>
-    </mc:Choice>
-    <mc:Fallback>
-      <p:transition/>
-    </mc:Fallback>
-  </mc:AlternateContent>
-</p:sld>
-</file>
-
-<file path=ppt/slides/slide11.xml><?xml version="1.0" encoding="utf-8"?>
 <p:sld xmlns:r="http://schemas.openxmlformats.org/officeDocument/2006/relationships" xmlns:c="http://schemas.openxmlformats.org/drawingml/2006/chart" xmlns:a="http://schemas.openxmlformats.org/drawingml/2006/main" xmlns:dgm="http://schemas.openxmlformats.org/drawingml/2006/diagram" xmlns:dsp="http://schemas.microsoft.com/office/drawing/2008/diagram" xmlns:p="http://schemas.openxmlformats.org/presentationml/2006/main">
   <p:cSld>
     <p:spTree>
@@ -30894,7 +29728,7 @@
 </p:sld>
 </file>
 
-<file path=ppt/slides/slide12.xml><?xml version="1.0" encoding="utf-8"?>
+<file path=ppt/slides/slide11.xml><?xml version="1.0" encoding="utf-8"?>
 <p:sld xmlns:r="http://schemas.openxmlformats.org/officeDocument/2006/relationships" xmlns:c="http://schemas.openxmlformats.org/drawingml/2006/chart" xmlns:a="http://schemas.openxmlformats.org/drawingml/2006/main" xmlns:dgm="http://schemas.openxmlformats.org/drawingml/2006/diagram" xmlns:dsp="http://schemas.microsoft.com/office/drawing/2008/diagram" xmlns:p="http://schemas.openxmlformats.org/presentationml/2006/main">
   <p:cSld>
     <p:spTree>
@@ -32635,6 +31469,4697 @@
     </mc:Choice>
     <mc:Fallback>
       <p:transition/>
+    </mc:Fallback>
+  </mc:AlternateContent>
+</p:sld>
+</file>
+
+<file path=ppt/slides/slide12.xml><?xml version="1.0" encoding="utf-8"?>
+<p:sld xmlns:a="http://schemas.openxmlformats.org/drawingml/2006/main" xmlns:r="http://schemas.openxmlformats.org/officeDocument/2006/relationships" xmlns:p="http://schemas.openxmlformats.org/presentationml/2006/main">
+  <p:cSld>
+    <p:spTree>
+      <p:nvGrpSpPr>
+        <p:cNvPr id="1" name=""/>
+        <p:cNvGrpSpPr/>
+        <p:nvPr/>
+      </p:nvGrpSpPr>
+      <p:grpSpPr>
+        <a:xfrm>
+          <a:off x="0" y="0"/>
+          <a:ext cx="0" cy="0"/>
+          <a:chOff x="0" y="0"/>
+          <a:chExt cx="0" cy="0"/>
+        </a:xfrm>
+      </p:grpSpPr>
+      <p:pic>
+        <p:nvPicPr>
+          <p:cNvPr id="2" name="그림 15" descr="C:/Users/tjddu/AppData/Roaming/PolarisOffice/ETemp/13440_18894120/fImage4677022841.png"/>
+          <p:cNvPicPr>
+            <a:picLocks noChangeAspect="1"/>
+          </p:cNvPicPr>
+          <p:nvPr/>
+        </p:nvPicPr>
+        <p:blipFill rotWithShape="1">
+          <a:blip r:embed="rId2" cstate="print">
+            <a:extLst>
+              <a:ext uri="{28A0092B-C50C-407E-A947-70E740481C1C}">
+                <a14:useLocalDpi xmlns:a14="http://schemas.microsoft.com/office/drawing/2010/main" val="0"/>
+              </a:ext>
+            </a:extLst>
+          </a:blip>
+          <a:stretch>
+            <a:fillRect/>
+          </a:stretch>
+        </p:blipFill>
+        <p:spPr>
+          <a:xfrm rot="0">
+            <a:off x="11070590" y="2696845"/>
+            <a:ext cx="663575" cy="1767205"/>
+          </a:xfrm>
+          <a:prstGeom prst="rect"/>
+          <a:noFill/>
+        </p:spPr>
+      </p:pic>
+      <p:pic>
+        <p:nvPicPr>
+          <p:cNvPr id="3" name="그림 16" descr="C:/Users/tjddu/AppData/Roaming/PolarisOffice/ETemp/13440_18894120/fImage3438122298467.png"/>
+          <p:cNvPicPr>
+            <a:picLocks noChangeAspect="1"/>
+          </p:cNvPicPr>
+          <p:nvPr/>
+        </p:nvPicPr>
+        <p:blipFill rotWithShape="1">
+          <a:blip r:embed="rId3" cstate="print">
+            <a:extLst>
+              <a:ext uri="{28A0092B-C50C-407E-A947-70E740481C1C}">
+                <a14:useLocalDpi xmlns:a14="http://schemas.microsoft.com/office/drawing/2010/main" val="0"/>
+              </a:ext>
+            </a:extLst>
+          </a:blip>
+          <a:stretch>
+            <a:fillRect/>
+          </a:stretch>
+        </p:blipFill>
+        <p:spPr>
+          <a:xfrm rot="0">
+            <a:off x="83820" y="2795905"/>
+            <a:ext cx="1136650" cy="1210310"/>
+          </a:xfrm>
+          <a:prstGeom prst="rect"/>
+          <a:noFill/>
+        </p:spPr>
+      </p:pic>
+      <p:sp>
+        <p:nvSpPr>
+          <p:cNvPr id="4" name="텍스트 상자 17"/>
+          <p:cNvSpPr txBox="1">
+            <a:spLocks/>
+          </p:cNvSpPr>
+          <p:nvPr/>
+        </p:nvSpPr>
+        <p:spPr>
+          <a:xfrm rot="0">
+            <a:off x="367665" y="2376170"/>
+            <a:ext cx="1273175" cy="370205"/>
+          </a:xfrm>
+          <a:prstGeom prst="rect"/>
+          <a:noFill/>
+          <a:ln>
+            <a:noFill/>
+            <a:prstDash/>
+          </a:ln>
+        </p:spPr>
+        <p:txBody>
+          <a:bodyPr wrap="square" lIns="89535" tIns="46355" rIns="89535" bIns="46355" vert="horz" anchor="t">
+            <a:spAutoFit/>
+          </a:bodyPr>
+          <a:lstStyle/>
+          <a:p>
+            <a:pPr marL="0" indent="0" algn="l" hangingPunct="1"/>
+            <a:r>
+              <a:rPr sz="1800">
+                <a:latin typeface="맑은 고딕" charset="0"/>
+                <a:ea typeface="맑은 고딕" charset="0"/>
+              </a:rPr>
+              <a:t>서</a:t>
+            </a:r>
+            <a:r>
+              <a:rPr lang="ko-KR" sz="1800">
+                <a:latin typeface="맑은 고딕" charset="0"/>
+                <a:ea typeface="맑은 고딕" charset="0"/>
+              </a:rPr>
+              <a:t>버</a:t>
+            </a:r>
+            <a:endParaRPr lang="ko-KR" altLang="en-US" sz="1800">
+              <a:latin typeface="맑은 고딕" charset="0"/>
+              <a:ea typeface="맑은 고딕" charset="0"/>
+            </a:endParaRPr>
+          </a:p>
+        </p:txBody>
+      </p:sp>
+      <p:sp>
+        <p:nvSpPr>
+          <p:cNvPr id="5" name="텍스트 상자 18"/>
+          <p:cNvSpPr txBox="1">
+            <a:spLocks/>
+          </p:cNvSpPr>
+          <p:nvPr/>
+        </p:nvSpPr>
+        <p:spPr>
+          <a:xfrm rot="0">
+            <a:off x="10683240" y="2372360"/>
+            <a:ext cx="1443990" cy="370205"/>
+          </a:xfrm>
+          <a:prstGeom prst="rect"/>
+          <a:noFill/>
+          <a:ln>
+            <a:noFill/>
+            <a:prstDash/>
+          </a:ln>
+        </p:spPr>
+        <p:txBody>
+          <a:bodyPr wrap="square" lIns="89535" tIns="46355" rIns="89535" bIns="46355" vert="horz" anchor="t">
+            <a:spAutoFit/>
+          </a:bodyPr>
+          <a:lstStyle/>
+          <a:p>
+            <a:pPr marL="0" indent="0" algn="l" hangingPunct="1"/>
+            <a:r>
+              <a:rPr lang="ko-KR" sz="1800">
+                <a:latin typeface="맑은 고딕" charset="0"/>
+                <a:ea typeface="맑은 고딕" charset="0"/>
+              </a:rPr>
+              <a:t>클라이언트</a:t>
+            </a:r>
+            <a:endParaRPr lang="ko-KR" altLang="en-US" sz="1800">
+              <a:latin typeface="맑은 고딕" charset="0"/>
+              <a:ea typeface="맑은 고딕" charset="0"/>
+            </a:endParaRPr>
+          </a:p>
+        </p:txBody>
+      </p:sp>
+      <p:sp>
+        <p:nvSpPr>
+          <p:cNvPr id="8" name="텍스트 상자 23"/>
+          <p:cNvSpPr txBox="1">
+            <a:spLocks/>
+          </p:cNvSpPr>
+          <p:nvPr/>
+        </p:nvSpPr>
+        <p:spPr>
+          <a:xfrm rot="0">
+            <a:off x="285750" y="473075"/>
+            <a:ext cx="4040505" cy="370205"/>
+          </a:xfrm>
+          <a:prstGeom prst="rect"/>
+          <a:noFill/>
+          <a:ln>
+            <a:noFill/>
+            <a:prstDash/>
+          </a:ln>
+        </p:spPr>
+        <p:txBody>
+          <a:bodyPr wrap="square" lIns="89535" tIns="46355" rIns="89535" bIns="46355" vert="horz" anchor="t">
+            <a:spAutoFit/>
+          </a:bodyPr>
+          <a:lstStyle/>
+          <a:p>
+            <a:pPr marL="0" indent="0" algn="l" hangingPunct="1"/>
+            <a:r>
+              <a:rPr lang="ko-KR" sz="1800">
+                <a:latin typeface="맑은 고딕" charset="0"/>
+                <a:ea typeface="맑은 고딕" charset="0"/>
+              </a:rPr>
+              <a:t>교통사고 </a:t>
+            </a:r>
+            <a:r>
+              <a:rPr sz="1800">
+                <a:latin typeface="맑은 고딕" charset="0"/>
+                <a:ea typeface="맑은 고딕" charset="0"/>
+              </a:rPr>
+              <a:t>프로그</a:t>
+            </a:r>
+            <a:r>
+              <a:rPr lang="ko-KR" sz="1800">
+                <a:latin typeface="맑은 고딕" charset="0"/>
+                <a:ea typeface="맑은 고딕" charset="0"/>
+              </a:rPr>
+              <a:t>램 </a:t>
+            </a:r>
+            <a:r>
+              <a:rPr lang="ko-KR" sz="1800">
+                <a:latin typeface="맑은 고딕" charset="0"/>
+                <a:ea typeface="맑은 고딕" charset="0"/>
+              </a:rPr>
+              <a:t>전</a:t>
+            </a:r>
+            <a:r>
+              <a:rPr lang="ko-KR" sz="1800">
+                <a:latin typeface="맑은 고딕" charset="0"/>
+                <a:ea typeface="맑은 고딕" charset="0"/>
+              </a:rPr>
+              <a:t>체 </a:t>
+            </a:r>
+            <a:r>
+              <a:rPr lang="ko-KR" sz="1800">
+                <a:latin typeface="맑은 고딕" charset="0"/>
+                <a:ea typeface="맑은 고딕" charset="0"/>
+              </a:rPr>
+              <a:t>구</a:t>
+            </a:r>
+            <a:r>
+              <a:rPr lang="ko-KR" sz="1800">
+                <a:latin typeface="맑은 고딕" charset="0"/>
+                <a:ea typeface="맑은 고딕" charset="0"/>
+              </a:rPr>
+              <a:t>성 흐름도</a:t>
+            </a:r>
+            <a:endParaRPr lang="ko-KR" altLang="en-US" sz="1800">
+              <a:latin typeface="맑은 고딕" charset="0"/>
+              <a:ea typeface="맑은 고딕" charset="0"/>
+            </a:endParaRPr>
+          </a:p>
+        </p:txBody>
+      </p:sp>
+      <p:sp>
+        <p:nvSpPr>
+          <p:cNvPr id="11" name="도형 167"/>
+          <p:cNvSpPr>
+            <a:spLocks noGrp="1"/>
+          </p:cNvSpPr>
+          <p:nvPr/>
+        </p:nvSpPr>
+        <p:spPr>
+          <a:xfrm rot="0">
+            <a:off x="2237105" y="1434465"/>
+            <a:ext cx="3316605" cy="464185"/>
+          </a:xfrm>
+          <a:prstGeom prst="rect"/>
+          <a:solidFill>
+            <a:srgbClr val="C7DFFD"/>
+          </a:solidFill>
+          <a:ln>
+            <a:noFill/>
+            <a:prstDash/>
+          </a:ln>
+        </p:spPr>
+        <p:txBody>
+          <a:bodyPr wrap="square" lIns="91440" tIns="45720" rIns="91440" bIns="45720" vert="horz" anchor="ctr">
+            <a:noAutofit/>
+          </a:bodyPr>
+          <a:lstStyle/>
+          <a:p>
+            <a:pPr marL="0" indent="0" rtl="0" algn="ctr" defTabSz="914400" eaLnBrk="1" latinLnBrk="0" hangingPunct="1">
+              <a:buFontTx/>
+              <a:buNone/>
+            </a:pPr>
+            <a:r>
+              <a:rPr sz="1600" b="1">
+                <a:solidFill>
+                  <a:schemeClr val="tx1"/>
+                </a:solidFill>
+                <a:latin typeface="맑은 고딕" charset="0"/>
+                <a:ea typeface="맑은 고딕" charset="0"/>
+                <a:sym typeface="맑은 고딕" charset="0"/>
+              </a:rPr>
+              <a:t>로그</a:t>
+            </a:r>
+            <a:r>
+              <a:rPr lang="ko-KR" sz="1600" b="1">
+                <a:solidFill>
+                  <a:schemeClr val="tx1"/>
+                </a:solidFill>
+                <a:latin typeface="맑은 고딕" charset="0"/>
+                <a:ea typeface="맑은 고딕" charset="0"/>
+                <a:sym typeface="맑은 고딕" charset="0"/>
+              </a:rPr>
+              <a:t>인/</a:t>
+            </a:r>
+            <a:r>
+              <a:rPr lang="ko-KR" sz="1600" b="1">
+                <a:solidFill>
+                  <a:schemeClr val="tx1"/>
+                </a:solidFill>
+                <a:latin typeface="맑은 고딕" charset="0"/>
+                <a:ea typeface="맑은 고딕" charset="0"/>
+                <a:sym typeface="맑은 고딕" charset="0"/>
+              </a:rPr>
+              <a:t>회원가</a:t>
+            </a:r>
+            <a:r>
+              <a:rPr lang="ko-KR" sz="1600" b="1">
+                <a:solidFill>
+                  <a:schemeClr val="tx1"/>
+                </a:solidFill>
+                <a:latin typeface="맑은 고딕" charset="0"/>
+                <a:ea typeface="맑은 고딕" charset="0"/>
+                <a:sym typeface="맑은 고딕" charset="0"/>
+              </a:rPr>
+              <a:t>입 </a:t>
+            </a:r>
+            <a:r>
+              <a:rPr lang="ko-KR" sz="1600" b="1">
+                <a:solidFill>
+                  <a:schemeClr val="tx1"/>
+                </a:solidFill>
+                <a:latin typeface="맑은 고딕" charset="0"/>
+                <a:ea typeface="맑은 고딕" charset="0"/>
+                <a:sym typeface="맑은 고딕" charset="0"/>
+              </a:rPr>
+              <a:t>정</a:t>
+            </a:r>
+            <a:r>
+              <a:rPr lang="ko-KR" sz="1600" b="1">
+                <a:solidFill>
+                  <a:schemeClr val="tx1"/>
+                </a:solidFill>
+                <a:latin typeface="맑은 고딕" charset="0"/>
+                <a:ea typeface="맑은 고딕" charset="0"/>
+                <a:sym typeface="맑은 고딕" charset="0"/>
+              </a:rPr>
+              <a:t>보</a:t>
+            </a:r>
+            <a:endParaRPr lang="ko-KR" altLang="en-US" sz="1600" b="1">
+              <a:solidFill>
+                <a:schemeClr val="tx1"/>
+              </a:solidFill>
+              <a:latin typeface="맑은 고딕" charset="0"/>
+              <a:ea typeface="맑은 고딕" charset="0"/>
+              <a:sym typeface="맑은 고딕" charset="0"/>
+            </a:endParaRPr>
+          </a:p>
+        </p:txBody>
+      </p:sp>
+      <p:sp>
+        <p:nvSpPr>
+          <p:cNvPr id="12" name="도형 168"/>
+          <p:cNvSpPr>
+            <a:spLocks noGrp="1"/>
+          </p:cNvSpPr>
+          <p:nvPr/>
+        </p:nvSpPr>
+        <p:spPr>
+          <a:xfrm rot="0">
+            <a:off x="2237105" y="2383155"/>
+            <a:ext cx="3316605" cy="464185"/>
+          </a:xfrm>
+          <a:prstGeom prst="rect"/>
+          <a:solidFill>
+            <a:srgbClr val="8EBFFC"/>
+          </a:solidFill>
+          <a:ln>
+            <a:noFill/>
+            <a:prstDash/>
+          </a:ln>
+        </p:spPr>
+        <p:txBody>
+          <a:bodyPr wrap="square" lIns="91440" tIns="45720" rIns="91440" bIns="45720" vert="horz" anchor="ctr">
+            <a:noAutofit/>
+          </a:bodyPr>
+          <a:lstStyle/>
+          <a:p>
+            <a:pPr marL="0" indent="0" rtl="0" algn="ctr" defTabSz="914400" eaLnBrk="1" latinLnBrk="0" hangingPunct="1">
+              <a:buFontTx/>
+              <a:buNone/>
+            </a:pPr>
+            <a:r>
+              <a:rPr lang="ko-KR" sz="1600" b="1">
+                <a:solidFill>
+                  <a:schemeClr val="tx1"/>
+                </a:solidFill>
+                <a:latin typeface="맑은 고딕" charset="0"/>
+                <a:ea typeface="맑은 고딕" charset="0"/>
+                <a:sym typeface="맑은 고딕" charset="0"/>
+              </a:rPr>
+              <a:t>클라이언트로 </a:t>
+            </a:r>
+            <a:r>
+              <a:rPr lang="ko-KR" sz="1600" b="1">
+                <a:solidFill>
+                  <a:schemeClr val="tx1"/>
+                </a:solidFill>
+                <a:latin typeface="맑은 고딕" charset="0"/>
+                <a:ea typeface="맑은 고딕" charset="0"/>
+                <a:sym typeface="맑은 고딕" charset="0"/>
+              </a:rPr>
+              <a:t>부</a:t>
+            </a:r>
+            <a:r>
+              <a:rPr lang="ko-KR" sz="1600" b="1">
+                <a:solidFill>
+                  <a:schemeClr val="tx1"/>
+                </a:solidFill>
+                <a:latin typeface="맑은 고딕" charset="0"/>
+                <a:ea typeface="맑은 고딕" charset="0"/>
+                <a:sym typeface="맑은 고딕" charset="0"/>
+              </a:rPr>
+              <a:t>터 명령어 응답</a:t>
+            </a:r>
+            <a:endParaRPr lang="ko-KR" altLang="en-US" sz="1600" b="1">
+              <a:solidFill>
+                <a:schemeClr val="tx1"/>
+              </a:solidFill>
+              <a:latin typeface="맑은 고딕" charset="0"/>
+              <a:ea typeface="맑은 고딕" charset="0"/>
+              <a:sym typeface="맑은 고딕" charset="0"/>
+            </a:endParaRPr>
+          </a:p>
+        </p:txBody>
+      </p:sp>
+      <p:sp>
+        <p:nvSpPr>
+          <p:cNvPr id="13" name="도형 169"/>
+          <p:cNvSpPr>
+            <a:spLocks noGrp="1"/>
+          </p:cNvSpPr>
+          <p:nvPr/>
+        </p:nvSpPr>
+        <p:spPr>
+          <a:xfrm rot="0">
+            <a:off x="2237105" y="3329940"/>
+            <a:ext cx="3316605" cy="464185"/>
+          </a:xfrm>
+          <a:prstGeom prst="rect"/>
+          <a:solidFill>
+            <a:srgbClr val="569FFA"/>
+          </a:solidFill>
+          <a:ln>
+            <a:noFill/>
+            <a:prstDash/>
+          </a:ln>
+        </p:spPr>
+        <p:txBody>
+          <a:bodyPr wrap="square" lIns="91440" tIns="45720" rIns="91440" bIns="45720" vert="horz" anchor="ctr">
+            <a:noAutofit/>
+          </a:bodyPr>
+          <a:lstStyle/>
+          <a:p>
+            <a:pPr marL="0" indent="0" rtl="0" algn="ctr" defTabSz="914400" eaLnBrk="1" latinLnBrk="0" hangingPunct="1">
+              <a:buFontTx/>
+              <a:buNone/>
+            </a:pPr>
+            <a:r>
+              <a:rPr lang="ko-KR" sz="1600" b="1">
+                <a:solidFill>
+                  <a:schemeClr val="tx1"/>
+                </a:solidFill>
+                <a:latin typeface="맑은 고딕" charset="0"/>
+                <a:ea typeface="맑은 고딕" charset="0"/>
+                <a:sym typeface="맑은 고딕" charset="0"/>
+              </a:rPr>
+              <a:t>해당 명령어 </a:t>
+            </a:r>
+            <a:r>
+              <a:rPr lang="ko-KR" sz="1600" b="1">
+                <a:solidFill>
+                  <a:schemeClr val="tx1"/>
+                </a:solidFill>
+                <a:latin typeface="맑은 고딕" charset="0"/>
+                <a:ea typeface="맑은 고딕" charset="0"/>
+                <a:sym typeface="맑은 고딕" charset="0"/>
+              </a:rPr>
+              <a:t>기</a:t>
+            </a:r>
+            <a:r>
+              <a:rPr lang="ko-KR" sz="1600" b="1">
+                <a:solidFill>
+                  <a:schemeClr val="tx1"/>
+                </a:solidFill>
+                <a:latin typeface="맑은 고딕" charset="0"/>
+                <a:ea typeface="맑은 고딕" charset="0"/>
+                <a:sym typeface="맑은 고딕" charset="0"/>
+              </a:rPr>
+              <a:t>능 </a:t>
+            </a:r>
+            <a:r>
+              <a:rPr lang="ko-KR" sz="1600" b="1">
+                <a:solidFill>
+                  <a:schemeClr val="tx1"/>
+                </a:solidFill>
+                <a:latin typeface="맑은 고딕" charset="0"/>
+                <a:ea typeface="맑은 고딕" charset="0"/>
+                <a:sym typeface="맑은 고딕" charset="0"/>
+              </a:rPr>
+              <a:t>수</a:t>
+            </a:r>
+            <a:r>
+              <a:rPr lang="ko-KR" sz="1600" b="1">
+                <a:solidFill>
+                  <a:schemeClr val="tx1"/>
+                </a:solidFill>
+                <a:latin typeface="맑은 고딕" charset="0"/>
+                <a:ea typeface="맑은 고딕" charset="0"/>
+                <a:sym typeface="맑은 고딕" charset="0"/>
+              </a:rPr>
+              <a:t>행</a:t>
+            </a:r>
+            <a:endParaRPr lang="ko-KR" altLang="en-US" sz="1600" b="1">
+              <a:solidFill>
+                <a:schemeClr val="tx1"/>
+              </a:solidFill>
+              <a:latin typeface="맑은 고딕" charset="0"/>
+              <a:ea typeface="맑은 고딕" charset="0"/>
+              <a:sym typeface="맑은 고딕" charset="0"/>
+            </a:endParaRPr>
+          </a:p>
+        </p:txBody>
+      </p:sp>
+      <p:sp>
+        <p:nvSpPr>
+          <p:cNvPr id="14" name="도형 170"/>
+          <p:cNvSpPr>
+            <a:spLocks noGrp="1"/>
+          </p:cNvSpPr>
+          <p:nvPr/>
+        </p:nvSpPr>
+        <p:spPr>
+          <a:xfrm rot="0">
+            <a:off x="2237105" y="4288155"/>
+            <a:ext cx="3316605" cy="464185"/>
+          </a:xfrm>
+          <a:prstGeom prst="rect"/>
+          <a:solidFill>
+            <a:srgbClr val="1D7FF9"/>
+          </a:solidFill>
+          <a:ln>
+            <a:noFill/>
+            <a:prstDash/>
+          </a:ln>
+        </p:spPr>
+        <p:txBody>
+          <a:bodyPr wrap="square" lIns="91440" tIns="45720" rIns="91440" bIns="45720" vert="horz" anchor="ctr">
+            <a:noAutofit/>
+          </a:bodyPr>
+          <a:lstStyle/>
+          <a:p>
+            <a:pPr marL="0" indent="0" rtl="0" algn="ctr" defTabSz="914400" eaLnBrk="1" latinLnBrk="0" hangingPunct="1">
+              <a:buFontTx/>
+              <a:buNone/>
+            </a:pPr>
+            <a:r>
+              <a:rPr sz="1600" b="1">
+                <a:solidFill>
+                  <a:schemeClr val="tx1"/>
+                </a:solidFill>
+                <a:latin typeface="맑은 고딕" charset="0"/>
+                <a:ea typeface="맑은 고딕" charset="0"/>
+                <a:sym typeface="맑은 고딕" charset="0"/>
+              </a:rPr>
+              <a:t>클라이언트에</a:t>
+            </a:r>
+            <a:r>
+              <a:rPr lang="ko-KR" sz="1600" b="1">
+                <a:solidFill>
+                  <a:schemeClr val="tx1"/>
+                </a:solidFill>
+                <a:latin typeface="맑은 고딕" charset="0"/>
+                <a:ea typeface="맑은 고딕" charset="0"/>
+                <a:sym typeface="맑은 고딕" charset="0"/>
+              </a:rPr>
+              <a:t>게 전송</a:t>
+            </a:r>
+            <a:endParaRPr lang="ko-KR" altLang="en-US" sz="1600" b="1">
+              <a:solidFill>
+                <a:schemeClr val="tx1"/>
+              </a:solidFill>
+              <a:latin typeface="맑은 고딕" charset="0"/>
+              <a:ea typeface="맑은 고딕" charset="0"/>
+              <a:sym typeface="맑은 고딕" charset="0"/>
+            </a:endParaRPr>
+          </a:p>
+        </p:txBody>
+      </p:sp>
+      <p:sp>
+        <p:nvSpPr>
+          <p:cNvPr id="15" name="도형 171"/>
+          <p:cNvSpPr>
+            <a:spLocks/>
+          </p:cNvSpPr>
+          <p:nvPr/>
+        </p:nvSpPr>
+        <p:spPr>
+          <a:xfrm rot="10800000">
+            <a:off x="3769995" y="2046605"/>
+            <a:ext cx="251460" cy="186690"/>
+          </a:xfrm>
+          <a:prstGeom prst="triangle"/>
+          <a:solidFill>
+            <a:srgbClr val="C7DFFD"/>
+          </a:solidFill>
+          <a:ln>
+            <a:noFill/>
+            <a:prstDash/>
+          </a:ln>
+        </p:spPr>
+        <p:style>
+          <a:lnRef idx="2">
+            <a:schemeClr val="accent1">
+              <a:shade val="50000"/>
+            </a:schemeClr>
+          </a:lnRef>
+          <a:fillRef idx="1">
+            <a:schemeClr val="accent1"/>
+          </a:fillRef>
+          <a:effectRef idx="0">
+            <a:schemeClr val="accent1"/>
+          </a:effectRef>
+          <a:fontRef idx="minor">
+            <a:schemeClr val="lt1"/>
+          </a:fontRef>
+        </p:style>
+        <p:txBody>
+          <a:bodyPr wrap="square" lIns="91440" tIns="45720" rIns="91440" bIns="45720" vert="horz" anchor="ctr">
+            <a:noAutofit/>
+          </a:bodyPr>
+          <a:lstStyle/>
+          <a:p>
+            <a:pPr marL="0" indent="0" rtl="0" algn="ctr" defTabSz="914400" eaLnBrk="1" latinLnBrk="1" hangingPunct="1">
+              <a:buFontTx/>
+              <a:buNone/>
+            </a:pPr>
+            <a:endParaRPr lang="ko-KR" altLang="en-US" sz="1800">
+              <a:latin typeface="맑은 고딕" charset="0"/>
+              <a:ea typeface="맑은 고딕" charset="0"/>
+              <a:sym typeface="맑은 고딕" charset="0"/>
+            </a:endParaRPr>
+          </a:p>
+        </p:txBody>
+      </p:sp>
+      <p:sp>
+        <p:nvSpPr>
+          <p:cNvPr id="16" name="도형 172"/>
+          <p:cNvSpPr>
+            <a:spLocks/>
+          </p:cNvSpPr>
+          <p:nvPr/>
+        </p:nvSpPr>
+        <p:spPr>
+          <a:xfrm rot="10800000">
+            <a:off x="3769360" y="2995295"/>
+            <a:ext cx="251460" cy="186690"/>
+          </a:xfrm>
+          <a:prstGeom prst="triangle"/>
+          <a:solidFill>
+            <a:srgbClr val="8EBFFC"/>
+          </a:solidFill>
+          <a:ln>
+            <a:noFill/>
+            <a:prstDash/>
+          </a:ln>
+        </p:spPr>
+        <p:style>
+          <a:lnRef idx="2">
+            <a:schemeClr val="accent1">
+              <a:shade val="50000"/>
+            </a:schemeClr>
+          </a:lnRef>
+          <a:fillRef idx="1">
+            <a:schemeClr val="accent1"/>
+          </a:fillRef>
+          <a:effectRef idx="0">
+            <a:schemeClr val="accent1"/>
+          </a:effectRef>
+          <a:fontRef idx="minor">
+            <a:schemeClr val="lt1"/>
+          </a:fontRef>
+        </p:style>
+        <p:txBody>
+          <a:bodyPr wrap="square" lIns="91440" tIns="45720" rIns="91440" bIns="45720" vert="horz" anchor="ctr">
+            <a:noAutofit/>
+          </a:bodyPr>
+          <a:lstStyle/>
+          <a:p>
+            <a:pPr marL="0" indent="0" rtl="0" algn="ctr" defTabSz="914400" eaLnBrk="1" latinLnBrk="1" hangingPunct="1">
+              <a:buFontTx/>
+              <a:buNone/>
+            </a:pPr>
+            <a:endParaRPr lang="ko-KR" altLang="en-US" sz="1800">
+              <a:latin typeface="맑은 고딕" charset="0"/>
+              <a:ea typeface="맑은 고딕" charset="0"/>
+              <a:sym typeface="맑은 고딕" charset="0"/>
+            </a:endParaRPr>
+          </a:p>
+        </p:txBody>
+      </p:sp>
+      <p:sp>
+        <p:nvSpPr>
+          <p:cNvPr id="17" name="도형 173"/>
+          <p:cNvSpPr>
+            <a:spLocks/>
+          </p:cNvSpPr>
+          <p:nvPr/>
+        </p:nvSpPr>
+        <p:spPr>
+          <a:xfrm rot="10800000">
+            <a:off x="3769360" y="3943985"/>
+            <a:ext cx="251460" cy="186690"/>
+          </a:xfrm>
+          <a:prstGeom prst="triangle"/>
+          <a:solidFill>
+            <a:srgbClr val="569FFA"/>
+          </a:solidFill>
+          <a:ln>
+            <a:noFill/>
+            <a:prstDash/>
+          </a:ln>
+        </p:spPr>
+        <p:style>
+          <a:lnRef idx="2">
+            <a:schemeClr val="accent1">
+              <a:shade val="50000"/>
+            </a:schemeClr>
+          </a:lnRef>
+          <a:fillRef idx="1">
+            <a:schemeClr val="accent1"/>
+          </a:fillRef>
+          <a:effectRef idx="0">
+            <a:schemeClr val="accent1"/>
+          </a:effectRef>
+          <a:fontRef idx="minor">
+            <a:schemeClr val="lt1"/>
+          </a:fontRef>
+        </p:style>
+        <p:txBody>
+          <a:bodyPr wrap="square" lIns="91440" tIns="45720" rIns="91440" bIns="45720" vert="horz" anchor="ctr">
+            <a:noAutofit/>
+          </a:bodyPr>
+          <a:lstStyle/>
+          <a:p>
+            <a:pPr marL="0" indent="0" rtl="0" algn="ctr" defTabSz="914400" eaLnBrk="1" latinLnBrk="1" hangingPunct="1">
+              <a:buFontTx/>
+              <a:buNone/>
+            </a:pPr>
+            <a:endParaRPr lang="ko-KR" altLang="en-US" sz="1800">
+              <a:latin typeface="맑은 고딕" charset="0"/>
+              <a:ea typeface="맑은 고딕" charset="0"/>
+              <a:sym typeface="맑은 고딕" charset="0"/>
+            </a:endParaRPr>
+          </a:p>
+        </p:txBody>
+      </p:sp>
+      <p:sp>
+        <p:nvSpPr>
+          <p:cNvPr id="18" name="도형 174"/>
+          <p:cNvSpPr>
+            <a:spLocks noGrp="1"/>
+          </p:cNvSpPr>
+          <p:nvPr/>
+        </p:nvSpPr>
+        <p:spPr>
+          <a:xfrm rot="0">
+            <a:off x="6532880" y="1434465"/>
+            <a:ext cx="3316605" cy="464185"/>
+          </a:xfrm>
+          <a:prstGeom prst="rect"/>
+          <a:solidFill>
+            <a:srgbClr val="C7DFFD"/>
+          </a:solidFill>
+          <a:ln>
+            <a:noFill/>
+            <a:prstDash/>
+          </a:ln>
+        </p:spPr>
+        <p:txBody>
+          <a:bodyPr wrap="square" lIns="91440" tIns="45720" rIns="91440" bIns="45720" vert="horz" anchor="ctr">
+            <a:noAutofit/>
+          </a:bodyPr>
+          <a:lstStyle/>
+          <a:p>
+            <a:pPr marL="0" indent="0" rtl="0" algn="ctr" defTabSz="914400" eaLnBrk="1" latinLnBrk="0" hangingPunct="1">
+              <a:buFontTx/>
+              <a:buNone/>
+            </a:pPr>
+            <a:r>
+              <a:rPr sz="1600" b="1">
+                <a:solidFill>
+                  <a:schemeClr val="tx1"/>
+                </a:solidFill>
+                <a:latin typeface="맑은 고딕" charset="0"/>
+                <a:ea typeface="맑은 고딕" charset="0"/>
+                <a:sym typeface="맑은 고딕" charset="0"/>
+              </a:rPr>
+              <a:t>로그</a:t>
+            </a:r>
+            <a:r>
+              <a:rPr lang="ko-KR" sz="1600" b="1">
+                <a:solidFill>
+                  <a:schemeClr val="tx1"/>
+                </a:solidFill>
+                <a:latin typeface="맑은 고딕" charset="0"/>
+                <a:ea typeface="맑은 고딕" charset="0"/>
+                <a:sym typeface="맑은 고딕" charset="0"/>
+              </a:rPr>
+              <a:t>인/</a:t>
+            </a:r>
+            <a:r>
+              <a:rPr lang="ko-KR" sz="1600" b="1">
+                <a:solidFill>
+                  <a:schemeClr val="tx1"/>
+                </a:solidFill>
+                <a:latin typeface="맑은 고딕" charset="0"/>
+                <a:ea typeface="맑은 고딕" charset="0"/>
+                <a:sym typeface="맑은 고딕" charset="0"/>
+              </a:rPr>
+              <a:t>회원가</a:t>
+            </a:r>
+            <a:r>
+              <a:rPr lang="ko-KR" sz="1600" b="1">
+                <a:solidFill>
+                  <a:schemeClr val="tx1"/>
+                </a:solidFill>
+                <a:latin typeface="맑은 고딕" charset="0"/>
+                <a:ea typeface="맑은 고딕" charset="0"/>
+                <a:sym typeface="맑은 고딕" charset="0"/>
+              </a:rPr>
+              <a:t>입 인터페이스</a:t>
+            </a:r>
+            <a:endParaRPr lang="ko-KR" altLang="en-US" sz="1600" b="1">
+              <a:solidFill>
+                <a:schemeClr val="tx1"/>
+              </a:solidFill>
+              <a:latin typeface="맑은 고딕" charset="0"/>
+              <a:ea typeface="맑은 고딕" charset="0"/>
+              <a:sym typeface="맑은 고딕" charset="0"/>
+            </a:endParaRPr>
+          </a:p>
+        </p:txBody>
+      </p:sp>
+      <p:sp>
+        <p:nvSpPr>
+          <p:cNvPr id="19" name="도형 175"/>
+          <p:cNvSpPr>
+            <a:spLocks noGrp="1"/>
+          </p:cNvSpPr>
+          <p:nvPr/>
+        </p:nvSpPr>
+        <p:spPr>
+          <a:xfrm rot="0">
+            <a:off x="6532880" y="2383155"/>
+            <a:ext cx="3316605" cy="464185"/>
+          </a:xfrm>
+          <a:prstGeom prst="rect"/>
+          <a:solidFill>
+            <a:srgbClr val="8EBFFC"/>
+          </a:solidFill>
+          <a:ln>
+            <a:noFill/>
+            <a:prstDash/>
+          </a:ln>
+        </p:spPr>
+        <p:txBody>
+          <a:bodyPr wrap="square" lIns="91440" tIns="45720" rIns="91440" bIns="45720" vert="horz" anchor="ctr">
+            <a:noAutofit/>
+          </a:bodyPr>
+          <a:lstStyle/>
+          <a:p>
+            <a:pPr marL="0" indent="0" rtl="0" algn="ctr" defTabSz="914400" eaLnBrk="1" latinLnBrk="0" hangingPunct="1">
+              <a:buFontTx/>
+              <a:buNone/>
+            </a:pPr>
+            <a:r>
+              <a:rPr lang="ko-KR" sz="1600" b="1">
+                <a:solidFill>
+                  <a:schemeClr val="tx1"/>
+                </a:solidFill>
+                <a:latin typeface="맑은 고딕" charset="0"/>
+                <a:ea typeface="맑은 고딕" charset="0"/>
+                <a:sym typeface="맑은 고딕" charset="0"/>
+              </a:rPr>
+              <a:t>교통사고 관련 </a:t>
+            </a:r>
+            <a:r>
+              <a:rPr lang="ko-KR" sz="1600" b="1">
+                <a:solidFill>
+                  <a:schemeClr val="tx1"/>
+                </a:solidFill>
+                <a:latin typeface="맑은 고딕" charset="0"/>
+                <a:ea typeface="맑은 고딕" charset="0"/>
+                <a:sym typeface="맑은 고딕" charset="0"/>
+              </a:rPr>
+              <a:t>기</a:t>
+            </a:r>
+            <a:r>
+              <a:rPr lang="ko-KR" sz="1600" b="1">
+                <a:solidFill>
+                  <a:schemeClr val="tx1"/>
+                </a:solidFill>
+                <a:latin typeface="맑은 고딕" charset="0"/>
+                <a:ea typeface="맑은 고딕" charset="0"/>
+                <a:sym typeface="맑은 고딕" charset="0"/>
+              </a:rPr>
+              <a:t>능 </a:t>
+            </a:r>
+            <a:r>
+              <a:rPr lang="ko-KR" sz="1600" b="1">
+                <a:solidFill>
+                  <a:schemeClr val="tx1"/>
+                </a:solidFill>
+                <a:latin typeface="맑은 고딕" charset="0"/>
+                <a:ea typeface="맑은 고딕" charset="0"/>
+                <a:sym typeface="맑은 고딕" charset="0"/>
+              </a:rPr>
+              <a:t>인터페이</a:t>
+            </a:r>
+            <a:r>
+              <a:rPr lang="ko-KR" sz="1600" b="1">
+                <a:solidFill>
+                  <a:schemeClr val="tx1"/>
+                </a:solidFill>
+                <a:latin typeface="맑은 고딕" charset="0"/>
+                <a:ea typeface="맑은 고딕" charset="0"/>
+                <a:sym typeface="맑은 고딕" charset="0"/>
+              </a:rPr>
+              <a:t>스</a:t>
+            </a:r>
+            <a:endParaRPr lang="ko-KR" altLang="en-US" sz="1600" b="1">
+              <a:solidFill>
+                <a:schemeClr val="tx1"/>
+              </a:solidFill>
+              <a:latin typeface="맑은 고딕" charset="0"/>
+              <a:ea typeface="맑은 고딕" charset="0"/>
+              <a:sym typeface="맑은 고딕" charset="0"/>
+            </a:endParaRPr>
+          </a:p>
+        </p:txBody>
+      </p:sp>
+      <p:sp>
+        <p:nvSpPr>
+          <p:cNvPr id="20" name="도형 176"/>
+          <p:cNvSpPr>
+            <a:spLocks noGrp="1"/>
+          </p:cNvSpPr>
+          <p:nvPr/>
+        </p:nvSpPr>
+        <p:spPr>
+          <a:xfrm rot="0">
+            <a:off x="6532880" y="3329940"/>
+            <a:ext cx="3316605" cy="464185"/>
+          </a:xfrm>
+          <a:prstGeom prst="rect"/>
+          <a:solidFill>
+            <a:srgbClr val="569FFA"/>
+          </a:solidFill>
+          <a:ln>
+            <a:noFill/>
+            <a:prstDash/>
+          </a:ln>
+        </p:spPr>
+        <p:txBody>
+          <a:bodyPr wrap="square" lIns="91440" tIns="45720" rIns="91440" bIns="45720" vert="horz" anchor="ctr">
+            <a:noAutofit/>
+          </a:bodyPr>
+          <a:lstStyle/>
+          <a:p>
+            <a:pPr marL="0" indent="0" rtl="0" algn="ctr" defTabSz="914400" eaLnBrk="1" latinLnBrk="0" hangingPunct="1">
+              <a:buFontTx/>
+              <a:buNone/>
+            </a:pPr>
+            <a:r>
+              <a:rPr sz="1600" b="1">
+                <a:solidFill>
+                  <a:schemeClr val="tx1"/>
+                </a:solidFill>
+                <a:latin typeface="맑은 고딕" charset="0"/>
+                <a:ea typeface="맑은 고딕" charset="0"/>
+                <a:sym typeface="맑은 고딕" charset="0"/>
+              </a:rPr>
+              <a:t>명령</a:t>
+            </a:r>
+            <a:r>
+              <a:rPr lang="ko-KR" sz="1600" b="1">
+                <a:solidFill>
+                  <a:schemeClr val="tx1"/>
+                </a:solidFill>
+                <a:latin typeface="맑은 고딕" charset="0"/>
+                <a:ea typeface="맑은 고딕" charset="0"/>
+                <a:sym typeface="맑은 고딕" charset="0"/>
+              </a:rPr>
+              <a:t>어 </a:t>
+            </a:r>
+            <a:r>
+              <a:rPr lang="ko-KR" sz="1600" b="1">
+                <a:solidFill>
+                  <a:schemeClr val="tx1"/>
+                </a:solidFill>
+                <a:latin typeface="맑은 고딕" charset="0"/>
+                <a:ea typeface="맑은 고딕" charset="0"/>
+                <a:sym typeface="맑은 고딕" charset="0"/>
+              </a:rPr>
+              <a:t>+ 입력</a:t>
+            </a:r>
+            <a:r>
+              <a:rPr lang="ko-KR" sz="1600" b="1">
+                <a:solidFill>
+                  <a:schemeClr val="tx1"/>
+                </a:solidFill>
+                <a:latin typeface="맑은 고딕" charset="0"/>
+                <a:ea typeface="맑은 고딕" charset="0"/>
+                <a:sym typeface="맑은 고딕" charset="0"/>
+              </a:rPr>
+              <a:t>값 </a:t>
+            </a:r>
+            <a:r>
+              <a:rPr lang="ko-KR" sz="1600" b="1">
+                <a:solidFill>
+                  <a:schemeClr val="tx1"/>
+                </a:solidFill>
+                <a:latin typeface="맑은 고딕" charset="0"/>
+                <a:ea typeface="맑은 고딕" charset="0"/>
+                <a:sym typeface="맑은 고딕" charset="0"/>
+              </a:rPr>
+              <a:t>전</a:t>
+            </a:r>
+            <a:r>
+              <a:rPr lang="ko-KR" sz="1600" b="1">
+                <a:solidFill>
+                  <a:schemeClr val="tx1"/>
+                </a:solidFill>
+                <a:latin typeface="맑은 고딕" charset="0"/>
+                <a:ea typeface="맑은 고딕" charset="0"/>
+                <a:sym typeface="맑은 고딕" charset="0"/>
+              </a:rPr>
+              <a:t>송</a:t>
+            </a:r>
+            <a:endParaRPr lang="ko-KR" altLang="en-US" sz="1600" b="1">
+              <a:solidFill>
+                <a:schemeClr val="tx1"/>
+              </a:solidFill>
+              <a:latin typeface="맑은 고딕" charset="0"/>
+              <a:ea typeface="맑은 고딕" charset="0"/>
+              <a:sym typeface="맑은 고딕" charset="0"/>
+            </a:endParaRPr>
+          </a:p>
+        </p:txBody>
+      </p:sp>
+      <p:sp>
+        <p:nvSpPr>
+          <p:cNvPr id="21" name="도형 177"/>
+          <p:cNvSpPr>
+            <a:spLocks noGrp="1"/>
+          </p:cNvSpPr>
+          <p:nvPr/>
+        </p:nvSpPr>
+        <p:spPr>
+          <a:xfrm rot="0">
+            <a:off x="6581775" y="4287520"/>
+            <a:ext cx="3316605" cy="464185"/>
+          </a:xfrm>
+          <a:prstGeom prst="rect"/>
+          <a:solidFill>
+            <a:srgbClr val="1D7FF9"/>
+          </a:solidFill>
+          <a:ln>
+            <a:noFill/>
+            <a:prstDash/>
+          </a:ln>
+        </p:spPr>
+        <p:txBody>
+          <a:bodyPr wrap="square" lIns="91440" tIns="45720" rIns="91440" bIns="45720" vert="horz" anchor="ctr">
+            <a:noAutofit/>
+          </a:bodyPr>
+          <a:lstStyle/>
+          <a:p>
+            <a:pPr marL="0" indent="0" rtl="0" algn="ctr" defTabSz="914400" eaLnBrk="1" latinLnBrk="0" hangingPunct="1">
+              <a:buFontTx/>
+              <a:buNone/>
+            </a:pPr>
+            <a:r>
+              <a:rPr lang="ko-KR" sz="1600" b="1">
+                <a:solidFill>
+                  <a:schemeClr val="tx1"/>
+                </a:solidFill>
+                <a:latin typeface="맑은 고딕" charset="0"/>
+                <a:ea typeface="맑은 고딕" charset="0"/>
+                <a:sym typeface="맑은 고딕" charset="0"/>
+              </a:rPr>
+              <a:t>서버로부터 </a:t>
+            </a:r>
+            <a:r>
+              <a:rPr lang="ko-KR" sz="1600" b="1">
+                <a:solidFill>
+                  <a:schemeClr val="tx1"/>
+                </a:solidFill>
+                <a:latin typeface="맑은 고딕" charset="0"/>
+                <a:ea typeface="맑은 고딕" charset="0"/>
+                <a:sym typeface="맑은 고딕" charset="0"/>
+              </a:rPr>
+              <a:t>해</a:t>
+            </a:r>
+            <a:r>
+              <a:rPr lang="ko-KR" sz="1600" b="1">
+                <a:solidFill>
+                  <a:schemeClr val="tx1"/>
+                </a:solidFill>
+                <a:latin typeface="맑은 고딕" charset="0"/>
+                <a:ea typeface="맑은 고딕" charset="0"/>
+                <a:sym typeface="맑은 고딕" charset="0"/>
+              </a:rPr>
+              <a:t>당 </a:t>
+            </a:r>
+            <a:r>
+              <a:rPr lang="ko-KR" sz="1600" b="1">
+                <a:solidFill>
+                  <a:schemeClr val="tx1"/>
+                </a:solidFill>
+                <a:latin typeface="맑은 고딕" charset="0"/>
+                <a:ea typeface="맑은 고딕" charset="0"/>
+                <a:sym typeface="맑은 고딕" charset="0"/>
+              </a:rPr>
+              <a:t>내</a:t>
+            </a:r>
+            <a:r>
+              <a:rPr lang="ko-KR" sz="1600" b="1">
+                <a:solidFill>
+                  <a:schemeClr val="tx1"/>
+                </a:solidFill>
+                <a:latin typeface="맑은 고딕" charset="0"/>
+                <a:ea typeface="맑은 고딕" charset="0"/>
+                <a:sym typeface="맑은 고딕" charset="0"/>
+              </a:rPr>
+              <a:t>용 </a:t>
+            </a:r>
+            <a:r>
+              <a:rPr lang="ko-KR" sz="1600" b="1">
+                <a:solidFill>
+                  <a:schemeClr val="tx1"/>
+                </a:solidFill>
+                <a:latin typeface="맑은 고딕" charset="0"/>
+                <a:ea typeface="맑은 고딕" charset="0"/>
+                <a:sym typeface="맑은 고딕" charset="0"/>
+              </a:rPr>
+              <a:t>수</a:t>
+            </a:r>
+            <a:r>
+              <a:rPr lang="ko-KR" sz="1600" b="1">
+                <a:solidFill>
+                  <a:schemeClr val="tx1"/>
+                </a:solidFill>
+                <a:latin typeface="맑은 고딕" charset="0"/>
+                <a:ea typeface="맑은 고딕" charset="0"/>
+                <a:sym typeface="맑은 고딕" charset="0"/>
+              </a:rPr>
+              <a:t>신</a:t>
+            </a:r>
+            <a:endParaRPr lang="ko-KR" altLang="en-US" sz="1600" b="1">
+              <a:solidFill>
+                <a:schemeClr val="tx1"/>
+              </a:solidFill>
+              <a:latin typeface="맑은 고딕" charset="0"/>
+              <a:ea typeface="맑은 고딕" charset="0"/>
+              <a:sym typeface="맑은 고딕" charset="0"/>
+            </a:endParaRPr>
+          </a:p>
+        </p:txBody>
+      </p:sp>
+      <p:sp>
+        <p:nvSpPr>
+          <p:cNvPr id="22" name="도형 178"/>
+          <p:cNvSpPr>
+            <a:spLocks/>
+          </p:cNvSpPr>
+          <p:nvPr/>
+        </p:nvSpPr>
+        <p:spPr>
+          <a:xfrm rot="10800000">
+            <a:off x="8065770" y="2046605"/>
+            <a:ext cx="251460" cy="186690"/>
+          </a:xfrm>
+          <a:prstGeom prst="triangle"/>
+          <a:solidFill>
+            <a:srgbClr val="C7DFFD"/>
+          </a:solidFill>
+          <a:ln>
+            <a:noFill/>
+            <a:prstDash/>
+          </a:ln>
+        </p:spPr>
+        <p:style>
+          <a:lnRef idx="2">
+            <a:schemeClr val="accent1">
+              <a:shade val="50000"/>
+            </a:schemeClr>
+          </a:lnRef>
+          <a:fillRef idx="1">
+            <a:schemeClr val="accent1"/>
+          </a:fillRef>
+          <a:effectRef idx="0">
+            <a:schemeClr val="accent1"/>
+          </a:effectRef>
+          <a:fontRef idx="minor">
+            <a:schemeClr val="lt1"/>
+          </a:fontRef>
+        </p:style>
+        <p:txBody>
+          <a:bodyPr wrap="square" lIns="91440" tIns="45720" rIns="91440" bIns="45720" vert="horz" anchor="ctr">
+            <a:noAutofit/>
+          </a:bodyPr>
+          <a:lstStyle/>
+          <a:p>
+            <a:pPr marL="0" indent="0" rtl="0" algn="ctr" defTabSz="914400" eaLnBrk="1" latinLnBrk="1" hangingPunct="1">
+              <a:buFontTx/>
+              <a:buNone/>
+            </a:pPr>
+            <a:endParaRPr lang="ko-KR" altLang="en-US" sz="1800">
+              <a:latin typeface="맑은 고딕" charset="0"/>
+              <a:ea typeface="맑은 고딕" charset="0"/>
+              <a:sym typeface="맑은 고딕" charset="0"/>
+            </a:endParaRPr>
+          </a:p>
+        </p:txBody>
+      </p:sp>
+      <p:sp>
+        <p:nvSpPr>
+          <p:cNvPr id="23" name="도형 179"/>
+          <p:cNvSpPr>
+            <a:spLocks/>
+          </p:cNvSpPr>
+          <p:nvPr/>
+        </p:nvSpPr>
+        <p:spPr>
+          <a:xfrm rot="10800000">
+            <a:off x="8065135" y="2995295"/>
+            <a:ext cx="251460" cy="186690"/>
+          </a:xfrm>
+          <a:prstGeom prst="triangle"/>
+          <a:solidFill>
+            <a:srgbClr val="8EBFFC"/>
+          </a:solidFill>
+          <a:ln>
+            <a:noFill/>
+            <a:prstDash/>
+          </a:ln>
+        </p:spPr>
+        <p:style>
+          <a:lnRef idx="2">
+            <a:schemeClr val="accent1">
+              <a:shade val="50000"/>
+            </a:schemeClr>
+          </a:lnRef>
+          <a:fillRef idx="1">
+            <a:schemeClr val="accent1"/>
+          </a:fillRef>
+          <a:effectRef idx="0">
+            <a:schemeClr val="accent1"/>
+          </a:effectRef>
+          <a:fontRef idx="minor">
+            <a:schemeClr val="lt1"/>
+          </a:fontRef>
+        </p:style>
+        <p:txBody>
+          <a:bodyPr wrap="square" lIns="91440" tIns="45720" rIns="91440" bIns="45720" vert="horz" anchor="ctr">
+            <a:noAutofit/>
+          </a:bodyPr>
+          <a:lstStyle/>
+          <a:p>
+            <a:pPr marL="0" indent="0" rtl="0" algn="ctr" defTabSz="914400" eaLnBrk="1" latinLnBrk="1" hangingPunct="1">
+              <a:buFontTx/>
+              <a:buNone/>
+            </a:pPr>
+            <a:endParaRPr lang="ko-KR" altLang="en-US" sz="1800">
+              <a:latin typeface="맑은 고딕" charset="0"/>
+              <a:ea typeface="맑은 고딕" charset="0"/>
+              <a:sym typeface="맑은 고딕" charset="0"/>
+            </a:endParaRPr>
+          </a:p>
+        </p:txBody>
+      </p:sp>
+      <p:sp>
+        <p:nvSpPr>
+          <p:cNvPr id="24" name="도형 180"/>
+          <p:cNvSpPr>
+            <a:spLocks/>
+          </p:cNvSpPr>
+          <p:nvPr/>
+        </p:nvSpPr>
+        <p:spPr>
+          <a:xfrm rot="10800000">
+            <a:off x="8065135" y="3943985"/>
+            <a:ext cx="251460" cy="186690"/>
+          </a:xfrm>
+          <a:prstGeom prst="triangle"/>
+          <a:solidFill>
+            <a:srgbClr val="569FFA"/>
+          </a:solidFill>
+          <a:ln>
+            <a:noFill/>
+            <a:prstDash/>
+          </a:ln>
+        </p:spPr>
+        <p:style>
+          <a:lnRef idx="2">
+            <a:schemeClr val="accent1">
+              <a:shade val="50000"/>
+            </a:schemeClr>
+          </a:lnRef>
+          <a:fillRef idx="1">
+            <a:schemeClr val="accent1"/>
+          </a:fillRef>
+          <a:effectRef idx="0">
+            <a:schemeClr val="accent1"/>
+          </a:effectRef>
+          <a:fontRef idx="minor">
+            <a:schemeClr val="lt1"/>
+          </a:fontRef>
+        </p:style>
+        <p:txBody>
+          <a:bodyPr wrap="square" lIns="91440" tIns="45720" rIns="91440" bIns="45720" vert="horz" anchor="ctr">
+            <a:noAutofit/>
+          </a:bodyPr>
+          <a:lstStyle/>
+          <a:p>
+            <a:pPr marL="0" indent="0" rtl="0" algn="ctr" defTabSz="914400" eaLnBrk="1" latinLnBrk="1" hangingPunct="1">
+              <a:buFontTx/>
+              <a:buNone/>
+            </a:pPr>
+            <a:endParaRPr lang="ko-KR" altLang="en-US" sz="1800">
+              <a:latin typeface="맑은 고딕" charset="0"/>
+              <a:ea typeface="맑은 고딕" charset="0"/>
+              <a:sym typeface="맑은 고딕" charset="0"/>
+            </a:endParaRPr>
+          </a:p>
+        </p:txBody>
+      </p:sp>
+    </p:spTree>
+  </p:cSld>
+  <p:clrMapOvr>
+    <a:masterClrMapping/>
+  </p:clrMapOvr>
+  <mc:AlternateContent xmlns:mc="http://schemas.openxmlformats.org/markup-compatibility/2006">
+    <mc:Choice xmlns:p14="http://schemas.microsoft.com/office/powerpoint/2010/main" Requires="p14">
+      <p:transition spd="slow" p14:dur="2000"/>
+    </mc:Choice>
+    <mc:Fallback>
+      <p:transition spd="slow"/>
+    </mc:Fallback>
+  </mc:AlternateContent>
+</p:sld>
+</file>
+
+<file path=ppt/slides/slide13.xml><?xml version="1.0" encoding="utf-8"?>
+<p:sld xmlns:a="http://schemas.openxmlformats.org/drawingml/2006/main" xmlns:r="http://schemas.openxmlformats.org/officeDocument/2006/relationships" xmlns:p="http://schemas.openxmlformats.org/presentationml/2006/main">
+  <p:cSld>
+    <p:spTree>
+      <p:nvGrpSpPr>
+        <p:cNvPr id="1" name=""/>
+        <p:cNvGrpSpPr/>
+        <p:nvPr/>
+      </p:nvGrpSpPr>
+      <p:grpSpPr>
+        <a:xfrm>
+          <a:off x="0" y="0"/>
+          <a:ext cx="0" cy="0"/>
+          <a:chOff x="0" y="0"/>
+          <a:chExt cx="0" cy="0"/>
+        </a:xfrm>
+      </p:grpSpPr>
+      <p:graphicFrame>
+        <p:nvGraphicFramePr>
+          <p:cNvPr id="2" name="표 183"/>
+          <p:cNvGraphicFramePr>
+            <a:graphicFrameLocks noGrp="1"/>
+          </p:cNvGraphicFramePr>
+          <p:nvPr/>
+        </p:nvGraphicFramePr>
+        <p:xfrm>
+          <a:off x="1282700" y="747395"/>
+          <a:ext cx="9109075" cy="5930265"/>
+        </p:xfrm>
+        <a:graphic>
+          <a:graphicData uri="http://schemas.openxmlformats.org/drawingml/2006/table">
+            <a:tbl>
+              <a:tblPr firstRow="1" bandRow="1">
+                <a:tableStyleId>{5C22544A-7EE6-4342-B048-85BDC9FD1C3A}</a:tableStyleId>
+              </a:tblPr>
+              <a:tblGrid>
+                <a:gridCol w="1011555"/>
+                <a:gridCol w="1518285"/>
+                <a:gridCol w="4048760"/>
+                <a:gridCol w="2530475"/>
+              </a:tblGrid>
+              <a:tr h="415290">
+                <a:tc>
+                  <a:txBody>
+                    <a:bodyPr/>
+                    <a:lstStyle/>
+                    <a:p>
+                      <a:pPr marL="0" indent="0" lvl="1">
+                        <a:buFontTx/>
+                        <a:buNone/>
+                      </a:pPr>
+                      <a:r>
+                        <a:rPr sz="1800" kern="1200" i="0" b="1">
+                          <a:solidFill>
+                            <a:schemeClr val="lt1"/>
+                          </a:solidFill>
+                          <a:latin typeface="Calibri" charset="0"/>
+                          <a:ea typeface="맑은 고딕" charset="0"/>
+                          <a:sym typeface="맑은 고딕" charset="0"/>
+                        </a:rPr>
+                        <a:t>명령어</a:t>
+                      </a:r>
+                      <a:endParaRPr lang="ko-KR" altLang="en-US" sz="1800" kern="1200" i="0" b="1">
+                        <a:solidFill>
+                          <a:schemeClr val="lt1"/>
+                        </a:solidFill>
+                        <a:latin typeface="Calibri" charset="0"/>
+                        <a:ea typeface="맑은 고딕" charset="0"/>
+                        <a:sym typeface="맑은 고딕" charset="0"/>
+                      </a:endParaRPr>
+                    </a:p>
+                  </a:txBody>
+                  <a:tcPr marL="91440" marR="91440" marT="45720" marB="45720" anchor="t">
+                    <a:lnL w="12700" cap="flat" cmpd="sng" algn="ctr">
+                      <a:solidFill>
+                        <a:srgbClr val="FFFFFF">
+                          <a:alpha val="100000"/>
+                        </a:srgbClr>
+                      </a:solidFill>
+                      <a:prstDash val="solid"/>
+                      <a:round/>
+                      <a:headEnd type="none" w="med" len="med"/>
+                      <a:tailEnd type="none" w="med" len="med"/>
+                    </a:lnL>
+                    <a:lnR w="12700" cap="flat" cmpd="sng" algn="ctr">
+                      <a:solidFill>
+                        <a:srgbClr val="FFFFFF">
+                          <a:alpha val="100000"/>
+                        </a:srgbClr>
+                      </a:solidFill>
+                      <a:prstDash val="solid"/>
+                      <a:round/>
+                      <a:headEnd type="none" w="med" len="med"/>
+                      <a:tailEnd type="none" w="med" len="med"/>
+                    </a:lnR>
+                    <a:lnT w="12700" cap="flat" cmpd="sng" algn="ctr">
+                      <a:solidFill>
+                        <a:srgbClr val="FFFFFF">
+                          <a:alpha val="100000"/>
+                        </a:srgbClr>
+                      </a:solidFill>
+                      <a:prstDash val="solid"/>
+                      <a:round/>
+                      <a:headEnd type="none" w="med" len="med"/>
+                      <a:tailEnd type="none" w="med" len="med"/>
+                    </a:lnT>
+                    <a:lnB w="38100" cap="flat" cmpd="sng" algn="ctr">
+                      <a:solidFill>
+                        <a:srgbClr val="FFFFFF">
+                          <a:alpha val="100000"/>
+                        </a:srgbClr>
+                      </a:solidFill>
+                      <a:prstDash val="solid"/>
+                      <a:round/>
+                      <a:headEnd type="none" w="med" len="med"/>
+                      <a:tailEnd type="none" w="med" len="med"/>
+                    </a:lnB>
+                  </a:tcPr>
+                </a:tc>
+                <a:tc>
+                  <a:txBody>
+                    <a:bodyPr/>
+                    <a:lstStyle/>
+                    <a:p>
+                      <a:pPr marL="0" indent="0" lvl="1">
+                        <a:buFontTx/>
+                        <a:buNone/>
+                      </a:pPr>
+                      <a:r>
+                        <a:rPr sz="1800" kern="1200" i="0" b="1">
+                          <a:solidFill>
+                            <a:schemeClr val="lt1"/>
+                          </a:solidFill>
+                          <a:latin typeface="Calibri" charset="0"/>
+                          <a:ea typeface="맑은 고딕" charset="0"/>
+                          <a:sym typeface="맑은 고딕" charset="0"/>
+                        </a:rPr>
+                        <a:t>분류</a:t>
+                      </a:r>
+                      <a:endParaRPr lang="ko-KR" altLang="en-US" sz="1800" kern="1200" i="0" b="1">
+                        <a:solidFill>
+                          <a:schemeClr val="lt1"/>
+                        </a:solidFill>
+                        <a:latin typeface="Calibri" charset="0"/>
+                        <a:ea typeface="맑은 고딕" charset="0"/>
+                        <a:sym typeface="맑은 고딕" charset="0"/>
+                      </a:endParaRPr>
+                    </a:p>
+                  </a:txBody>
+                  <a:tcPr marL="91440" marR="91440" marT="45720" marB="45720" anchor="t">
+                    <a:lnL w="12700" cap="flat" cmpd="sng" algn="ctr">
+                      <a:solidFill>
+                        <a:srgbClr val="FFFFFF">
+                          <a:alpha val="100000"/>
+                        </a:srgbClr>
+                      </a:solidFill>
+                      <a:prstDash val="solid"/>
+                      <a:round/>
+                      <a:headEnd type="none" w="med" len="med"/>
+                      <a:tailEnd type="none" w="med" len="med"/>
+                    </a:lnL>
+                    <a:lnR w="12700" cap="flat" cmpd="sng" algn="ctr">
+                      <a:solidFill>
+                        <a:srgbClr val="FFFFFF">
+                          <a:alpha val="100000"/>
+                        </a:srgbClr>
+                      </a:solidFill>
+                      <a:prstDash val="solid"/>
+                      <a:round/>
+                      <a:headEnd type="none" w="med" len="med"/>
+                      <a:tailEnd type="none" w="med" len="med"/>
+                    </a:lnR>
+                    <a:lnT w="12700" cap="flat" cmpd="sng" algn="ctr">
+                      <a:solidFill>
+                        <a:srgbClr val="FFFFFF">
+                          <a:alpha val="100000"/>
+                        </a:srgbClr>
+                      </a:solidFill>
+                      <a:prstDash val="solid"/>
+                      <a:round/>
+                      <a:headEnd type="none" w="med" len="med"/>
+                      <a:tailEnd type="none" w="med" len="med"/>
+                    </a:lnT>
+                    <a:lnB w="38100" cap="flat" cmpd="sng" algn="ctr">
+                      <a:solidFill>
+                        <a:srgbClr val="FFFFFF">
+                          <a:alpha val="100000"/>
+                        </a:srgbClr>
+                      </a:solidFill>
+                      <a:prstDash val="solid"/>
+                      <a:round/>
+                      <a:headEnd type="none" w="med" len="med"/>
+                      <a:tailEnd type="none" w="med" len="med"/>
+                    </a:lnB>
+                  </a:tcPr>
+                </a:tc>
+                <a:tc>
+                  <a:txBody>
+                    <a:bodyPr/>
+                    <a:lstStyle/>
+                    <a:p>
+                      <a:pPr marL="0" indent="0" lvl="1">
+                        <a:buFontTx/>
+                        <a:buNone/>
+                      </a:pPr>
+                      <a:r>
+                        <a:rPr sz="1800" kern="1200" i="0" b="1">
+                          <a:solidFill>
+                            <a:schemeClr val="lt1"/>
+                          </a:solidFill>
+                          <a:latin typeface="Calibri" charset="0"/>
+                          <a:ea typeface="맑은 고딕" charset="0"/>
+                          <a:sym typeface="맑은 고딕" charset="0"/>
+                        </a:rPr>
+                        <a:t>기능 설명</a:t>
+                      </a:r>
+                      <a:endParaRPr lang="ko-KR" altLang="en-US" sz="1800" kern="1200" i="0" b="1">
+                        <a:solidFill>
+                          <a:schemeClr val="lt1"/>
+                        </a:solidFill>
+                        <a:latin typeface="Calibri" charset="0"/>
+                        <a:ea typeface="맑은 고딕" charset="0"/>
+                        <a:sym typeface="맑은 고딕" charset="0"/>
+                      </a:endParaRPr>
+                    </a:p>
+                  </a:txBody>
+                  <a:tcPr marL="91440" marR="91440" marT="45720" marB="45720" anchor="t">
+                    <a:lnL w="12700" cap="flat" cmpd="sng" algn="ctr">
+                      <a:solidFill>
+                        <a:srgbClr val="FFFFFF">
+                          <a:alpha val="100000"/>
+                        </a:srgbClr>
+                      </a:solidFill>
+                      <a:prstDash val="solid"/>
+                      <a:round/>
+                      <a:headEnd type="none" w="med" len="med"/>
+                      <a:tailEnd type="none" w="med" len="med"/>
+                    </a:lnL>
+                    <a:lnR w="12700" cap="flat" cmpd="sng" algn="ctr">
+                      <a:solidFill>
+                        <a:srgbClr val="FFFFFF">
+                          <a:alpha val="100000"/>
+                        </a:srgbClr>
+                      </a:solidFill>
+                      <a:prstDash val="solid"/>
+                      <a:round/>
+                      <a:headEnd type="none" w="med" len="med"/>
+                      <a:tailEnd type="none" w="med" len="med"/>
+                    </a:lnR>
+                    <a:lnT w="12700" cap="flat" cmpd="sng" algn="ctr">
+                      <a:solidFill>
+                        <a:srgbClr val="FFFFFF">
+                          <a:alpha val="100000"/>
+                        </a:srgbClr>
+                      </a:solidFill>
+                      <a:prstDash val="solid"/>
+                      <a:round/>
+                      <a:headEnd type="none" w="med" len="med"/>
+                      <a:tailEnd type="none" w="med" len="med"/>
+                    </a:lnT>
+                    <a:lnB w="38100" cap="flat" cmpd="sng" algn="ctr">
+                      <a:solidFill>
+                        <a:srgbClr val="FFFFFF">
+                          <a:alpha val="100000"/>
+                        </a:srgbClr>
+                      </a:solidFill>
+                      <a:prstDash val="solid"/>
+                      <a:round/>
+                      <a:headEnd type="none" w="med" len="med"/>
+                      <a:tailEnd type="none" w="med" len="med"/>
+                    </a:lnB>
+                  </a:tcPr>
+                </a:tc>
+                <a:tc>
+                  <a:txBody>
+                    <a:bodyPr/>
+                    <a:lstStyle/>
+                    <a:p>
+                      <a:pPr marL="0" indent="0" lvl="1">
+                        <a:buFontTx/>
+                        <a:buNone/>
+                      </a:pPr>
+                      <a:r>
+                        <a:rPr sz="1800" kern="1200" i="0" b="1">
+                          <a:solidFill>
+                            <a:schemeClr val="lt1"/>
+                          </a:solidFill>
+                          <a:latin typeface="Calibri" charset="0"/>
+                          <a:ea typeface="맑은 고딕" charset="0"/>
+                          <a:sym typeface="맑은 고딕" charset="0"/>
+                        </a:rPr>
+                        <a:t>명령어 예시</a:t>
+                      </a:r>
+                      <a:endParaRPr lang="ko-KR" altLang="en-US" sz="1800" kern="1200" i="0" b="1">
+                        <a:solidFill>
+                          <a:schemeClr val="lt1"/>
+                        </a:solidFill>
+                        <a:latin typeface="Calibri" charset="0"/>
+                        <a:ea typeface="맑은 고딕" charset="0"/>
+                        <a:sym typeface="맑은 고딕" charset="0"/>
+                      </a:endParaRPr>
+                    </a:p>
+                  </a:txBody>
+                  <a:tcPr marL="91440" marR="91440" marT="45720" marB="45720" anchor="t">
+                    <a:lnL w="12700" cap="flat" cmpd="sng" algn="ctr">
+                      <a:solidFill>
+                        <a:srgbClr val="FFFFFF">
+                          <a:alpha val="100000"/>
+                        </a:srgbClr>
+                      </a:solidFill>
+                      <a:prstDash val="solid"/>
+                      <a:round/>
+                      <a:headEnd type="none" w="med" len="med"/>
+                      <a:tailEnd type="none" w="med" len="med"/>
+                    </a:lnL>
+                    <a:lnR w="12700" cap="flat" cmpd="sng" algn="ctr">
+                      <a:solidFill>
+                        <a:srgbClr val="FFFFFF">
+                          <a:alpha val="100000"/>
+                        </a:srgbClr>
+                      </a:solidFill>
+                      <a:prstDash val="solid"/>
+                      <a:round/>
+                      <a:headEnd type="none" w="med" len="med"/>
+                      <a:tailEnd type="none" w="med" len="med"/>
+                    </a:lnR>
+                    <a:lnT w="12700" cap="flat" cmpd="sng" algn="ctr">
+                      <a:solidFill>
+                        <a:srgbClr val="FFFFFF">
+                          <a:alpha val="100000"/>
+                        </a:srgbClr>
+                      </a:solidFill>
+                      <a:prstDash val="solid"/>
+                      <a:round/>
+                      <a:headEnd type="none" w="med" len="med"/>
+                      <a:tailEnd type="none" w="med" len="med"/>
+                    </a:lnT>
+                    <a:lnB w="38100" cap="flat" cmpd="sng" algn="ctr">
+                      <a:solidFill>
+                        <a:srgbClr val="FFFFFF">
+                          <a:alpha val="100000"/>
+                        </a:srgbClr>
+                      </a:solidFill>
+                      <a:prstDash val="solid"/>
+                      <a:round/>
+                      <a:headEnd type="none" w="med" len="med"/>
+                      <a:tailEnd type="none" w="med" len="med"/>
+                    </a:lnB>
+                  </a:tcPr>
+                </a:tc>
+              </a:tr>
+              <a:tr h="445135">
+                <a:tc>
+                  <a:txBody>
+                    <a:bodyPr/>
+                    <a:lstStyle/>
+                    <a:p>
+                      <a:pPr marL="0" indent="0" lvl="1">
+                        <a:buFontTx/>
+                        <a:buNone/>
+                      </a:pPr>
+                      <a:r>
+                        <a:rPr sz="1800" kern="1200" i="0" b="0">
+                          <a:solidFill>
+                            <a:schemeClr val="dk1"/>
+                          </a:solidFill>
+                          <a:latin typeface="Calibri" charset="0"/>
+                          <a:ea typeface="맑은 고딕" charset="0"/>
+                          <a:sym typeface="맑은 고딕" charset="0"/>
+                        </a:rPr>
+                        <a:t>lo</a:t>
+                      </a:r>
+                      <a:endParaRPr lang="ko-KR" altLang="en-US" sz="1800" kern="1200" i="0" b="0">
+                        <a:solidFill>
+                          <a:schemeClr val="dk1"/>
+                        </a:solidFill>
+                        <a:latin typeface="Calibri" charset="0"/>
+                        <a:ea typeface="맑은 고딕" charset="0"/>
+                        <a:sym typeface="맑은 고딕" charset="0"/>
+                      </a:endParaRPr>
+                    </a:p>
+                  </a:txBody>
+                  <a:tcPr marL="91440" marR="91440" marT="45720" marB="45720" anchor="t">
+                    <a:lnL w="12700" cap="flat" cmpd="sng" algn="ctr">
+                      <a:solidFill>
+                        <a:srgbClr val="FFFFFF">
+                          <a:alpha val="100000"/>
+                        </a:srgbClr>
+                      </a:solidFill>
+                      <a:prstDash val="solid"/>
+                      <a:round/>
+                      <a:headEnd type="none" w="med" len="med"/>
+                      <a:tailEnd type="none" w="med" len="med"/>
+                    </a:lnL>
+                    <a:lnR w="12700" cap="flat" cmpd="sng" algn="ctr">
+                      <a:solidFill>
+                        <a:srgbClr val="FFFFFF">
+                          <a:alpha val="100000"/>
+                        </a:srgbClr>
+                      </a:solidFill>
+                      <a:prstDash val="solid"/>
+                      <a:round/>
+                      <a:headEnd type="none" w="med" len="med"/>
+                      <a:tailEnd type="none" w="med" len="med"/>
+                    </a:lnR>
+                    <a:lnT w="12700" cap="flat" cmpd="sng" algn="ctr">
+                      <a:solidFill>
+                        <a:srgbClr val="FFFFFF">
+                          <a:alpha val="100000"/>
+                        </a:srgbClr>
+                      </a:solidFill>
+                      <a:prstDash val="solid"/>
+                      <a:round/>
+                      <a:headEnd type="none" w="med" len="med"/>
+                      <a:tailEnd type="none" w="med" len="med"/>
+                    </a:lnT>
+                    <a:lnB w="12700" cap="flat" cmpd="sng" algn="ctr">
+                      <a:solidFill>
+                        <a:srgbClr val="FFFFFF">
+                          <a:alpha val="100000"/>
+                        </a:srgbClr>
+                      </a:solidFill>
+                      <a:prstDash val="solid"/>
+                      <a:round/>
+                      <a:headEnd type="none" w="med" len="med"/>
+                      <a:tailEnd type="none" w="med" len="med"/>
+                    </a:lnB>
+                  </a:tcPr>
+                </a:tc>
+                <a:tc>
+                  <a:txBody>
+                    <a:bodyPr/>
+                    <a:lstStyle/>
+                    <a:p>
+                      <a:pPr marL="0" indent="0" lvl="1">
+                        <a:buFontTx/>
+                        <a:buNone/>
+                      </a:pPr>
+                      <a:r>
+                        <a:rPr sz="1800" kern="1200" i="0" b="0">
+                          <a:solidFill>
+                            <a:schemeClr val="dk1"/>
+                          </a:solidFill>
+                          <a:latin typeface="Calibri" charset="0"/>
+                          <a:ea typeface="맑은 고딕" charset="0"/>
+                          <a:sym typeface="맑은 고딕" charset="0"/>
+                        </a:rPr>
+                        <a:t>로그인</a:t>
+                      </a:r>
+                      <a:endParaRPr lang="ko-KR" altLang="en-US" sz="1800" kern="1200" i="0" b="0">
+                        <a:solidFill>
+                          <a:schemeClr val="dk1"/>
+                        </a:solidFill>
+                        <a:latin typeface="Calibri" charset="0"/>
+                        <a:ea typeface="맑은 고딕" charset="0"/>
+                        <a:sym typeface="맑은 고딕" charset="0"/>
+                      </a:endParaRPr>
+                    </a:p>
+                  </a:txBody>
+                  <a:tcPr marL="91440" marR="91440" marT="45720" marB="45720" anchor="t">
+                    <a:lnL w="12700" cap="flat" cmpd="sng" algn="ctr">
+                      <a:solidFill>
+                        <a:srgbClr val="FFFFFF">
+                          <a:alpha val="100000"/>
+                        </a:srgbClr>
+                      </a:solidFill>
+                      <a:prstDash val="solid"/>
+                      <a:round/>
+                      <a:headEnd type="none" w="med" len="med"/>
+                      <a:tailEnd type="none" w="med" len="med"/>
+                    </a:lnL>
+                    <a:lnR w="12700" cap="flat" cmpd="sng" algn="ctr">
+                      <a:solidFill>
+                        <a:srgbClr val="FFFFFF">
+                          <a:alpha val="100000"/>
+                        </a:srgbClr>
+                      </a:solidFill>
+                      <a:prstDash val="solid"/>
+                      <a:round/>
+                      <a:headEnd type="none" w="med" len="med"/>
+                      <a:tailEnd type="none" w="med" len="med"/>
+                    </a:lnR>
+                    <a:lnT w="12700" cap="flat" cmpd="sng" algn="ctr">
+                      <a:solidFill>
+                        <a:srgbClr val="FFFFFF">
+                          <a:alpha val="100000"/>
+                        </a:srgbClr>
+                      </a:solidFill>
+                      <a:prstDash val="solid"/>
+                      <a:round/>
+                      <a:headEnd type="none" w="med" len="med"/>
+                      <a:tailEnd type="none" w="med" len="med"/>
+                    </a:lnT>
+                    <a:lnB w="12700" cap="flat" cmpd="sng" algn="ctr">
+                      <a:solidFill>
+                        <a:srgbClr val="FFFFFF">
+                          <a:alpha val="100000"/>
+                        </a:srgbClr>
+                      </a:solidFill>
+                      <a:prstDash val="solid"/>
+                      <a:round/>
+                      <a:headEnd type="none" w="med" len="med"/>
+                      <a:tailEnd type="none" w="med" len="med"/>
+                    </a:lnB>
+                  </a:tcPr>
+                </a:tc>
+                <a:tc>
+                  <a:txBody>
+                    <a:bodyPr/>
+                    <a:lstStyle/>
+                    <a:p>
+                      <a:pPr marL="0" indent="0" lvl="1">
+                        <a:buFontTx/>
+                        <a:buNone/>
+                      </a:pPr>
+                      <a:r>
+                        <a:rPr sz="1800" kern="1200" i="0" b="0">
+                          <a:solidFill>
+                            <a:schemeClr val="dk1"/>
+                          </a:solidFill>
+                          <a:latin typeface="Calibri" charset="0"/>
+                          <a:ea typeface="맑은 고딕" charset="0"/>
+                          <a:sym typeface="맑은 고딕" charset="0"/>
+                        </a:rPr>
+                        <a:t>사용자 로그인 기능</a:t>
+                      </a:r>
+                      <a:endParaRPr lang="ko-KR" altLang="en-US" sz="1800" kern="1200" i="0" b="0">
+                        <a:solidFill>
+                          <a:schemeClr val="dk1"/>
+                        </a:solidFill>
+                        <a:latin typeface="Calibri" charset="0"/>
+                        <a:ea typeface="맑은 고딕" charset="0"/>
+                        <a:sym typeface="맑은 고딕" charset="0"/>
+                      </a:endParaRPr>
+                    </a:p>
+                  </a:txBody>
+                  <a:tcPr marL="91440" marR="91440" marT="45720" marB="45720" anchor="t">
+                    <a:lnL w="12700" cap="flat" cmpd="sng" algn="ctr">
+                      <a:solidFill>
+                        <a:srgbClr val="FFFFFF">
+                          <a:alpha val="100000"/>
+                        </a:srgbClr>
+                      </a:solidFill>
+                      <a:prstDash val="solid"/>
+                      <a:round/>
+                      <a:headEnd type="none" w="med" len="med"/>
+                      <a:tailEnd type="none" w="med" len="med"/>
+                    </a:lnL>
+                    <a:lnR w="12700" cap="flat" cmpd="sng" algn="ctr">
+                      <a:solidFill>
+                        <a:srgbClr val="FFFFFF">
+                          <a:alpha val="100000"/>
+                        </a:srgbClr>
+                      </a:solidFill>
+                      <a:prstDash val="solid"/>
+                      <a:round/>
+                      <a:headEnd type="none" w="med" len="med"/>
+                      <a:tailEnd type="none" w="med" len="med"/>
+                    </a:lnR>
+                    <a:lnT w="12700" cap="flat" cmpd="sng" algn="ctr">
+                      <a:solidFill>
+                        <a:srgbClr val="FFFFFF">
+                          <a:alpha val="100000"/>
+                        </a:srgbClr>
+                      </a:solidFill>
+                      <a:prstDash val="solid"/>
+                      <a:round/>
+                      <a:headEnd type="none" w="med" len="med"/>
+                      <a:tailEnd type="none" w="med" len="med"/>
+                    </a:lnT>
+                    <a:lnB w="12700" cap="flat" cmpd="sng" algn="ctr">
+                      <a:solidFill>
+                        <a:srgbClr val="FFFFFF">
+                          <a:alpha val="100000"/>
+                        </a:srgbClr>
+                      </a:solidFill>
+                      <a:prstDash val="solid"/>
+                      <a:round/>
+                      <a:headEnd type="none" w="med" len="med"/>
+                      <a:tailEnd type="none" w="med" len="med"/>
+                    </a:lnB>
+                  </a:tcPr>
+                </a:tc>
+                <a:tc>
+                  <a:txBody>
+                    <a:bodyPr/>
+                    <a:lstStyle/>
+                    <a:p>
+                      <a:pPr marL="0" indent="0" lvl="1">
+                        <a:buFontTx/>
+                        <a:buNone/>
+                      </a:pPr>
+                      <a:r>
+                        <a:rPr sz="1800" kern="1200" i="0" b="0">
+                          <a:solidFill>
+                            <a:schemeClr val="dk1"/>
+                          </a:solidFill>
+                          <a:latin typeface="Calibri" charset="0"/>
+                          <a:ea typeface="맑은 고딕" charset="0"/>
+                          <a:sym typeface="맑은 고딕" charset="0"/>
+                        </a:rPr>
+                        <a:t>lo/ID/PW</a:t>
+                      </a:r>
+                      <a:endParaRPr lang="ko-KR" altLang="en-US" sz="1800" kern="1200" i="0" b="0">
+                        <a:solidFill>
+                          <a:schemeClr val="dk1"/>
+                        </a:solidFill>
+                        <a:latin typeface="Calibri" charset="0"/>
+                        <a:ea typeface="맑은 고딕" charset="0"/>
+                        <a:sym typeface="맑은 고딕" charset="0"/>
+                      </a:endParaRPr>
+                    </a:p>
+                  </a:txBody>
+                  <a:tcPr marL="91440" marR="91440" marT="45720" marB="45720" anchor="t">
+                    <a:lnL w="12700" cap="flat" cmpd="sng" algn="ctr">
+                      <a:solidFill>
+                        <a:srgbClr val="FFFFFF">
+                          <a:alpha val="100000"/>
+                        </a:srgbClr>
+                      </a:solidFill>
+                      <a:prstDash val="solid"/>
+                      <a:round/>
+                      <a:headEnd type="none" w="med" len="med"/>
+                      <a:tailEnd type="none" w="med" len="med"/>
+                    </a:lnL>
+                    <a:lnR w="12700" cap="flat" cmpd="sng" algn="ctr">
+                      <a:solidFill>
+                        <a:srgbClr val="FFFFFF">
+                          <a:alpha val="100000"/>
+                        </a:srgbClr>
+                      </a:solidFill>
+                      <a:prstDash val="solid"/>
+                      <a:round/>
+                      <a:headEnd type="none" w="med" len="med"/>
+                      <a:tailEnd type="none" w="med" len="med"/>
+                    </a:lnR>
+                    <a:lnT w="12700" cap="flat" cmpd="sng" algn="ctr">
+                      <a:solidFill>
+                        <a:srgbClr val="FFFFFF">
+                          <a:alpha val="100000"/>
+                        </a:srgbClr>
+                      </a:solidFill>
+                      <a:prstDash val="solid"/>
+                      <a:round/>
+                      <a:headEnd type="none" w="med" len="med"/>
+                      <a:tailEnd type="none" w="med" len="med"/>
+                    </a:lnT>
+                    <a:lnB w="12700" cap="flat" cmpd="sng" algn="ctr">
+                      <a:solidFill>
+                        <a:srgbClr val="FFFFFF">
+                          <a:alpha val="100000"/>
+                        </a:srgbClr>
+                      </a:solidFill>
+                      <a:prstDash val="solid"/>
+                      <a:round/>
+                      <a:headEnd type="none" w="med" len="med"/>
+                      <a:tailEnd type="none" w="med" len="med"/>
+                    </a:lnB>
+                  </a:tcPr>
+                </a:tc>
+              </a:tr>
+              <a:tr h="645160">
+                <a:tc>
+                  <a:txBody>
+                    <a:bodyPr/>
+                    <a:lstStyle/>
+                    <a:p>
+                      <a:pPr marL="0" indent="0" lvl="1">
+                        <a:buFontTx/>
+                        <a:buNone/>
+                      </a:pPr>
+                      <a:r>
+                        <a:rPr sz="1800" kern="1200" i="0" b="0">
+                          <a:solidFill>
+                            <a:schemeClr val="dk1"/>
+                          </a:solidFill>
+                          <a:latin typeface="Calibri" charset="0"/>
+                          <a:ea typeface="맑은 고딕" charset="0"/>
+                          <a:sym typeface="맑은 고딕" charset="0"/>
+                        </a:rPr>
+                        <a:t>new</a:t>
+                      </a:r>
+                      <a:endParaRPr lang="ko-KR" altLang="en-US" sz="1800" kern="1200" i="0" b="0">
+                        <a:solidFill>
+                          <a:schemeClr val="dk1"/>
+                        </a:solidFill>
+                        <a:latin typeface="Calibri" charset="0"/>
+                        <a:ea typeface="맑은 고딕" charset="0"/>
+                        <a:sym typeface="맑은 고딕" charset="0"/>
+                      </a:endParaRPr>
+                    </a:p>
+                  </a:txBody>
+                  <a:tcPr marL="91440" marR="91440" marT="45720" marB="45720" anchor="t">
+                    <a:lnL w="12700" cap="flat" cmpd="sng" algn="ctr">
+                      <a:solidFill>
+                        <a:srgbClr val="FFFFFF">
+                          <a:alpha val="100000"/>
+                        </a:srgbClr>
+                      </a:solidFill>
+                      <a:prstDash val="solid"/>
+                      <a:round/>
+                      <a:headEnd type="none" w="med" len="med"/>
+                      <a:tailEnd type="none" w="med" len="med"/>
+                    </a:lnL>
+                    <a:lnR w="12700" cap="flat" cmpd="sng" algn="ctr">
+                      <a:solidFill>
+                        <a:srgbClr val="FFFFFF">
+                          <a:alpha val="100000"/>
+                        </a:srgbClr>
+                      </a:solidFill>
+                      <a:prstDash val="solid"/>
+                      <a:round/>
+                      <a:headEnd type="none" w="med" len="med"/>
+                      <a:tailEnd type="none" w="med" len="med"/>
+                    </a:lnR>
+                    <a:lnT w="12700" cap="flat" cmpd="sng" algn="ctr">
+                      <a:solidFill>
+                        <a:srgbClr val="FFFFFF">
+                          <a:alpha val="100000"/>
+                        </a:srgbClr>
+                      </a:solidFill>
+                      <a:prstDash val="solid"/>
+                      <a:round/>
+                      <a:headEnd type="none" w="med" len="med"/>
+                      <a:tailEnd type="none" w="med" len="med"/>
+                    </a:lnT>
+                    <a:lnB w="12700" cap="flat" cmpd="sng" algn="ctr">
+                      <a:solidFill>
+                        <a:srgbClr val="FFFFFF">
+                          <a:alpha val="100000"/>
+                        </a:srgbClr>
+                      </a:solidFill>
+                      <a:prstDash val="solid"/>
+                      <a:round/>
+                      <a:headEnd type="none" w="med" len="med"/>
+                      <a:tailEnd type="none" w="med" len="med"/>
+                    </a:lnB>
+                  </a:tcPr>
+                </a:tc>
+                <a:tc>
+                  <a:txBody>
+                    <a:bodyPr/>
+                    <a:lstStyle/>
+                    <a:p>
+                      <a:pPr marL="0" indent="0" lvl="1">
+                        <a:buFontTx/>
+                        <a:buNone/>
+                      </a:pPr>
+                      <a:r>
+                        <a:rPr sz="1800" kern="1200" i="0" b="0">
+                          <a:solidFill>
+                            <a:schemeClr val="dk1"/>
+                          </a:solidFill>
+                          <a:latin typeface="Calibri" charset="0"/>
+                          <a:ea typeface="맑은 고딕" charset="0"/>
+                          <a:sym typeface="맑은 고딕" charset="0"/>
+                        </a:rPr>
+                        <a:t>회원가입</a:t>
+                      </a:r>
+                      <a:endParaRPr lang="ko-KR" altLang="en-US" sz="1800" kern="1200" i="0" b="0">
+                        <a:solidFill>
+                          <a:schemeClr val="dk1"/>
+                        </a:solidFill>
+                        <a:latin typeface="Calibri" charset="0"/>
+                        <a:ea typeface="맑은 고딕" charset="0"/>
+                        <a:sym typeface="맑은 고딕" charset="0"/>
+                      </a:endParaRPr>
+                    </a:p>
+                  </a:txBody>
+                  <a:tcPr marL="91440" marR="91440" marT="45720" marB="45720" anchor="t">
+                    <a:lnL w="12700" cap="flat" cmpd="sng" algn="ctr">
+                      <a:solidFill>
+                        <a:srgbClr val="FFFFFF">
+                          <a:alpha val="100000"/>
+                        </a:srgbClr>
+                      </a:solidFill>
+                      <a:prstDash val="solid"/>
+                      <a:round/>
+                      <a:headEnd type="none" w="med" len="med"/>
+                      <a:tailEnd type="none" w="med" len="med"/>
+                    </a:lnL>
+                    <a:lnR w="12700" cap="flat" cmpd="sng" algn="ctr">
+                      <a:solidFill>
+                        <a:srgbClr val="FFFFFF">
+                          <a:alpha val="100000"/>
+                        </a:srgbClr>
+                      </a:solidFill>
+                      <a:prstDash val="solid"/>
+                      <a:round/>
+                      <a:headEnd type="none" w="med" len="med"/>
+                      <a:tailEnd type="none" w="med" len="med"/>
+                    </a:lnR>
+                    <a:lnT w="12700" cap="flat" cmpd="sng" algn="ctr">
+                      <a:solidFill>
+                        <a:srgbClr val="FFFFFF">
+                          <a:alpha val="100000"/>
+                        </a:srgbClr>
+                      </a:solidFill>
+                      <a:prstDash val="solid"/>
+                      <a:round/>
+                      <a:headEnd type="none" w="med" len="med"/>
+                      <a:tailEnd type="none" w="med" len="med"/>
+                    </a:lnT>
+                    <a:lnB w="12700" cap="flat" cmpd="sng" algn="ctr">
+                      <a:solidFill>
+                        <a:srgbClr val="FFFFFF">
+                          <a:alpha val="100000"/>
+                        </a:srgbClr>
+                      </a:solidFill>
+                      <a:prstDash val="solid"/>
+                      <a:round/>
+                      <a:headEnd type="none" w="med" len="med"/>
+                      <a:tailEnd type="none" w="med" len="med"/>
+                    </a:lnB>
+                  </a:tcPr>
+                </a:tc>
+                <a:tc>
+                  <a:txBody>
+                    <a:bodyPr/>
+                    <a:lstStyle/>
+                    <a:p>
+                      <a:pPr marL="0" indent="0" lvl="1">
+                        <a:buFontTx/>
+                        <a:buNone/>
+                      </a:pPr>
+                      <a:r>
+                        <a:rPr sz="1800" kern="1200" i="0" b="0">
+                          <a:solidFill>
+                            <a:schemeClr val="dk1"/>
+                          </a:solidFill>
+                          <a:latin typeface="Calibri" charset="0"/>
+                          <a:ea typeface="맑은 고딕" charset="0"/>
+                          <a:sym typeface="맑은 고딕" charset="0"/>
+                        </a:rPr>
+                        <a:t>사용자 신규 가입 정보</a:t>
+                      </a:r>
+                      <a:endParaRPr lang="ko-KR" altLang="en-US" sz="1800" kern="1200" i="0" b="0">
+                        <a:solidFill>
+                          <a:schemeClr val="dk1"/>
+                        </a:solidFill>
+                        <a:latin typeface="Calibri" charset="0"/>
+                        <a:ea typeface="맑은 고딕" charset="0"/>
+                        <a:sym typeface="맑은 고딕" charset="0"/>
+                      </a:endParaRPr>
+                    </a:p>
+                  </a:txBody>
+                  <a:tcPr marL="91440" marR="91440" marT="45720" marB="45720" anchor="t">
+                    <a:lnL w="12700" cap="flat" cmpd="sng" algn="ctr">
+                      <a:solidFill>
+                        <a:srgbClr val="FFFFFF">
+                          <a:alpha val="100000"/>
+                        </a:srgbClr>
+                      </a:solidFill>
+                      <a:prstDash val="solid"/>
+                      <a:round/>
+                      <a:headEnd type="none" w="med" len="med"/>
+                      <a:tailEnd type="none" w="med" len="med"/>
+                    </a:lnL>
+                    <a:lnR w="12700" cap="flat" cmpd="sng" algn="ctr">
+                      <a:solidFill>
+                        <a:srgbClr val="FFFFFF">
+                          <a:alpha val="100000"/>
+                        </a:srgbClr>
+                      </a:solidFill>
+                      <a:prstDash val="solid"/>
+                      <a:round/>
+                      <a:headEnd type="none" w="med" len="med"/>
+                      <a:tailEnd type="none" w="med" len="med"/>
+                    </a:lnR>
+                    <a:lnT w="12700" cap="flat" cmpd="sng" algn="ctr">
+                      <a:solidFill>
+                        <a:srgbClr val="FFFFFF">
+                          <a:alpha val="100000"/>
+                        </a:srgbClr>
+                      </a:solidFill>
+                      <a:prstDash val="solid"/>
+                      <a:round/>
+                      <a:headEnd type="none" w="med" len="med"/>
+                      <a:tailEnd type="none" w="med" len="med"/>
+                    </a:lnT>
+                    <a:lnB w="12700" cap="flat" cmpd="sng" algn="ctr">
+                      <a:solidFill>
+                        <a:srgbClr val="FFFFFF">
+                          <a:alpha val="100000"/>
+                        </a:srgbClr>
+                      </a:solidFill>
+                      <a:prstDash val="solid"/>
+                      <a:round/>
+                      <a:headEnd type="none" w="med" len="med"/>
+                      <a:tailEnd type="none" w="med" len="med"/>
+                    </a:lnB>
+                  </a:tcPr>
+                </a:tc>
+                <a:tc>
+                  <a:txBody>
+                    <a:bodyPr/>
+                    <a:lstStyle/>
+                    <a:p>
+                      <a:pPr marL="0" indent="0" lvl="1">
+                        <a:buFontTx/>
+                        <a:buNone/>
+                      </a:pPr>
+                      <a:r>
+                        <a:rPr sz="1800" kern="1200" i="0" b="0">
+                          <a:solidFill>
+                            <a:schemeClr val="dk1"/>
+                          </a:solidFill>
+                          <a:latin typeface="Calibri" charset="0"/>
+                          <a:ea typeface="맑은 고딕" charset="0"/>
+                          <a:sym typeface="맑은 고딕" charset="0"/>
+                        </a:rPr>
+                        <a:t>new/ID/PW/차</a:t>
+                      </a:r>
+                      <a:r>
+                        <a:rPr lang="ko-KR" sz="1800" kern="1200" i="0" b="0">
+                          <a:solidFill>
+                            <a:schemeClr val="dk1"/>
+                          </a:solidFill>
+                          <a:latin typeface="Calibri" charset="0"/>
+                          <a:ea typeface="맑은 고딕" charset="0"/>
+                          <a:sym typeface="맑은 고딕" charset="0"/>
+                        </a:rPr>
+                        <a:t>번호</a:t>
+                      </a:r>
+                      <a:r>
+                        <a:rPr sz="1800" kern="1200" i="0" b="0">
+                          <a:solidFill>
+                            <a:schemeClr val="dk1"/>
+                          </a:solidFill>
+                          <a:latin typeface="Calibri" charset="0"/>
+                          <a:ea typeface="맑은 고딕" charset="0"/>
+                          <a:sym typeface="맑은 고딕" charset="0"/>
+                        </a:rPr>
+                        <a:t>/차</a:t>
+                      </a:r>
+                      <a:r>
+                        <a:rPr sz="1800" kern="1200" i="0" b="0">
+                          <a:solidFill>
+                            <a:schemeClr val="dk1"/>
+                          </a:solidFill>
+                          <a:latin typeface="Calibri" charset="0"/>
+                          <a:ea typeface="맑은 고딕" charset="0"/>
+                          <a:sym typeface="맑은 고딕" charset="0"/>
+                        </a:rPr>
+                        <a:t>종</a:t>
+                      </a:r>
+                      <a:r>
+                        <a:rPr lang="ko-KR" sz="1800" kern="1200" i="0" b="0">
+                          <a:solidFill>
+                            <a:schemeClr val="dk1"/>
+                          </a:solidFill>
+                          <a:latin typeface="Calibri" charset="0"/>
+                          <a:ea typeface="맑은 고딕" charset="0"/>
+                          <a:sym typeface="맑은 고딕" charset="0"/>
+                        </a:rPr>
+                        <a:t>류</a:t>
+                      </a:r>
+                      <a:r>
+                        <a:rPr sz="1800" kern="1200" i="0" b="0">
+                          <a:solidFill>
+                            <a:schemeClr val="dk1"/>
+                          </a:solidFill>
+                          <a:latin typeface="Calibri" charset="0"/>
+                          <a:ea typeface="맑은 고딕" charset="0"/>
+                          <a:sym typeface="맑은 고딕" charset="0"/>
+                        </a:rPr>
+                        <a:t>/보험사</a:t>
+                      </a:r>
+                      <a:endParaRPr lang="ko-KR" altLang="en-US" sz="1800" kern="1200" i="0" b="0">
+                        <a:solidFill>
+                          <a:schemeClr val="dk1"/>
+                        </a:solidFill>
+                        <a:latin typeface="Calibri" charset="0"/>
+                        <a:ea typeface="맑은 고딕" charset="0"/>
+                        <a:sym typeface="맑은 고딕" charset="0"/>
+                      </a:endParaRPr>
+                    </a:p>
+                  </a:txBody>
+                  <a:tcPr marL="91440" marR="91440" marT="45720" marB="45720" anchor="t">
+                    <a:lnL w="12700" cap="flat" cmpd="sng" algn="ctr">
+                      <a:solidFill>
+                        <a:srgbClr val="FFFFFF">
+                          <a:alpha val="100000"/>
+                        </a:srgbClr>
+                      </a:solidFill>
+                      <a:prstDash val="solid"/>
+                      <a:round/>
+                      <a:headEnd type="none" w="med" len="med"/>
+                      <a:tailEnd type="none" w="med" len="med"/>
+                    </a:lnL>
+                    <a:lnR w="12700" cap="flat" cmpd="sng" algn="ctr">
+                      <a:solidFill>
+                        <a:srgbClr val="FFFFFF">
+                          <a:alpha val="100000"/>
+                        </a:srgbClr>
+                      </a:solidFill>
+                      <a:prstDash val="solid"/>
+                      <a:round/>
+                      <a:headEnd type="none" w="med" len="med"/>
+                      <a:tailEnd type="none" w="med" len="med"/>
+                    </a:lnR>
+                    <a:lnT w="12700" cap="flat" cmpd="sng" algn="ctr">
+                      <a:solidFill>
+                        <a:srgbClr val="FFFFFF">
+                          <a:alpha val="100000"/>
+                        </a:srgbClr>
+                      </a:solidFill>
+                      <a:prstDash val="solid"/>
+                      <a:round/>
+                      <a:headEnd type="none" w="med" len="med"/>
+                      <a:tailEnd type="none" w="med" len="med"/>
+                    </a:lnT>
+                    <a:lnB w="12700" cap="flat" cmpd="sng" algn="ctr">
+                      <a:solidFill>
+                        <a:srgbClr val="FFFFFF">
+                          <a:alpha val="100000"/>
+                        </a:srgbClr>
+                      </a:solidFill>
+                      <a:prstDash val="solid"/>
+                      <a:round/>
+                      <a:headEnd type="none" w="med" len="med"/>
+                      <a:tailEnd type="none" w="med" len="med"/>
+                    </a:lnB>
+                  </a:tcPr>
+                </a:tc>
+              </a:tr>
+              <a:tr h="922020">
+                <a:tc>
+                  <a:txBody>
+                    <a:bodyPr/>
+                    <a:lstStyle/>
+                    <a:p>
+                      <a:pPr marL="0" indent="0" lvl="1">
+                        <a:buFontTx/>
+                        <a:buNone/>
+                      </a:pPr>
+                      <a:r>
+                        <a:rPr sz="1800" kern="1200" i="0" b="0">
+                          <a:solidFill>
+                            <a:schemeClr val="dk1"/>
+                          </a:solidFill>
+                          <a:latin typeface="Calibri" charset="0"/>
+                          <a:ea typeface="맑은 고딕" charset="0"/>
+                          <a:sym typeface="맑은 고딕" charset="0"/>
+                        </a:rPr>
+                        <a:t>UF</a:t>
+                      </a:r>
+                      <a:endParaRPr lang="ko-KR" altLang="en-US" sz="1800" kern="1200" i="0" b="0">
+                        <a:solidFill>
+                          <a:schemeClr val="dk1"/>
+                        </a:solidFill>
+                        <a:latin typeface="Calibri" charset="0"/>
+                        <a:ea typeface="맑은 고딕" charset="0"/>
+                        <a:sym typeface="맑은 고딕" charset="0"/>
+                      </a:endParaRPr>
+                    </a:p>
+                  </a:txBody>
+                  <a:tcPr marL="91440" marR="91440" marT="45720" marB="45720" anchor="t">
+                    <a:lnL w="12700" cap="flat" cmpd="sng" algn="ctr">
+                      <a:solidFill>
+                        <a:srgbClr val="FFFFFF">
+                          <a:alpha val="100000"/>
+                        </a:srgbClr>
+                      </a:solidFill>
+                      <a:prstDash val="solid"/>
+                      <a:round/>
+                      <a:headEnd type="none" w="med" len="med"/>
+                      <a:tailEnd type="none" w="med" len="med"/>
+                    </a:lnL>
+                    <a:lnR w="12700" cap="flat" cmpd="sng" algn="ctr">
+                      <a:solidFill>
+                        <a:srgbClr val="FFFFFF">
+                          <a:alpha val="100000"/>
+                        </a:srgbClr>
+                      </a:solidFill>
+                      <a:prstDash val="solid"/>
+                      <a:round/>
+                      <a:headEnd type="none" w="med" len="med"/>
+                      <a:tailEnd type="none" w="med" len="med"/>
+                    </a:lnR>
+                    <a:lnT w="12700" cap="flat" cmpd="sng" algn="ctr">
+                      <a:solidFill>
+                        <a:srgbClr val="FFFFFF">
+                          <a:alpha val="100000"/>
+                        </a:srgbClr>
+                      </a:solidFill>
+                      <a:prstDash val="solid"/>
+                      <a:round/>
+                      <a:headEnd type="none" w="med" len="med"/>
+                      <a:tailEnd type="none" w="med" len="med"/>
+                    </a:lnT>
+                    <a:lnB w="12700" cap="flat" cmpd="sng" algn="ctr">
+                      <a:solidFill>
+                        <a:srgbClr val="FFFFFF">
+                          <a:alpha val="100000"/>
+                        </a:srgbClr>
+                      </a:solidFill>
+                      <a:prstDash val="solid"/>
+                      <a:round/>
+                      <a:headEnd type="none" w="med" len="med"/>
+                      <a:tailEnd type="none" w="med" len="med"/>
+                    </a:lnB>
+                  </a:tcPr>
+                </a:tc>
+                <a:tc>
+                  <a:txBody>
+                    <a:bodyPr/>
+                    <a:lstStyle/>
+                    <a:p>
+                      <a:pPr marL="0" indent="0" lvl="1">
+                        <a:buFontTx/>
+                        <a:buNone/>
+                      </a:pPr>
+                      <a:r>
+                        <a:rPr sz="1800" kern="1200" i="0" b="0">
+                          <a:solidFill>
+                            <a:schemeClr val="dk1"/>
+                          </a:solidFill>
+                          <a:latin typeface="Calibri" charset="0"/>
+                          <a:ea typeface="맑은 고딕" charset="0"/>
+                          <a:sym typeface="맑은 고딕" charset="0"/>
+                        </a:rPr>
+                        <a:t>사용자 정보 수정 기능</a:t>
+                      </a:r>
+                      <a:endParaRPr lang="ko-KR" altLang="en-US" sz="1800" kern="1200" i="0" b="0">
+                        <a:solidFill>
+                          <a:schemeClr val="dk1"/>
+                        </a:solidFill>
+                        <a:latin typeface="Calibri" charset="0"/>
+                        <a:ea typeface="맑은 고딕" charset="0"/>
+                        <a:sym typeface="맑은 고딕" charset="0"/>
+                      </a:endParaRPr>
+                    </a:p>
+                  </a:txBody>
+                  <a:tcPr marL="91440" marR="91440" marT="45720" marB="45720" anchor="t">
+                    <a:lnL w="12700" cap="flat" cmpd="sng" algn="ctr">
+                      <a:solidFill>
+                        <a:srgbClr val="FFFFFF">
+                          <a:alpha val="100000"/>
+                        </a:srgbClr>
+                      </a:solidFill>
+                      <a:prstDash val="solid"/>
+                      <a:round/>
+                      <a:headEnd type="none" w="med" len="med"/>
+                      <a:tailEnd type="none" w="med" len="med"/>
+                    </a:lnL>
+                    <a:lnR w="12700" cap="flat" cmpd="sng" algn="ctr">
+                      <a:solidFill>
+                        <a:srgbClr val="FFFFFF">
+                          <a:alpha val="100000"/>
+                        </a:srgbClr>
+                      </a:solidFill>
+                      <a:prstDash val="solid"/>
+                      <a:round/>
+                      <a:headEnd type="none" w="med" len="med"/>
+                      <a:tailEnd type="none" w="med" len="med"/>
+                    </a:lnR>
+                    <a:lnT w="12700" cap="flat" cmpd="sng" algn="ctr">
+                      <a:solidFill>
+                        <a:srgbClr val="FFFFFF">
+                          <a:alpha val="100000"/>
+                        </a:srgbClr>
+                      </a:solidFill>
+                      <a:prstDash val="solid"/>
+                      <a:round/>
+                      <a:headEnd type="none" w="med" len="med"/>
+                      <a:tailEnd type="none" w="med" len="med"/>
+                    </a:lnT>
+                    <a:lnB w="12700" cap="flat" cmpd="sng" algn="ctr">
+                      <a:solidFill>
+                        <a:srgbClr val="FFFFFF">
+                          <a:alpha val="100000"/>
+                        </a:srgbClr>
+                      </a:solidFill>
+                      <a:prstDash val="solid"/>
+                      <a:round/>
+                      <a:headEnd type="none" w="med" len="med"/>
+                      <a:tailEnd type="none" w="med" len="med"/>
+                    </a:lnB>
+                  </a:tcPr>
+                </a:tc>
+                <a:tc>
+                  <a:txBody>
+                    <a:bodyPr/>
+                    <a:lstStyle/>
+                    <a:p>
+                      <a:pPr marL="0" indent="0" lvl="1">
+                        <a:buFontTx/>
+                        <a:buNone/>
+                      </a:pPr>
+                      <a:r>
+                        <a:rPr sz="1800" kern="1200" i="0" b="0">
+                          <a:solidFill>
+                            <a:schemeClr val="dk1"/>
+                          </a:solidFill>
+                          <a:latin typeface="Calibri" charset="0"/>
+                          <a:ea typeface="맑은 고딕" charset="0"/>
+                          <a:sym typeface="맑은 고딕" charset="0"/>
+                        </a:rPr>
+                        <a:t>로그인한 본인 정보 수정 기능</a:t>
+                      </a:r>
+                      <a:endParaRPr lang="ko-KR" altLang="en-US" sz="1800" kern="1200" i="0" b="0">
+                        <a:solidFill>
+                          <a:schemeClr val="dk1"/>
+                        </a:solidFill>
+                        <a:latin typeface="Calibri" charset="0"/>
+                        <a:ea typeface="맑은 고딕" charset="0"/>
+                        <a:sym typeface="맑은 고딕" charset="0"/>
+                      </a:endParaRPr>
+                    </a:p>
+                    <a:p>
+                      <a:pPr marL="0" indent="0" lvl="1">
+                        <a:buFontTx/>
+                        <a:buNone/>
+                      </a:pPr>
+                      <a:endParaRPr lang="ko-KR" altLang="en-US" sz="1800" kern="1200" i="0" b="0">
+                        <a:solidFill>
+                          <a:schemeClr val="dk1"/>
+                        </a:solidFill>
+                        <a:latin typeface="Calibri" charset="0"/>
+                        <a:ea typeface="맑은 고딕" charset="0"/>
+                        <a:sym typeface="맑은 고딕" charset="0"/>
+                      </a:endParaRPr>
+                    </a:p>
+                  </a:txBody>
+                  <a:tcPr marL="91440" marR="91440" marT="45720" marB="45720" anchor="t">
+                    <a:lnL w="12700" cap="flat" cmpd="sng" algn="ctr">
+                      <a:solidFill>
+                        <a:srgbClr val="FFFFFF">
+                          <a:alpha val="100000"/>
+                        </a:srgbClr>
+                      </a:solidFill>
+                      <a:prstDash val="solid"/>
+                      <a:round/>
+                      <a:headEnd type="none" w="med" len="med"/>
+                      <a:tailEnd type="none" w="med" len="med"/>
+                    </a:lnL>
+                    <a:lnR w="12700" cap="flat" cmpd="sng" algn="ctr">
+                      <a:solidFill>
+                        <a:srgbClr val="FFFFFF">
+                          <a:alpha val="100000"/>
+                        </a:srgbClr>
+                      </a:solidFill>
+                      <a:prstDash val="solid"/>
+                      <a:round/>
+                      <a:headEnd type="none" w="med" len="med"/>
+                      <a:tailEnd type="none" w="med" len="med"/>
+                    </a:lnR>
+                    <a:lnT w="12700" cap="flat" cmpd="sng" algn="ctr">
+                      <a:solidFill>
+                        <a:srgbClr val="FFFFFF">
+                          <a:alpha val="100000"/>
+                        </a:srgbClr>
+                      </a:solidFill>
+                      <a:prstDash val="solid"/>
+                      <a:round/>
+                      <a:headEnd type="none" w="med" len="med"/>
+                      <a:tailEnd type="none" w="med" len="med"/>
+                    </a:lnT>
+                    <a:lnB w="12700" cap="flat" cmpd="sng" algn="ctr">
+                      <a:solidFill>
+                        <a:srgbClr val="FFFFFF">
+                          <a:alpha val="100000"/>
+                        </a:srgbClr>
+                      </a:solidFill>
+                      <a:prstDash val="solid"/>
+                      <a:round/>
+                      <a:headEnd type="none" w="med" len="med"/>
+                      <a:tailEnd type="none" w="med" len="med"/>
+                    </a:lnB>
+                  </a:tcPr>
+                </a:tc>
+                <a:tc>
+                  <a:txBody>
+                    <a:bodyPr/>
+                    <a:lstStyle/>
+                    <a:p>
+                      <a:pPr marL="0" indent="0" lvl="1">
+                        <a:buFontTx/>
+                        <a:buNone/>
+                      </a:pPr>
+                      <a:r>
+                        <a:rPr sz="1800" kern="1200" i="0" b="0">
+                          <a:solidFill>
+                            <a:schemeClr val="dk1"/>
+                          </a:solidFill>
+                          <a:latin typeface="Calibri" charset="0"/>
+                          <a:ea typeface="맑은 고딕" charset="0"/>
+                          <a:sym typeface="맑은 고딕" charset="0"/>
+                        </a:rPr>
+                        <a:t>UF/입력번호/입력값</a:t>
+                      </a:r>
+                      <a:endParaRPr lang="ko-KR" altLang="en-US" sz="1800" kern="1200" i="0" b="0">
+                        <a:solidFill>
+                          <a:schemeClr val="dk1"/>
+                        </a:solidFill>
+                        <a:latin typeface="Calibri" charset="0"/>
+                        <a:ea typeface="맑은 고딕" charset="0"/>
+                        <a:sym typeface="맑은 고딕" charset="0"/>
+                      </a:endParaRPr>
+                    </a:p>
+                    <a:p>
+                      <a:pPr marL="0" indent="0" lvl="1">
+                        <a:buFontTx/>
+                        <a:buNone/>
+                      </a:pPr>
+                      <a:r>
+                        <a:rPr lang="ko-KR" sz="1800" kern="1200" i="0" b="0">
+                          <a:solidFill>
+                            <a:schemeClr val="dk1"/>
+                          </a:solidFill>
+                          <a:latin typeface="Calibri" charset="0"/>
+                          <a:ea typeface="맑은 고딕" charset="0"/>
+                          <a:sym typeface="맑은 고딕" charset="0"/>
+                        </a:rPr>
+                        <a:t>예)</a:t>
+                      </a:r>
+                      <a:r>
+                        <a:rPr lang="ko-KR" sz="1800" kern="1200" i="0" b="0">
+                          <a:solidFill>
+                            <a:schemeClr val="dk1"/>
+                          </a:solidFill>
+                          <a:latin typeface="Calibri" charset="0"/>
+                          <a:ea typeface="맑은 고딕" charset="0"/>
+                          <a:sym typeface="맑은 고딕" charset="0"/>
+                        </a:rPr>
+                        <a:t> 1번</a:t>
+                      </a:r>
+                      <a:r>
+                        <a:rPr lang="ko-KR" sz="1800" kern="1200" i="0" b="0">
+                          <a:solidFill>
+                            <a:schemeClr val="dk1"/>
+                          </a:solidFill>
+                          <a:latin typeface="Calibri" charset="0"/>
+                          <a:ea typeface="맑은 고딕" charset="0"/>
+                          <a:sym typeface="맑은 고딕" charset="0"/>
+                        </a:rPr>
+                        <a:t>은 P</a:t>
+                      </a:r>
+                      <a:r>
+                        <a:rPr lang="ko-KR" sz="1800" kern="1200" i="0" b="0">
+                          <a:solidFill>
+                            <a:schemeClr val="dk1"/>
+                          </a:solidFill>
+                          <a:latin typeface="Calibri" charset="0"/>
+                          <a:ea typeface="맑은 고딕" charset="0"/>
+                          <a:sym typeface="맑은 고딕" charset="0"/>
+                        </a:rPr>
+                        <a:t>W</a:t>
+                      </a:r>
+                      <a:endParaRPr lang="ko-KR" altLang="en-US" sz="1800" kern="1200" i="0" b="0">
+                        <a:solidFill>
+                          <a:schemeClr val="dk1"/>
+                        </a:solidFill>
+                        <a:latin typeface="Calibri" charset="0"/>
+                        <a:ea typeface="맑은 고딕" charset="0"/>
+                        <a:sym typeface="맑은 고딕" charset="0"/>
+                      </a:endParaRPr>
+                    </a:p>
+                    <a:p>
+                      <a:pPr marL="0" indent="0" lvl="1">
+                        <a:buFontTx/>
+                        <a:buNone/>
+                      </a:pPr>
+                      <a:endParaRPr lang="ko-KR" altLang="en-US" sz="1800" kern="1200" i="0" b="0">
+                        <a:solidFill>
+                          <a:schemeClr val="dk1"/>
+                        </a:solidFill>
+                        <a:latin typeface="Calibri" charset="0"/>
+                        <a:ea typeface="맑은 고딕" charset="0"/>
+                        <a:sym typeface="맑은 고딕" charset="0"/>
+                      </a:endParaRPr>
+                    </a:p>
+                  </a:txBody>
+                  <a:tcPr marL="91440" marR="91440" marT="45720" marB="45720" anchor="t">
+                    <a:lnL w="12700" cap="flat" cmpd="sng" algn="ctr">
+                      <a:solidFill>
+                        <a:srgbClr val="FFFFFF">
+                          <a:alpha val="100000"/>
+                        </a:srgbClr>
+                      </a:solidFill>
+                      <a:prstDash val="solid"/>
+                      <a:round/>
+                      <a:headEnd type="none" w="med" len="med"/>
+                      <a:tailEnd type="none" w="med" len="med"/>
+                    </a:lnL>
+                    <a:lnR w="12700" cap="flat" cmpd="sng" algn="ctr">
+                      <a:solidFill>
+                        <a:srgbClr val="FFFFFF">
+                          <a:alpha val="100000"/>
+                        </a:srgbClr>
+                      </a:solidFill>
+                      <a:prstDash val="solid"/>
+                      <a:round/>
+                      <a:headEnd type="none" w="med" len="med"/>
+                      <a:tailEnd type="none" w="med" len="med"/>
+                    </a:lnR>
+                    <a:lnT w="12700" cap="flat" cmpd="sng" algn="ctr">
+                      <a:solidFill>
+                        <a:srgbClr val="FFFFFF">
+                          <a:alpha val="100000"/>
+                        </a:srgbClr>
+                      </a:solidFill>
+                      <a:prstDash val="solid"/>
+                      <a:round/>
+                      <a:headEnd type="none" w="med" len="med"/>
+                      <a:tailEnd type="none" w="med" len="med"/>
+                    </a:lnT>
+                    <a:lnB w="12700" cap="flat" cmpd="sng" algn="ctr">
+                      <a:solidFill>
+                        <a:srgbClr val="FFFFFF">
+                          <a:alpha val="100000"/>
+                        </a:srgbClr>
+                      </a:solidFill>
+                      <a:prstDash val="solid"/>
+                      <a:round/>
+                      <a:headEnd type="none" w="med" len="med"/>
+                      <a:tailEnd type="none" w="med" len="med"/>
+                    </a:lnB>
+                  </a:tcPr>
+                </a:tc>
+              </a:tr>
+              <a:tr h="645160">
+                <a:tc>
+                  <a:txBody>
+                    <a:bodyPr/>
+                    <a:lstStyle/>
+                    <a:p>
+                      <a:pPr marL="0" indent="0" lvl="1">
+                        <a:buFontTx/>
+                        <a:buNone/>
+                      </a:pPr>
+                      <a:r>
+                        <a:rPr sz="1800" kern="1200" i="0" b="0">
+                          <a:solidFill>
+                            <a:schemeClr val="dk1"/>
+                          </a:solidFill>
+                          <a:latin typeface="Calibri" charset="0"/>
+                          <a:ea typeface="맑은 고딕" charset="0"/>
+                          <a:sym typeface="맑은 고딕" charset="0"/>
+                        </a:rPr>
+                        <a:t>AI</a:t>
+                      </a:r>
+                      <a:endParaRPr lang="ko-KR" altLang="en-US" sz="1800" kern="1200" i="0" b="0">
+                        <a:solidFill>
+                          <a:schemeClr val="dk1"/>
+                        </a:solidFill>
+                        <a:latin typeface="Calibri" charset="0"/>
+                        <a:ea typeface="맑은 고딕" charset="0"/>
+                        <a:sym typeface="맑은 고딕" charset="0"/>
+                      </a:endParaRPr>
+                    </a:p>
+                  </a:txBody>
+                  <a:tcPr marL="91440" marR="91440" marT="45720" marB="45720" anchor="t">
+                    <a:lnL w="12700" cap="flat" cmpd="sng" algn="ctr">
+                      <a:solidFill>
+                        <a:srgbClr val="FFFFFF">
+                          <a:alpha val="100000"/>
+                        </a:srgbClr>
+                      </a:solidFill>
+                      <a:prstDash val="solid"/>
+                      <a:round/>
+                      <a:headEnd type="none" w="med" len="med"/>
+                      <a:tailEnd type="none" w="med" len="med"/>
+                    </a:lnL>
+                    <a:lnR w="12700" cap="flat" cmpd="sng" algn="ctr">
+                      <a:solidFill>
+                        <a:srgbClr val="FFFFFF">
+                          <a:alpha val="100000"/>
+                        </a:srgbClr>
+                      </a:solidFill>
+                      <a:prstDash val="solid"/>
+                      <a:round/>
+                      <a:headEnd type="none" w="med" len="med"/>
+                      <a:tailEnd type="none" w="med" len="med"/>
+                    </a:lnR>
+                    <a:lnT w="12700" cap="flat" cmpd="sng" algn="ctr">
+                      <a:solidFill>
+                        <a:srgbClr val="FFFFFF">
+                          <a:alpha val="100000"/>
+                        </a:srgbClr>
+                      </a:solidFill>
+                      <a:prstDash val="solid"/>
+                      <a:round/>
+                      <a:headEnd type="none" w="med" len="med"/>
+                      <a:tailEnd type="none" w="med" len="med"/>
+                    </a:lnT>
+                    <a:lnB w="12700" cap="flat" cmpd="sng" algn="ctr">
+                      <a:solidFill>
+                        <a:srgbClr val="FFFFFF">
+                          <a:alpha val="100000"/>
+                        </a:srgbClr>
+                      </a:solidFill>
+                      <a:prstDash val="solid"/>
+                      <a:round/>
+                      <a:headEnd type="none" w="med" len="med"/>
+                      <a:tailEnd type="none" w="med" len="med"/>
+                    </a:lnB>
+                  </a:tcPr>
+                </a:tc>
+                <a:tc>
+                  <a:txBody>
+                    <a:bodyPr/>
+                    <a:lstStyle/>
+                    <a:p>
+                      <a:pPr marL="0" indent="0" lvl="1">
+                        <a:buFontTx/>
+                        <a:buNone/>
+                      </a:pPr>
+                      <a:r>
+                        <a:rPr sz="1800" kern="1200" i="0" b="0">
+                          <a:solidFill>
+                            <a:schemeClr val="dk1"/>
+                          </a:solidFill>
+                          <a:latin typeface="Calibri" charset="0"/>
+                          <a:ea typeface="맑은 고딕" charset="0"/>
+                          <a:sym typeface="맑은 고딕" charset="0"/>
+                        </a:rPr>
+                        <a:t>사고정보 입력</a:t>
+                      </a:r>
+                      <a:endParaRPr lang="ko-KR" altLang="en-US" sz="1800" kern="1200" i="0" b="0">
+                        <a:solidFill>
+                          <a:schemeClr val="dk1"/>
+                        </a:solidFill>
+                        <a:latin typeface="Calibri" charset="0"/>
+                        <a:ea typeface="맑은 고딕" charset="0"/>
+                        <a:sym typeface="맑은 고딕" charset="0"/>
+                      </a:endParaRPr>
+                    </a:p>
+                  </a:txBody>
+                  <a:tcPr marL="91440" marR="91440" marT="45720" marB="45720" anchor="t">
+                    <a:lnL w="12700" cap="flat" cmpd="sng" algn="ctr">
+                      <a:solidFill>
+                        <a:srgbClr val="FFFFFF">
+                          <a:alpha val="100000"/>
+                        </a:srgbClr>
+                      </a:solidFill>
+                      <a:prstDash val="solid"/>
+                      <a:round/>
+                      <a:headEnd type="none" w="med" len="med"/>
+                      <a:tailEnd type="none" w="med" len="med"/>
+                    </a:lnL>
+                    <a:lnR w="12700" cap="flat" cmpd="sng" algn="ctr">
+                      <a:solidFill>
+                        <a:srgbClr val="FFFFFF">
+                          <a:alpha val="100000"/>
+                        </a:srgbClr>
+                      </a:solidFill>
+                      <a:prstDash val="solid"/>
+                      <a:round/>
+                      <a:headEnd type="none" w="med" len="med"/>
+                      <a:tailEnd type="none" w="med" len="med"/>
+                    </a:lnR>
+                    <a:lnT w="12700" cap="flat" cmpd="sng" algn="ctr">
+                      <a:solidFill>
+                        <a:srgbClr val="FFFFFF">
+                          <a:alpha val="100000"/>
+                        </a:srgbClr>
+                      </a:solidFill>
+                      <a:prstDash val="solid"/>
+                      <a:round/>
+                      <a:headEnd type="none" w="med" len="med"/>
+                      <a:tailEnd type="none" w="med" len="med"/>
+                    </a:lnT>
+                    <a:lnB w="12700" cap="flat" cmpd="sng" algn="ctr">
+                      <a:solidFill>
+                        <a:srgbClr val="FFFFFF">
+                          <a:alpha val="100000"/>
+                        </a:srgbClr>
+                      </a:solidFill>
+                      <a:prstDash val="solid"/>
+                      <a:round/>
+                      <a:headEnd type="none" w="med" len="med"/>
+                      <a:tailEnd type="none" w="med" len="med"/>
+                    </a:lnB>
+                  </a:tcPr>
+                </a:tc>
+                <a:tc>
+                  <a:txBody>
+                    <a:bodyPr/>
+                    <a:lstStyle/>
+                    <a:p>
+                      <a:pPr marL="0" indent="0" lvl="1">
+                        <a:buFontTx/>
+                        <a:buNone/>
+                      </a:pPr>
+                      <a:r>
+                        <a:rPr sz="1800" kern="1200" i="0" b="0">
+                          <a:solidFill>
+                            <a:schemeClr val="dk1"/>
+                          </a:solidFill>
+                          <a:latin typeface="Calibri" charset="0"/>
+                          <a:ea typeface="맑은 고딕" charset="0"/>
+                          <a:sym typeface="맑은 고딕" charset="0"/>
+                        </a:rPr>
+                        <a:t>사용자가 입력한 사고정보 저장 요청</a:t>
+                      </a:r>
+                      <a:endParaRPr lang="ko-KR" altLang="en-US" sz="1800" kern="1200" i="0" b="0">
+                        <a:solidFill>
+                          <a:schemeClr val="dk1"/>
+                        </a:solidFill>
+                        <a:latin typeface="Calibri" charset="0"/>
+                        <a:ea typeface="맑은 고딕" charset="0"/>
+                        <a:sym typeface="맑은 고딕" charset="0"/>
+                      </a:endParaRPr>
+                    </a:p>
+                  </a:txBody>
+                  <a:tcPr marL="91440" marR="91440" marT="45720" marB="45720" anchor="t">
+                    <a:lnL w="12700" cap="flat" cmpd="sng" algn="ctr">
+                      <a:solidFill>
+                        <a:srgbClr val="FFFFFF">
+                          <a:alpha val="100000"/>
+                        </a:srgbClr>
+                      </a:solidFill>
+                      <a:prstDash val="solid"/>
+                      <a:round/>
+                      <a:headEnd type="none" w="med" len="med"/>
+                      <a:tailEnd type="none" w="med" len="med"/>
+                    </a:lnL>
+                    <a:lnR w="12700" cap="flat" cmpd="sng" algn="ctr">
+                      <a:solidFill>
+                        <a:srgbClr val="FFFFFF">
+                          <a:alpha val="100000"/>
+                        </a:srgbClr>
+                      </a:solidFill>
+                      <a:prstDash val="solid"/>
+                      <a:round/>
+                      <a:headEnd type="none" w="med" len="med"/>
+                      <a:tailEnd type="none" w="med" len="med"/>
+                    </a:lnR>
+                    <a:lnT w="12700" cap="flat" cmpd="sng" algn="ctr">
+                      <a:solidFill>
+                        <a:srgbClr val="FFFFFF">
+                          <a:alpha val="100000"/>
+                        </a:srgbClr>
+                      </a:solidFill>
+                      <a:prstDash val="solid"/>
+                      <a:round/>
+                      <a:headEnd type="none" w="med" len="med"/>
+                      <a:tailEnd type="none" w="med" len="med"/>
+                    </a:lnT>
+                    <a:lnB w="12700" cap="flat" cmpd="sng" algn="ctr">
+                      <a:solidFill>
+                        <a:srgbClr val="FFFFFF">
+                          <a:alpha val="100000"/>
+                        </a:srgbClr>
+                      </a:solidFill>
+                      <a:prstDash val="solid"/>
+                      <a:round/>
+                      <a:headEnd type="none" w="med" len="med"/>
+                      <a:tailEnd type="none" w="med" len="med"/>
+                    </a:lnB>
+                  </a:tcPr>
+                </a:tc>
+                <a:tc>
+                  <a:txBody>
+                    <a:bodyPr/>
+                    <a:lstStyle/>
+                    <a:p>
+                      <a:pPr marL="0" indent="0" lvl="1">
+                        <a:buFontTx/>
+                        <a:buNone/>
+                      </a:pPr>
+                      <a:r>
+                        <a:rPr sz="1800" kern="1200" i="0" b="0">
+                          <a:solidFill>
+                            <a:schemeClr val="dk1"/>
+                          </a:solidFill>
+                          <a:latin typeface="Calibri" charset="0"/>
+                          <a:ea typeface="맑은 고딕" charset="0"/>
+                          <a:sym typeface="맑은 고딕" charset="0"/>
+                        </a:rPr>
+                        <a:t>AI</a:t>
+                      </a:r>
+                      <a:r>
+                        <a:rPr sz="1800" kern="1200" i="0" b="0">
+                          <a:solidFill>
+                            <a:schemeClr val="dk1"/>
+                          </a:solidFill>
+                          <a:latin typeface="Calibri" charset="0"/>
+                          <a:ea typeface="맑은 고딕" charset="0"/>
+                          <a:sym typeface="맑은 고딕" charset="0"/>
+                        </a:rPr>
+                        <a:t>/</a:t>
+                      </a:r>
+                      <a:r>
+                        <a:rPr sz="1800" kern="1200" i="0" b="0">
+                          <a:solidFill>
+                            <a:schemeClr val="dk1"/>
+                          </a:solidFill>
+                          <a:latin typeface="Calibri" charset="0"/>
+                          <a:ea typeface="맑은 고딕" charset="0"/>
+                          <a:sym typeface="맑은 고딕" charset="0"/>
+                        </a:rPr>
+                        <a:t>ID</a:t>
+                      </a:r>
+                      <a:r>
+                        <a:rPr sz="1800" kern="1200" i="0" b="0">
+                          <a:solidFill>
+                            <a:schemeClr val="dk1"/>
+                          </a:solidFill>
+                          <a:latin typeface="Calibri" charset="0"/>
+                          <a:ea typeface="맑은 고딕" charset="0"/>
+                          <a:sym typeface="맑은 고딕" charset="0"/>
+                        </a:rPr>
+                        <a:t>/언제/무엇을/어떻게/가해자or피해자</a:t>
+                      </a:r>
+                      <a:endParaRPr lang="ko-KR" altLang="en-US" sz="1800" kern="1200" i="0" b="0">
+                        <a:solidFill>
+                          <a:schemeClr val="dk1"/>
+                        </a:solidFill>
+                        <a:latin typeface="Calibri" charset="0"/>
+                        <a:ea typeface="맑은 고딕" charset="0"/>
+                        <a:sym typeface="맑은 고딕" charset="0"/>
+                      </a:endParaRPr>
+                    </a:p>
+                  </a:txBody>
+                  <a:tcPr marL="91440" marR="91440" marT="45720" marB="45720" anchor="t">
+                    <a:lnL w="12700" cap="flat" cmpd="sng" algn="ctr">
+                      <a:solidFill>
+                        <a:srgbClr val="FFFFFF">
+                          <a:alpha val="100000"/>
+                        </a:srgbClr>
+                      </a:solidFill>
+                      <a:prstDash val="solid"/>
+                      <a:round/>
+                      <a:headEnd type="none" w="med" len="med"/>
+                      <a:tailEnd type="none" w="med" len="med"/>
+                    </a:lnL>
+                    <a:lnR w="12700" cap="flat" cmpd="sng" algn="ctr">
+                      <a:solidFill>
+                        <a:srgbClr val="FFFFFF">
+                          <a:alpha val="100000"/>
+                        </a:srgbClr>
+                      </a:solidFill>
+                      <a:prstDash val="solid"/>
+                      <a:round/>
+                      <a:headEnd type="none" w="med" len="med"/>
+                      <a:tailEnd type="none" w="med" len="med"/>
+                    </a:lnR>
+                    <a:lnT w="12700" cap="flat" cmpd="sng" algn="ctr">
+                      <a:solidFill>
+                        <a:srgbClr val="FFFFFF">
+                          <a:alpha val="100000"/>
+                        </a:srgbClr>
+                      </a:solidFill>
+                      <a:prstDash val="solid"/>
+                      <a:round/>
+                      <a:headEnd type="none" w="med" len="med"/>
+                      <a:tailEnd type="none" w="med" len="med"/>
+                    </a:lnT>
+                    <a:lnB w="12700" cap="flat" cmpd="sng" algn="ctr">
+                      <a:solidFill>
+                        <a:srgbClr val="FFFFFF">
+                          <a:alpha val="100000"/>
+                        </a:srgbClr>
+                      </a:solidFill>
+                      <a:prstDash val="solid"/>
+                      <a:round/>
+                      <a:headEnd type="none" w="med" len="med"/>
+                      <a:tailEnd type="none" w="med" len="med"/>
+                    </a:lnB>
+                  </a:tcPr>
+                </a:tc>
+              </a:tr>
+              <a:tr h="645160">
+                <a:tc>
+                  <a:txBody>
+                    <a:bodyPr/>
+                    <a:lstStyle/>
+                    <a:p>
+                      <a:pPr marL="0" indent="0" lvl="1">
+                        <a:buFontTx/>
+                        <a:buNone/>
+                      </a:pPr>
+                      <a:r>
+                        <a:rPr sz="1800" kern="1200" i="0" b="0">
+                          <a:solidFill>
+                            <a:schemeClr val="dk1"/>
+                          </a:solidFill>
+                          <a:latin typeface="Calibri" charset="0"/>
+                          <a:ea typeface="맑은 고딕" charset="0"/>
+                          <a:sym typeface="맑은 고딕" charset="0"/>
+                        </a:rPr>
+                        <a:t>AC</a:t>
+                      </a:r>
+                      <a:endParaRPr lang="ko-KR" altLang="en-US" sz="1800" kern="1200" i="0" b="0">
+                        <a:solidFill>
+                          <a:schemeClr val="dk1"/>
+                        </a:solidFill>
+                        <a:latin typeface="Calibri" charset="0"/>
+                        <a:ea typeface="맑은 고딕" charset="0"/>
+                        <a:sym typeface="맑은 고딕" charset="0"/>
+                      </a:endParaRPr>
+                    </a:p>
+                  </a:txBody>
+                  <a:tcPr marL="91440" marR="91440" marT="45720" marB="45720" anchor="t">
+                    <a:lnL w="12700" cap="flat" cmpd="sng" algn="ctr">
+                      <a:solidFill>
+                        <a:srgbClr val="FFFFFF">
+                          <a:alpha val="100000"/>
+                        </a:srgbClr>
+                      </a:solidFill>
+                      <a:prstDash val="solid"/>
+                      <a:round/>
+                      <a:headEnd type="none" w="med" len="med"/>
+                      <a:tailEnd type="none" w="med" len="med"/>
+                    </a:lnL>
+                    <a:lnR w="12700" cap="flat" cmpd="sng" algn="ctr">
+                      <a:solidFill>
+                        <a:srgbClr val="FFFFFF">
+                          <a:alpha val="100000"/>
+                        </a:srgbClr>
+                      </a:solidFill>
+                      <a:prstDash val="solid"/>
+                      <a:round/>
+                      <a:headEnd type="none" w="med" len="med"/>
+                      <a:tailEnd type="none" w="med" len="med"/>
+                    </a:lnR>
+                    <a:lnT w="12700" cap="flat" cmpd="sng" algn="ctr">
+                      <a:solidFill>
+                        <a:srgbClr val="FFFFFF">
+                          <a:alpha val="100000"/>
+                        </a:srgbClr>
+                      </a:solidFill>
+                      <a:prstDash val="solid"/>
+                      <a:round/>
+                      <a:headEnd type="none" w="med" len="med"/>
+                      <a:tailEnd type="none" w="med" len="med"/>
+                    </a:lnT>
+                    <a:lnB w="12700" cap="flat" cmpd="sng" algn="ctr">
+                      <a:solidFill>
+                        <a:srgbClr val="FFFFFF">
+                          <a:alpha val="100000"/>
+                        </a:srgbClr>
+                      </a:solidFill>
+                      <a:prstDash val="solid"/>
+                      <a:round/>
+                      <a:headEnd type="none" w="med" len="med"/>
+                      <a:tailEnd type="none" w="med" len="med"/>
+                    </a:lnB>
+                  </a:tcPr>
+                </a:tc>
+                <a:tc>
+                  <a:txBody>
+                    <a:bodyPr/>
+                    <a:lstStyle/>
+                    <a:p>
+                      <a:pPr marL="0" indent="0" lvl="1">
+                        <a:buFontTx/>
+                        <a:buNone/>
+                      </a:pPr>
+                      <a:r>
+                        <a:rPr sz="1800" kern="1200" i="0" b="0">
+                          <a:solidFill>
+                            <a:schemeClr val="dk1"/>
+                          </a:solidFill>
+                          <a:latin typeface="Calibri" charset="0"/>
+                          <a:ea typeface="맑은 고딕" charset="0"/>
+                          <a:sym typeface="맑은 고딕" charset="0"/>
+                        </a:rPr>
+                        <a:t>사고대처 안내</a:t>
+                      </a:r>
+                      <a:endParaRPr lang="ko-KR" altLang="en-US" sz="1800" kern="1200" i="0" b="0">
+                        <a:solidFill>
+                          <a:schemeClr val="dk1"/>
+                        </a:solidFill>
+                        <a:latin typeface="Calibri" charset="0"/>
+                        <a:ea typeface="맑은 고딕" charset="0"/>
+                        <a:sym typeface="맑은 고딕" charset="0"/>
+                      </a:endParaRPr>
+                    </a:p>
+                  </a:txBody>
+                  <a:tcPr marL="91440" marR="91440" marT="45720" marB="45720" anchor="t">
+                    <a:lnL w="12700" cap="flat" cmpd="sng" algn="ctr">
+                      <a:solidFill>
+                        <a:srgbClr val="FFFFFF">
+                          <a:alpha val="100000"/>
+                        </a:srgbClr>
+                      </a:solidFill>
+                      <a:prstDash val="solid"/>
+                      <a:round/>
+                      <a:headEnd type="none" w="med" len="med"/>
+                      <a:tailEnd type="none" w="med" len="med"/>
+                    </a:lnL>
+                    <a:lnR w="12700" cap="flat" cmpd="sng" algn="ctr">
+                      <a:solidFill>
+                        <a:srgbClr val="FFFFFF">
+                          <a:alpha val="100000"/>
+                        </a:srgbClr>
+                      </a:solidFill>
+                      <a:prstDash val="solid"/>
+                      <a:round/>
+                      <a:headEnd type="none" w="med" len="med"/>
+                      <a:tailEnd type="none" w="med" len="med"/>
+                    </a:lnR>
+                    <a:lnT w="12700" cap="flat" cmpd="sng" algn="ctr">
+                      <a:solidFill>
+                        <a:srgbClr val="FFFFFF">
+                          <a:alpha val="100000"/>
+                        </a:srgbClr>
+                      </a:solidFill>
+                      <a:prstDash val="solid"/>
+                      <a:round/>
+                      <a:headEnd type="none" w="med" len="med"/>
+                      <a:tailEnd type="none" w="med" len="med"/>
+                    </a:lnT>
+                    <a:lnB w="12700" cap="flat" cmpd="sng" algn="ctr">
+                      <a:solidFill>
+                        <a:srgbClr val="FFFFFF">
+                          <a:alpha val="100000"/>
+                        </a:srgbClr>
+                      </a:solidFill>
+                      <a:prstDash val="solid"/>
+                      <a:round/>
+                      <a:headEnd type="none" w="med" len="med"/>
+                      <a:tailEnd type="none" w="med" len="med"/>
+                    </a:lnB>
+                  </a:tcPr>
+                </a:tc>
+                <a:tc>
+                  <a:txBody>
+                    <a:bodyPr/>
+                    <a:lstStyle/>
+                    <a:p>
+                      <a:pPr marL="0" indent="0" lvl="1">
+                        <a:buFontTx/>
+                        <a:buNone/>
+                      </a:pPr>
+                      <a:r>
+                        <a:rPr sz="1800" kern="1200" i="0" b="0">
+                          <a:solidFill>
+                            <a:schemeClr val="dk1"/>
+                          </a:solidFill>
+                          <a:latin typeface="Calibri" charset="0"/>
+                          <a:ea typeface="맑은 고딕" charset="0"/>
+                          <a:sym typeface="맑은 고딕" charset="0"/>
+                        </a:rPr>
+                        <a:t>일반적인 사고 대응 방법 출력 요청</a:t>
+                      </a:r>
+                      <a:endParaRPr lang="ko-KR" altLang="en-US" sz="1800" kern="1200" i="0" b="0">
+                        <a:solidFill>
+                          <a:schemeClr val="dk1"/>
+                        </a:solidFill>
+                        <a:latin typeface="Calibri" charset="0"/>
+                        <a:ea typeface="맑은 고딕" charset="0"/>
+                        <a:sym typeface="맑은 고딕" charset="0"/>
+                      </a:endParaRPr>
+                    </a:p>
+                  </a:txBody>
+                  <a:tcPr marL="91440" marR="91440" marT="45720" marB="45720" anchor="t">
+                    <a:lnL w="12700" cap="flat" cmpd="sng" algn="ctr">
+                      <a:solidFill>
+                        <a:srgbClr val="FFFFFF">
+                          <a:alpha val="100000"/>
+                        </a:srgbClr>
+                      </a:solidFill>
+                      <a:prstDash val="solid"/>
+                      <a:round/>
+                      <a:headEnd type="none" w="med" len="med"/>
+                      <a:tailEnd type="none" w="med" len="med"/>
+                    </a:lnL>
+                    <a:lnR w="12700" cap="flat" cmpd="sng" algn="ctr">
+                      <a:solidFill>
+                        <a:srgbClr val="FFFFFF">
+                          <a:alpha val="100000"/>
+                        </a:srgbClr>
+                      </a:solidFill>
+                      <a:prstDash val="solid"/>
+                      <a:round/>
+                      <a:headEnd type="none" w="med" len="med"/>
+                      <a:tailEnd type="none" w="med" len="med"/>
+                    </a:lnR>
+                    <a:lnT w="12700" cap="flat" cmpd="sng" algn="ctr">
+                      <a:solidFill>
+                        <a:srgbClr val="FFFFFF">
+                          <a:alpha val="100000"/>
+                        </a:srgbClr>
+                      </a:solidFill>
+                      <a:prstDash val="solid"/>
+                      <a:round/>
+                      <a:headEnd type="none" w="med" len="med"/>
+                      <a:tailEnd type="none" w="med" len="med"/>
+                    </a:lnT>
+                    <a:lnB w="12700" cap="flat" cmpd="sng" algn="ctr">
+                      <a:solidFill>
+                        <a:srgbClr val="FFFFFF">
+                          <a:alpha val="100000"/>
+                        </a:srgbClr>
+                      </a:solidFill>
+                      <a:prstDash val="solid"/>
+                      <a:round/>
+                      <a:headEnd type="none" w="med" len="med"/>
+                      <a:tailEnd type="none" w="med" len="med"/>
+                    </a:lnB>
+                  </a:tcPr>
+                </a:tc>
+                <a:tc>
+                  <a:txBody>
+                    <a:bodyPr/>
+                    <a:lstStyle/>
+                    <a:p>
+                      <a:pPr marL="0" indent="0" lvl="1">
+                        <a:buFontTx/>
+                        <a:buNone/>
+                      </a:pPr>
+                      <a:r>
+                        <a:rPr sz="1800" kern="1200" i="0" b="0">
+                          <a:solidFill>
+                            <a:schemeClr val="dk1"/>
+                          </a:solidFill>
+                          <a:latin typeface="Calibri" charset="0"/>
+                          <a:ea typeface="맑은 고딕" charset="0"/>
+                          <a:sym typeface="맑은 고딕" charset="0"/>
+                        </a:rPr>
+                        <a:t>AC</a:t>
+                      </a:r>
+                      <a:endParaRPr lang="ko-KR" altLang="en-US" sz="1800" kern="1200" i="0" b="0">
+                        <a:solidFill>
+                          <a:schemeClr val="dk1"/>
+                        </a:solidFill>
+                        <a:latin typeface="Calibri" charset="0"/>
+                        <a:ea typeface="맑은 고딕" charset="0"/>
+                        <a:sym typeface="맑은 고딕" charset="0"/>
+                      </a:endParaRPr>
+                    </a:p>
+                  </a:txBody>
+                  <a:tcPr marL="91440" marR="91440" marT="45720" marB="45720" anchor="t">
+                    <a:lnL w="12700" cap="flat" cmpd="sng" algn="ctr">
+                      <a:solidFill>
+                        <a:srgbClr val="FFFFFF">
+                          <a:alpha val="100000"/>
+                        </a:srgbClr>
+                      </a:solidFill>
+                      <a:prstDash val="solid"/>
+                      <a:round/>
+                      <a:headEnd type="none" w="med" len="med"/>
+                      <a:tailEnd type="none" w="med" len="med"/>
+                    </a:lnL>
+                    <a:lnR w="12700" cap="flat" cmpd="sng" algn="ctr">
+                      <a:solidFill>
+                        <a:srgbClr val="FFFFFF">
+                          <a:alpha val="100000"/>
+                        </a:srgbClr>
+                      </a:solidFill>
+                      <a:prstDash val="solid"/>
+                      <a:round/>
+                      <a:headEnd type="none" w="med" len="med"/>
+                      <a:tailEnd type="none" w="med" len="med"/>
+                    </a:lnR>
+                    <a:lnT w="12700" cap="flat" cmpd="sng" algn="ctr">
+                      <a:solidFill>
+                        <a:srgbClr val="FFFFFF">
+                          <a:alpha val="100000"/>
+                        </a:srgbClr>
+                      </a:solidFill>
+                      <a:prstDash val="solid"/>
+                      <a:round/>
+                      <a:headEnd type="none" w="med" len="med"/>
+                      <a:tailEnd type="none" w="med" len="med"/>
+                    </a:lnT>
+                    <a:lnB w="12700" cap="flat" cmpd="sng" algn="ctr">
+                      <a:solidFill>
+                        <a:srgbClr val="FFFFFF">
+                          <a:alpha val="100000"/>
+                        </a:srgbClr>
+                      </a:solidFill>
+                      <a:prstDash val="solid"/>
+                      <a:round/>
+                      <a:headEnd type="none" w="med" len="med"/>
+                      <a:tailEnd type="none" w="med" len="med"/>
+                    </a:lnB>
+                  </a:tcPr>
+                </a:tc>
+              </a:tr>
+              <a:tr h="645160">
+                <a:tc>
+                  <a:txBody>
+                    <a:bodyPr/>
+                    <a:lstStyle/>
+                    <a:p>
+                      <a:pPr marL="0" indent="0" lvl="1">
+                        <a:buFontTx/>
+                        <a:buNone/>
+                      </a:pPr>
+                      <a:r>
+                        <a:rPr sz="1800" kern="1200" i="0" b="0">
+                          <a:solidFill>
+                            <a:schemeClr val="dk1"/>
+                          </a:solidFill>
+                          <a:latin typeface="Calibri" charset="0"/>
+                          <a:ea typeface="맑은 고딕" charset="0"/>
+                          <a:sym typeface="맑은 고딕" charset="0"/>
+                        </a:rPr>
+                        <a:t>BI</a:t>
+                      </a:r>
+                      <a:endParaRPr lang="ko-KR" altLang="en-US" sz="1800" kern="1200" i="0" b="0">
+                        <a:solidFill>
+                          <a:schemeClr val="dk1"/>
+                        </a:solidFill>
+                        <a:latin typeface="Calibri" charset="0"/>
+                        <a:ea typeface="맑은 고딕" charset="0"/>
+                        <a:sym typeface="맑은 고딕" charset="0"/>
+                      </a:endParaRPr>
+                    </a:p>
+                  </a:txBody>
+                  <a:tcPr marL="91440" marR="91440" marT="45720" marB="45720" anchor="t">
+                    <a:lnL w="12700" cap="flat" cmpd="sng" algn="ctr">
+                      <a:solidFill>
+                        <a:srgbClr val="FFFFFF">
+                          <a:alpha val="100000"/>
+                        </a:srgbClr>
+                      </a:solidFill>
+                      <a:prstDash val="solid"/>
+                      <a:round/>
+                      <a:headEnd type="none" w="med" len="med"/>
+                      <a:tailEnd type="none" w="med" len="med"/>
+                    </a:lnL>
+                    <a:lnR w="12700" cap="flat" cmpd="sng" algn="ctr">
+                      <a:solidFill>
+                        <a:srgbClr val="FFFFFF">
+                          <a:alpha val="100000"/>
+                        </a:srgbClr>
+                      </a:solidFill>
+                      <a:prstDash val="solid"/>
+                      <a:round/>
+                      <a:headEnd type="none" w="med" len="med"/>
+                      <a:tailEnd type="none" w="med" len="med"/>
+                    </a:lnR>
+                    <a:lnT w="12700" cap="flat" cmpd="sng" algn="ctr">
+                      <a:solidFill>
+                        <a:srgbClr val="FFFFFF">
+                          <a:alpha val="100000"/>
+                        </a:srgbClr>
+                      </a:solidFill>
+                      <a:prstDash val="solid"/>
+                      <a:round/>
+                      <a:headEnd type="none" w="med" len="med"/>
+                      <a:tailEnd type="none" w="med" len="med"/>
+                    </a:lnT>
+                    <a:lnB w="12700" cap="flat" cmpd="sng" algn="ctr">
+                      <a:solidFill>
+                        <a:srgbClr val="FFFFFF">
+                          <a:alpha val="100000"/>
+                        </a:srgbClr>
+                      </a:solidFill>
+                      <a:prstDash val="solid"/>
+                      <a:round/>
+                      <a:headEnd type="none" w="med" len="med"/>
+                      <a:tailEnd type="none" w="med" len="med"/>
+                    </a:lnB>
+                  </a:tcPr>
+                </a:tc>
+                <a:tc>
+                  <a:txBody>
+                    <a:bodyPr/>
+                    <a:lstStyle/>
+                    <a:p>
+                      <a:pPr marL="0" indent="0" lvl="1">
+                        <a:buFontTx/>
+                        <a:buNone/>
+                      </a:pPr>
+                      <a:r>
+                        <a:rPr sz="1800" kern="1200" i="0" b="0">
+                          <a:solidFill>
+                            <a:schemeClr val="dk1"/>
+                          </a:solidFill>
+                          <a:latin typeface="Calibri" charset="0"/>
+                          <a:ea typeface="맑은 고딕" charset="0"/>
+                          <a:sym typeface="맑은 고딕" charset="0"/>
+                        </a:rPr>
+                        <a:t>사고유형별 안내</a:t>
+                      </a:r>
+                      <a:endParaRPr lang="ko-KR" altLang="en-US" sz="1800" kern="1200" i="0" b="0">
+                        <a:solidFill>
+                          <a:schemeClr val="dk1"/>
+                        </a:solidFill>
+                        <a:latin typeface="Calibri" charset="0"/>
+                        <a:ea typeface="맑은 고딕" charset="0"/>
+                        <a:sym typeface="맑은 고딕" charset="0"/>
+                      </a:endParaRPr>
+                    </a:p>
+                  </a:txBody>
+                  <a:tcPr marL="91440" marR="91440" marT="45720" marB="45720" anchor="t">
+                    <a:lnL w="12700" cap="flat" cmpd="sng" algn="ctr">
+                      <a:solidFill>
+                        <a:srgbClr val="FFFFFF">
+                          <a:alpha val="100000"/>
+                        </a:srgbClr>
+                      </a:solidFill>
+                      <a:prstDash val="solid"/>
+                      <a:round/>
+                      <a:headEnd type="none" w="med" len="med"/>
+                      <a:tailEnd type="none" w="med" len="med"/>
+                    </a:lnL>
+                    <a:lnR w="12700" cap="flat" cmpd="sng" algn="ctr">
+                      <a:solidFill>
+                        <a:srgbClr val="FFFFFF">
+                          <a:alpha val="100000"/>
+                        </a:srgbClr>
+                      </a:solidFill>
+                      <a:prstDash val="solid"/>
+                      <a:round/>
+                      <a:headEnd type="none" w="med" len="med"/>
+                      <a:tailEnd type="none" w="med" len="med"/>
+                    </a:lnR>
+                    <a:lnT w="12700" cap="flat" cmpd="sng" algn="ctr">
+                      <a:solidFill>
+                        <a:srgbClr val="FFFFFF">
+                          <a:alpha val="100000"/>
+                        </a:srgbClr>
+                      </a:solidFill>
+                      <a:prstDash val="solid"/>
+                      <a:round/>
+                      <a:headEnd type="none" w="med" len="med"/>
+                      <a:tailEnd type="none" w="med" len="med"/>
+                    </a:lnT>
+                    <a:lnB w="12700" cap="flat" cmpd="sng" algn="ctr">
+                      <a:solidFill>
+                        <a:srgbClr val="FFFFFF">
+                          <a:alpha val="100000"/>
+                        </a:srgbClr>
+                      </a:solidFill>
+                      <a:prstDash val="solid"/>
+                      <a:round/>
+                      <a:headEnd type="none" w="med" len="med"/>
+                      <a:tailEnd type="none" w="med" len="med"/>
+                    </a:lnB>
+                  </a:tcPr>
+                </a:tc>
+                <a:tc>
+                  <a:txBody>
+                    <a:bodyPr/>
+                    <a:lstStyle/>
+                    <a:p>
+                      <a:pPr marL="0" indent="0" lvl="1">
+                        <a:buFontTx/>
+                        <a:buNone/>
+                      </a:pPr>
+                      <a:r>
+                        <a:rPr sz="1800" kern="1200" i="0" b="0">
+                          <a:solidFill>
+                            <a:schemeClr val="dk1"/>
+                          </a:solidFill>
+                          <a:latin typeface="Calibri" charset="0"/>
+                          <a:ea typeface="맑은 고딕" charset="0"/>
+                          <a:sym typeface="맑은 고딕" charset="0"/>
+                        </a:rPr>
+                        <a:t>보험사 기준 사고 유형에 따른 안내 출력 요청</a:t>
+                      </a:r>
+                      <a:endParaRPr lang="ko-KR" altLang="en-US" sz="1800" kern="1200" i="0" b="0">
+                        <a:solidFill>
+                          <a:schemeClr val="dk1"/>
+                        </a:solidFill>
+                        <a:latin typeface="Calibri" charset="0"/>
+                        <a:ea typeface="맑은 고딕" charset="0"/>
+                        <a:sym typeface="맑은 고딕" charset="0"/>
+                      </a:endParaRPr>
+                    </a:p>
+                  </a:txBody>
+                  <a:tcPr marL="91440" marR="91440" marT="45720" marB="45720" anchor="t">
+                    <a:lnL w="12700" cap="flat" cmpd="sng" algn="ctr">
+                      <a:solidFill>
+                        <a:srgbClr val="FFFFFF">
+                          <a:alpha val="100000"/>
+                        </a:srgbClr>
+                      </a:solidFill>
+                      <a:prstDash val="solid"/>
+                      <a:round/>
+                      <a:headEnd type="none" w="med" len="med"/>
+                      <a:tailEnd type="none" w="med" len="med"/>
+                    </a:lnL>
+                    <a:lnR w="12700" cap="flat" cmpd="sng" algn="ctr">
+                      <a:solidFill>
+                        <a:srgbClr val="FFFFFF">
+                          <a:alpha val="100000"/>
+                        </a:srgbClr>
+                      </a:solidFill>
+                      <a:prstDash val="solid"/>
+                      <a:round/>
+                      <a:headEnd type="none" w="med" len="med"/>
+                      <a:tailEnd type="none" w="med" len="med"/>
+                    </a:lnR>
+                    <a:lnT w="12700" cap="flat" cmpd="sng" algn="ctr">
+                      <a:solidFill>
+                        <a:srgbClr val="FFFFFF">
+                          <a:alpha val="100000"/>
+                        </a:srgbClr>
+                      </a:solidFill>
+                      <a:prstDash val="solid"/>
+                      <a:round/>
+                      <a:headEnd type="none" w="med" len="med"/>
+                      <a:tailEnd type="none" w="med" len="med"/>
+                    </a:lnT>
+                    <a:lnB w="12700" cap="flat" cmpd="sng" algn="ctr">
+                      <a:solidFill>
+                        <a:srgbClr val="FFFFFF">
+                          <a:alpha val="100000"/>
+                        </a:srgbClr>
+                      </a:solidFill>
+                      <a:prstDash val="solid"/>
+                      <a:round/>
+                      <a:headEnd type="none" w="med" len="med"/>
+                      <a:tailEnd type="none" w="med" len="med"/>
+                    </a:lnB>
+                  </a:tcPr>
+                </a:tc>
+                <a:tc>
+                  <a:txBody>
+                    <a:bodyPr/>
+                    <a:lstStyle/>
+                    <a:p>
+                      <a:pPr marL="0" indent="0" lvl="1">
+                        <a:buFontTx/>
+                        <a:buNone/>
+                      </a:pPr>
+                      <a:r>
+                        <a:rPr sz="1800" kern="1200" i="0" b="0">
+                          <a:solidFill>
+                            <a:schemeClr val="dk1"/>
+                          </a:solidFill>
+                          <a:latin typeface="Calibri" charset="0"/>
+                          <a:ea typeface="맑은 고딕" charset="0"/>
+                          <a:sym typeface="맑은 고딕" charset="0"/>
+                        </a:rPr>
+                        <a:t>BI/</a:t>
+                      </a:r>
+                      <a:r>
+                        <a:rPr lang="ko-KR" sz="1800" kern="1200" i="0" b="0">
+                          <a:solidFill>
+                            <a:schemeClr val="dk1"/>
+                          </a:solidFill>
+                          <a:latin typeface="Calibri" charset="0"/>
+                          <a:ea typeface="맑은 고딕" charset="0"/>
+                          <a:sym typeface="맑은 고딕" charset="0"/>
+                        </a:rPr>
+                        <a:t>보험사/</a:t>
+                      </a:r>
+                      <a:r>
+                        <a:rPr sz="1800" kern="1200" i="0" b="0">
+                          <a:solidFill>
+                            <a:schemeClr val="dk1"/>
+                          </a:solidFill>
+                          <a:latin typeface="Calibri" charset="0"/>
+                          <a:ea typeface="맑은 고딕" charset="0"/>
+                          <a:sym typeface="맑은 고딕" charset="0"/>
+                        </a:rPr>
+                        <a:t>1 = 대인배상</a:t>
+                      </a:r>
+                      <a:endParaRPr lang="ko-KR" altLang="en-US" sz="1800" kern="1200" i="0" b="0">
+                        <a:solidFill>
+                          <a:schemeClr val="dk1"/>
+                        </a:solidFill>
+                        <a:latin typeface="Calibri" charset="0"/>
+                        <a:ea typeface="맑은 고딕" charset="0"/>
+                        <a:sym typeface="맑은 고딕" charset="0"/>
+                      </a:endParaRPr>
+                    </a:p>
+                    <a:p>
+                      <a:pPr marL="0" indent="0" lvl="1">
+                        <a:buFontTx/>
+                        <a:buNone/>
+                      </a:pPr>
+                      <a:r>
+                        <a:rPr sz="1800" kern="1200" i="0" b="0">
+                          <a:solidFill>
+                            <a:schemeClr val="dk1"/>
+                          </a:solidFill>
+                          <a:latin typeface="Calibri" charset="0"/>
+                          <a:ea typeface="맑은 고딕" charset="0"/>
+                          <a:sym typeface="맑은 고딕" charset="0"/>
+                        </a:rPr>
+                        <a:t>BI/</a:t>
+                      </a:r>
+                      <a:r>
+                        <a:rPr sz="1800" kern="1200" i="0" b="0">
+                          <a:solidFill>
+                            <a:schemeClr val="dk1"/>
+                          </a:solidFill>
+                          <a:latin typeface="Calibri" charset="0"/>
+                          <a:ea typeface="맑은 고딕" charset="0"/>
+                          <a:sym typeface="맑은 고딕" charset="0"/>
+                        </a:rPr>
+                        <a:t>보험</a:t>
+                      </a:r>
+                      <a:r>
+                        <a:rPr lang="ko-KR" sz="1800" kern="1200" i="0" b="0">
+                          <a:solidFill>
+                            <a:schemeClr val="dk1"/>
+                          </a:solidFill>
+                          <a:latin typeface="Calibri" charset="0"/>
+                          <a:ea typeface="맑은 고딕" charset="0"/>
+                          <a:sym typeface="맑은 고딕" charset="0"/>
+                        </a:rPr>
+                        <a:t>사/</a:t>
+                      </a:r>
+                      <a:r>
+                        <a:rPr sz="1800" kern="1200" i="0" b="0">
+                          <a:solidFill>
+                            <a:schemeClr val="dk1"/>
+                          </a:solidFill>
+                          <a:latin typeface="Calibri" charset="0"/>
+                          <a:ea typeface="맑은 고딕" charset="0"/>
+                          <a:sym typeface="맑은 고딕" charset="0"/>
+                        </a:rPr>
+                        <a:t>2 = 대물배상</a:t>
+                      </a:r>
+                      <a:endParaRPr lang="ko-KR" altLang="en-US" sz="1800" kern="1200" i="0" b="0">
+                        <a:solidFill>
+                          <a:schemeClr val="dk1"/>
+                        </a:solidFill>
+                        <a:latin typeface="Calibri" charset="0"/>
+                        <a:ea typeface="맑은 고딕" charset="0"/>
+                        <a:sym typeface="맑은 고딕" charset="0"/>
+                      </a:endParaRPr>
+                    </a:p>
+                  </a:txBody>
+                  <a:tcPr marL="91440" marR="91440" marT="45720" marB="45720" anchor="t">
+                    <a:lnL w="12700" cap="flat" cmpd="sng" algn="ctr">
+                      <a:solidFill>
+                        <a:srgbClr val="FFFFFF">
+                          <a:alpha val="100000"/>
+                        </a:srgbClr>
+                      </a:solidFill>
+                      <a:prstDash val="solid"/>
+                      <a:round/>
+                      <a:headEnd type="none" w="med" len="med"/>
+                      <a:tailEnd type="none" w="med" len="med"/>
+                    </a:lnL>
+                    <a:lnR w="12700" cap="flat" cmpd="sng" algn="ctr">
+                      <a:solidFill>
+                        <a:srgbClr val="FFFFFF">
+                          <a:alpha val="100000"/>
+                        </a:srgbClr>
+                      </a:solidFill>
+                      <a:prstDash val="solid"/>
+                      <a:round/>
+                      <a:headEnd type="none" w="med" len="med"/>
+                      <a:tailEnd type="none" w="med" len="med"/>
+                    </a:lnR>
+                    <a:lnT w="12700" cap="flat" cmpd="sng" algn="ctr">
+                      <a:solidFill>
+                        <a:srgbClr val="FFFFFF">
+                          <a:alpha val="100000"/>
+                        </a:srgbClr>
+                      </a:solidFill>
+                      <a:prstDash val="solid"/>
+                      <a:round/>
+                      <a:headEnd type="none" w="med" len="med"/>
+                      <a:tailEnd type="none" w="med" len="med"/>
+                    </a:lnT>
+                    <a:lnB w="12700" cap="flat" cmpd="sng" algn="ctr">
+                      <a:solidFill>
+                        <a:srgbClr val="FFFFFF">
+                          <a:alpha val="100000"/>
+                        </a:srgbClr>
+                      </a:solidFill>
+                      <a:prstDash val="solid"/>
+                      <a:round/>
+                      <a:headEnd type="none" w="med" len="med"/>
+                      <a:tailEnd type="none" w="med" len="med"/>
+                    </a:lnB>
+                  </a:tcPr>
+                </a:tc>
+              </a:tr>
+              <a:tr h="922020">
+                <a:tc>
+                  <a:txBody>
+                    <a:bodyPr/>
+                    <a:lstStyle/>
+                    <a:p>
+                      <a:pPr marL="0" indent="0" lvl="1">
+                        <a:buFontTx/>
+                        <a:buNone/>
+                      </a:pPr>
+                      <a:r>
+                        <a:rPr sz="1800" kern="1200" i="0" b="0">
+                          <a:solidFill>
+                            <a:schemeClr val="dk1"/>
+                          </a:solidFill>
+                          <a:latin typeface="Calibri" charset="0"/>
+                          <a:ea typeface="맑은 고딕" charset="0"/>
+                          <a:sym typeface="맑은 고딕" charset="0"/>
+                        </a:rPr>
+                        <a:t>BS</a:t>
+                      </a:r>
+                      <a:endParaRPr lang="ko-KR" altLang="en-US" sz="1800" kern="1200" i="0" b="0">
+                        <a:solidFill>
+                          <a:schemeClr val="dk1"/>
+                        </a:solidFill>
+                        <a:latin typeface="Calibri" charset="0"/>
+                        <a:ea typeface="맑은 고딕" charset="0"/>
+                        <a:sym typeface="맑은 고딕" charset="0"/>
+                      </a:endParaRPr>
+                    </a:p>
+                  </a:txBody>
+                  <a:tcPr marL="91440" marR="91440" marT="45720" marB="45720" anchor="t">
+                    <a:lnL w="12700" cap="flat" cmpd="sng" algn="ctr">
+                      <a:solidFill>
+                        <a:srgbClr val="FFFFFF">
+                          <a:alpha val="100000"/>
+                        </a:srgbClr>
+                      </a:solidFill>
+                      <a:prstDash val="solid"/>
+                      <a:round/>
+                      <a:headEnd type="none" w="med" len="med"/>
+                      <a:tailEnd type="none" w="med" len="med"/>
+                    </a:lnL>
+                    <a:lnR w="12700" cap="flat" cmpd="sng" algn="ctr">
+                      <a:solidFill>
+                        <a:srgbClr val="FFFFFF">
+                          <a:alpha val="100000"/>
+                        </a:srgbClr>
+                      </a:solidFill>
+                      <a:prstDash val="solid"/>
+                      <a:round/>
+                      <a:headEnd type="none" w="med" len="med"/>
+                      <a:tailEnd type="none" w="med" len="med"/>
+                    </a:lnR>
+                    <a:lnT w="12700" cap="flat" cmpd="sng" algn="ctr">
+                      <a:solidFill>
+                        <a:srgbClr val="FFFFFF">
+                          <a:alpha val="100000"/>
+                        </a:srgbClr>
+                      </a:solidFill>
+                      <a:prstDash val="solid"/>
+                      <a:round/>
+                      <a:headEnd type="none" w="med" len="med"/>
+                      <a:tailEnd type="none" w="med" len="med"/>
+                    </a:lnT>
+                    <a:lnB w="12700" cap="flat" cmpd="sng" algn="ctr">
+                      <a:solidFill>
+                        <a:srgbClr val="FFFFFF">
+                          <a:alpha val="100000"/>
+                        </a:srgbClr>
+                      </a:solidFill>
+                      <a:prstDash val="solid"/>
+                      <a:round/>
+                      <a:headEnd type="none" w="med" len="med"/>
+                      <a:tailEnd type="none" w="med" len="med"/>
+                    </a:lnB>
+                  </a:tcPr>
+                </a:tc>
+                <a:tc>
+                  <a:txBody>
+                    <a:bodyPr/>
+                    <a:lstStyle/>
+                    <a:p>
+                      <a:pPr marL="0" indent="0" lvl="1">
+                        <a:buFontTx/>
+                        <a:buNone/>
+                      </a:pPr>
+                      <a:r>
+                        <a:rPr sz="1800" kern="1200" i="0" b="0">
+                          <a:solidFill>
+                            <a:schemeClr val="dk1"/>
+                          </a:solidFill>
+                          <a:latin typeface="Calibri" charset="0"/>
+                          <a:ea typeface="맑은 고딕" charset="0"/>
+                          <a:sym typeface="맑은 고딕" charset="0"/>
+                        </a:rPr>
+                        <a:t>보험사 보상 안내</a:t>
+                      </a:r>
+                      <a:endParaRPr lang="ko-KR" altLang="en-US" sz="1800" kern="1200" i="0" b="0">
+                        <a:solidFill>
+                          <a:schemeClr val="dk1"/>
+                        </a:solidFill>
+                        <a:latin typeface="Calibri" charset="0"/>
+                        <a:ea typeface="맑은 고딕" charset="0"/>
+                        <a:sym typeface="맑은 고딕" charset="0"/>
+                      </a:endParaRPr>
+                    </a:p>
+                  </a:txBody>
+                  <a:tcPr marL="91440" marR="91440" marT="45720" marB="45720" anchor="t">
+                    <a:lnL w="12700" cap="flat" cmpd="sng" algn="ctr">
+                      <a:solidFill>
+                        <a:srgbClr val="FFFFFF">
+                          <a:alpha val="100000"/>
+                        </a:srgbClr>
+                      </a:solidFill>
+                      <a:prstDash val="solid"/>
+                      <a:round/>
+                      <a:headEnd type="none" w="med" len="med"/>
+                      <a:tailEnd type="none" w="med" len="med"/>
+                    </a:lnL>
+                    <a:lnR w="12700" cap="flat" cmpd="sng" algn="ctr">
+                      <a:solidFill>
+                        <a:srgbClr val="FFFFFF">
+                          <a:alpha val="100000"/>
+                        </a:srgbClr>
+                      </a:solidFill>
+                      <a:prstDash val="solid"/>
+                      <a:round/>
+                      <a:headEnd type="none" w="med" len="med"/>
+                      <a:tailEnd type="none" w="med" len="med"/>
+                    </a:lnR>
+                    <a:lnT w="12700" cap="flat" cmpd="sng" algn="ctr">
+                      <a:solidFill>
+                        <a:srgbClr val="FFFFFF">
+                          <a:alpha val="100000"/>
+                        </a:srgbClr>
+                      </a:solidFill>
+                      <a:prstDash val="solid"/>
+                      <a:round/>
+                      <a:headEnd type="none" w="med" len="med"/>
+                      <a:tailEnd type="none" w="med" len="med"/>
+                    </a:lnT>
+                    <a:lnB w="12700" cap="flat" cmpd="sng" algn="ctr">
+                      <a:solidFill>
+                        <a:srgbClr val="FFFFFF">
+                          <a:alpha val="100000"/>
+                        </a:srgbClr>
+                      </a:solidFill>
+                      <a:prstDash val="solid"/>
+                      <a:round/>
+                      <a:headEnd type="none" w="med" len="med"/>
+                      <a:tailEnd type="none" w="med" len="med"/>
+                    </a:lnB>
+                  </a:tcPr>
+                </a:tc>
+                <a:tc>
+                  <a:txBody>
+                    <a:bodyPr/>
+                    <a:lstStyle/>
+                    <a:p>
+                      <a:pPr marL="0" indent="0" lvl="1">
+                        <a:buFontTx/>
+                        <a:buNone/>
+                      </a:pPr>
+                      <a:r>
+                        <a:rPr sz="1800" kern="1200" i="0" b="0">
+                          <a:solidFill>
+                            <a:schemeClr val="dk1"/>
+                          </a:solidFill>
+                          <a:latin typeface="Calibri" charset="0"/>
+                          <a:ea typeface="맑은 고딕" charset="0"/>
+                          <a:sym typeface="맑은 고딕" charset="0"/>
+                        </a:rPr>
+                        <a:t>보험사 기준 보상 절차 및 항목 안내</a:t>
+                      </a:r>
+                      <a:endParaRPr lang="ko-KR" altLang="en-US" sz="1800" kern="1200" i="0" b="0">
+                        <a:solidFill>
+                          <a:schemeClr val="dk1"/>
+                        </a:solidFill>
+                        <a:latin typeface="Calibri" charset="0"/>
+                        <a:ea typeface="맑은 고딕" charset="0"/>
+                        <a:sym typeface="맑은 고딕" charset="0"/>
+                      </a:endParaRPr>
+                    </a:p>
+                  </a:txBody>
+                  <a:tcPr marL="91440" marR="91440" marT="45720" marB="45720" anchor="t">
+                    <a:lnL w="12700" cap="flat" cmpd="sng" algn="ctr">
+                      <a:solidFill>
+                        <a:srgbClr val="FFFFFF">
+                          <a:alpha val="100000"/>
+                        </a:srgbClr>
+                      </a:solidFill>
+                      <a:prstDash val="solid"/>
+                      <a:round/>
+                      <a:headEnd type="none" w="med" len="med"/>
+                      <a:tailEnd type="none" w="med" len="med"/>
+                    </a:lnL>
+                    <a:lnR w="12700" cap="flat" cmpd="sng" algn="ctr">
+                      <a:solidFill>
+                        <a:srgbClr val="FFFFFF">
+                          <a:alpha val="100000"/>
+                        </a:srgbClr>
+                      </a:solidFill>
+                      <a:prstDash val="solid"/>
+                      <a:round/>
+                      <a:headEnd type="none" w="med" len="med"/>
+                      <a:tailEnd type="none" w="med" len="med"/>
+                    </a:lnR>
+                    <a:lnT w="12700" cap="flat" cmpd="sng" algn="ctr">
+                      <a:solidFill>
+                        <a:srgbClr val="FFFFFF">
+                          <a:alpha val="100000"/>
+                        </a:srgbClr>
+                      </a:solidFill>
+                      <a:prstDash val="solid"/>
+                      <a:round/>
+                      <a:headEnd type="none" w="med" len="med"/>
+                      <a:tailEnd type="none" w="med" len="med"/>
+                    </a:lnT>
+                    <a:lnB w="12700" cap="flat" cmpd="sng" algn="ctr">
+                      <a:solidFill>
+                        <a:srgbClr val="FFFFFF">
+                          <a:alpha val="100000"/>
+                        </a:srgbClr>
+                      </a:solidFill>
+                      <a:prstDash val="solid"/>
+                      <a:round/>
+                      <a:headEnd type="none" w="med" len="med"/>
+                      <a:tailEnd type="none" w="med" len="med"/>
+                    </a:lnB>
+                  </a:tcPr>
+                </a:tc>
+                <a:tc>
+                  <a:txBody>
+                    <a:bodyPr/>
+                    <a:lstStyle/>
+                    <a:p>
+                      <a:pPr marL="0" indent="0" lvl="1">
+                        <a:buFontTx/>
+                        <a:buNone/>
+                      </a:pPr>
+                      <a:r>
+                        <a:rPr sz="1800" kern="1200" i="0" b="0">
+                          <a:solidFill>
+                            <a:schemeClr val="dk1"/>
+                          </a:solidFill>
+                          <a:latin typeface="Calibri" charset="0"/>
+                          <a:ea typeface="맑은 고딕" charset="0"/>
+                          <a:sym typeface="맑은 고딕" charset="0"/>
+                        </a:rPr>
+                        <a:t>BS/</a:t>
+                      </a:r>
+                      <a:r>
+                        <a:rPr sz="1800" kern="1200" i="0" b="0">
+                          <a:solidFill>
+                            <a:schemeClr val="dk1"/>
+                          </a:solidFill>
+                          <a:latin typeface="Calibri" charset="0"/>
+                          <a:ea typeface="맑은 고딕" charset="0"/>
+                          <a:sym typeface="맑은 고딕" charset="0"/>
+                        </a:rPr>
+                        <a:t>보험</a:t>
+                      </a:r>
+                      <a:r>
+                        <a:rPr lang="ko-KR" sz="1800" kern="1200" i="0" b="0">
+                          <a:solidFill>
+                            <a:schemeClr val="dk1"/>
+                          </a:solidFill>
+                          <a:latin typeface="Calibri" charset="0"/>
+                          <a:ea typeface="맑은 고딕" charset="0"/>
+                          <a:sym typeface="맑은 고딕" charset="0"/>
+                        </a:rPr>
+                        <a:t>사/</a:t>
+                      </a:r>
+                      <a:r>
+                        <a:rPr sz="1800" kern="1200" i="0" b="0">
+                          <a:solidFill>
+                            <a:schemeClr val="dk1"/>
+                          </a:solidFill>
+                          <a:latin typeface="Calibri" charset="0"/>
+                          <a:ea typeface="맑은 고딕" charset="0"/>
+                          <a:sym typeface="맑은 고딕" charset="0"/>
+                        </a:rPr>
+                        <a:t>1 = 보상안내</a:t>
+                      </a:r>
+                      <a:endParaRPr lang="ko-KR" altLang="en-US" sz="1800" kern="1200" i="0" b="0">
+                        <a:solidFill>
+                          <a:schemeClr val="dk1"/>
+                        </a:solidFill>
+                        <a:latin typeface="Calibri" charset="0"/>
+                        <a:ea typeface="맑은 고딕" charset="0"/>
+                        <a:sym typeface="맑은 고딕" charset="0"/>
+                      </a:endParaRPr>
+                    </a:p>
+                    <a:p>
+                      <a:pPr marL="0" indent="0" lvl="1">
+                        <a:buFontTx/>
+                        <a:buNone/>
+                      </a:pPr>
+                      <a:r>
+                        <a:rPr sz="1800" kern="1200" i="0" b="0">
+                          <a:solidFill>
+                            <a:schemeClr val="dk1"/>
+                          </a:solidFill>
+                          <a:latin typeface="Calibri" charset="0"/>
+                          <a:ea typeface="맑은 고딕" charset="0"/>
+                          <a:sym typeface="맑은 고딕" charset="0"/>
+                        </a:rPr>
+                        <a:t>BS/</a:t>
+                      </a:r>
+                      <a:r>
+                        <a:rPr sz="1800" kern="1200" i="0" b="0">
+                          <a:solidFill>
+                            <a:schemeClr val="dk1"/>
+                          </a:solidFill>
+                          <a:latin typeface="Calibri" charset="0"/>
+                          <a:ea typeface="맑은 고딕" charset="0"/>
+                          <a:sym typeface="맑은 고딕" charset="0"/>
+                        </a:rPr>
+                        <a:t>보험</a:t>
+                      </a:r>
+                      <a:r>
+                        <a:rPr lang="ko-KR" sz="1800" kern="1200" i="0" b="0">
+                          <a:solidFill>
+                            <a:schemeClr val="dk1"/>
+                          </a:solidFill>
+                          <a:latin typeface="Calibri" charset="0"/>
+                          <a:ea typeface="맑은 고딕" charset="0"/>
+                          <a:sym typeface="맑은 고딕" charset="0"/>
+                        </a:rPr>
+                        <a:t>사/</a:t>
+                      </a:r>
+                      <a:r>
+                        <a:rPr sz="1800" kern="1200" i="0" b="0">
+                          <a:solidFill>
+                            <a:schemeClr val="dk1"/>
+                          </a:solidFill>
+                          <a:latin typeface="Calibri" charset="0"/>
+                          <a:ea typeface="맑은 고딕" charset="0"/>
+                          <a:sym typeface="맑은 고딕" charset="0"/>
+                        </a:rPr>
+                        <a:t>2 = 보상절차</a:t>
+                      </a:r>
+                      <a:endParaRPr lang="ko-KR" altLang="en-US" sz="1800" kern="1200" i="0" b="0">
+                        <a:solidFill>
+                          <a:schemeClr val="dk1"/>
+                        </a:solidFill>
+                        <a:latin typeface="Calibri" charset="0"/>
+                        <a:ea typeface="맑은 고딕" charset="0"/>
+                        <a:sym typeface="맑은 고딕" charset="0"/>
+                      </a:endParaRPr>
+                    </a:p>
+                    <a:p>
+                      <a:pPr marL="0" indent="0" lvl="1">
+                        <a:buFontTx/>
+                        <a:buNone/>
+                      </a:pPr>
+                      <a:r>
+                        <a:rPr sz="1800" kern="1200" i="0" b="0">
+                          <a:solidFill>
+                            <a:schemeClr val="dk1"/>
+                          </a:solidFill>
+                          <a:latin typeface="Calibri" charset="0"/>
+                          <a:ea typeface="맑은 고딕" charset="0"/>
+                          <a:sym typeface="맑은 고딕" charset="0"/>
+                        </a:rPr>
+                        <a:t>BS/</a:t>
+                      </a:r>
+                      <a:r>
+                        <a:rPr sz="1800" kern="1200" i="0" b="0">
+                          <a:solidFill>
+                            <a:schemeClr val="dk1"/>
+                          </a:solidFill>
+                          <a:latin typeface="Calibri" charset="0"/>
+                          <a:ea typeface="맑은 고딕" charset="0"/>
+                          <a:sym typeface="맑은 고딕" charset="0"/>
+                        </a:rPr>
+                        <a:t>보험</a:t>
+                      </a:r>
+                      <a:r>
+                        <a:rPr lang="ko-KR" sz="1800" kern="1200" i="0" b="0">
+                          <a:solidFill>
+                            <a:schemeClr val="dk1"/>
+                          </a:solidFill>
+                          <a:latin typeface="Calibri" charset="0"/>
+                          <a:ea typeface="맑은 고딕" charset="0"/>
+                          <a:sym typeface="맑은 고딕" charset="0"/>
+                        </a:rPr>
+                        <a:t>사/</a:t>
+                      </a:r>
+                      <a:r>
+                        <a:rPr sz="1800" kern="1200" i="0" b="0">
+                          <a:solidFill>
+                            <a:schemeClr val="dk1"/>
+                          </a:solidFill>
+                          <a:latin typeface="Calibri" charset="0"/>
+                          <a:ea typeface="맑은 고딕" charset="0"/>
+                          <a:sym typeface="맑은 고딕" charset="0"/>
+                        </a:rPr>
+                        <a:t>3 = 보상항목</a:t>
+                      </a:r>
+                      <a:endParaRPr lang="ko-KR" altLang="en-US" sz="1800" kern="1200" i="0" b="0">
+                        <a:solidFill>
+                          <a:schemeClr val="dk1"/>
+                        </a:solidFill>
+                        <a:latin typeface="Calibri" charset="0"/>
+                        <a:ea typeface="맑은 고딕" charset="0"/>
+                        <a:sym typeface="맑은 고딕" charset="0"/>
+                      </a:endParaRPr>
+                    </a:p>
+                  </a:txBody>
+                  <a:tcPr marL="91440" marR="91440" marT="45720" marB="45720" anchor="t">
+                    <a:lnL w="12700" cap="flat" cmpd="sng" algn="ctr">
+                      <a:solidFill>
+                        <a:srgbClr val="FFFFFF">
+                          <a:alpha val="100000"/>
+                        </a:srgbClr>
+                      </a:solidFill>
+                      <a:prstDash val="solid"/>
+                      <a:round/>
+                      <a:headEnd type="none" w="med" len="med"/>
+                      <a:tailEnd type="none" w="med" len="med"/>
+                    </a:lnL>
+                    <a:lnR w="12700" cap="flat" cmpd="sng" algn="ctr">
+                      <a:solidFill>
+                        <a:srgbClr val="FFFFFF">
+                          <a:alpha val="100000"/>
+                        </a:srgbClr>
+                      </a:solidFill>
+                      <a:prstDash val="solid"/>
+                      <a:round/>
+                      <a:headEnd type="none" w="med" len="med"/>
+                      <a:tailEnd type="none" w="med" len="med"/>
+                    </a:lnR>
+                    <a:lnT w="12700" cap="flat" cmpd="sng" algn="ctr">
+                      <a:solidFill>
+                        <a:srgbClr val="FFFFFF">
+                          <a:alpha val="100000"/>
+                        </a:srgbClr>
+                      </a:solidFill>
+                      <a:prstDash val="solid"/>
+                      <a:round/>
+                      <a:headEnd type="none" w="med" len="med"/>
+                      <a:tailEnd type="none" w="med" len="med"/>
+                    </a:lnT>
+                    <a:lnB w="12700" cap="flat" cmpd="sng" algn="ctr">
+                      <a:solidFill>
+                        <a:srgbClr val="FFFFFF">
+                          <a:alpha val="100000"/>
+                        </a:srgbClr>
+                      </a:solidFill>
+                      <a:prstDash val="solid"/>
+                      <a:round/>
+                      <a:headEnd type="none" w="med" len="med"/>
+                      <a:tailEnd type="none" w="med" len="med"/>
+                    </a:lnB>
+                  </a:tcPr>
+                </a:tc>
+              </a:tr>
+              <a:tr h="645160">
+                <a:tc>
+                  <a:txBody>
+                    <a:bodyPr/>
+                    <a:lstStyle/>
+                    <a:p>
+                      <a:pPr marL="0" indent="0" lvl="1">
+                        <a:buFontTx/>
+                        <a:buNone/>
+                      </a:pPr>
+                      <a:r>
+                        <a:rPr sz="1800" kern="1200" i="0" b="0">
+                          <a:solidFill>
+                            <a:schemeClr val="dk1"/>
+                          </a:solidFill>
+                          <a:latin typeface="Calibri" charset="0"/>
+                          <a:ea typeface="맑은 고딕" charset="0"/>
+                          <a:sym typeface="맑은 고딕" charset="0"/>
+                        </a:rPr>
+                        <a:t>EX</a:t>
+                      </a:r>
+                      <a:endParaRPr lang="ko-KR" altLang="en-US" sz="1800" kern="1200" i="0" b="0">
+                        <a:solidFill>
+                          <a:schemeClr val="dk1"/>
+                        </a:solidFill>
+                        <a:latin typeface="Calibri" charset="0"/>
+                        <a:ea typeface="맑은 고딕" charset="0"/>
+                        <a:sym typeface="맑은 고딕" charset="0"/>
+                      </a:endParaRPr>
+                    </a:p>
+                  </a:txBody>
+                  <a:tcPr marL="91440" marR="91440" marT="45720" marB="45720" anchor="t">
+                    <a:lnL w="12700" cap="flat" cmpd="sng" algn="ctr">
+                      <a:solidFill>
+                        <a:srgbClr val="FFFFFF">
+                          <a:alpha val="100000"/>
+                        </a:srgbClr>
+                      </a:solidFill>
+                      <a:prstDash val="solid"/>
+                      <a:round/>
+                      <a:headEnd type="none" w="med" len="med"/>
+                      <a:tailEnd type="none" w="med" len="med"/>
+                    </a:lnL>
+                    <a:lnR w="12700" cap="flat" cmpd="sng" algn="ctr">
+                      <a:solidFill>
+                        <a:srgbClr val="FFFFFF">
+                          <a:alpha val="100000"/>
+                        </a:srgbClr>
+                      </a:solidFill>
+                      <a:prstDash val="solid"/>
+                      <a:round/>
+                      <a:headEnd type="none" w="med" len="med"/>
+                      <a:tailEnd type="none" w="med" len="med"/>
+                    </a:lnR>
+                    <a:lnT w="12700" cap="flat" cmpd="sng" algn="ctr">
+                      <a:solidFill>
+                        <a:srgbClr val="FFFFFF">
+                          <a:alpha val="100000"/>
+                        </a:srgbClr>
+                      </a:solidFill>
+                      <a:prstDash val="solid"/>
+                      <a:round/>
+                      <a:headEnd type="none" w="med" len="med"/>
+                      <a:tailEnd type="none" w="med" len="med"/>
+                    </a:lnT>
+                    <a:lnB w="12700" cap="flat" cmpd="sng" algn="ctr">
+                      <a:solidFill>
+                        <a:srgbClr val="FFFFFF">
+                          <a:alpha val="100000"/>
+                        </a:srgbClr>
+                      </a:solidFill>
+                      <a:prstDash val="solid"/>
+                      <a:round/>
+                      <a:headEnd type="none" w="med" len="med"/>
+                      <a:tailEnd type="none" w="med" len="med"/>
+                    </a:lnB>
+                  </a:tcPr>
+                </a:tc>
+                <a:tc>
+                  <a:txBody>
+                    <a:bodyPr/>
+                    <a:lstStyle/>
+                    <a:p>
+                      <a:pPr marL="0" indent="0" lvl="1">
+                        <a:buFontTx/>
+                        <a:buNone/>
+                      </a:pPr>
+                      <a:r>
+                        <a:rPr sz="1800" kern="1200" i="0" b="0">
+                          <a:solidFill>
+                            <a:schemeClr val="dk1"/>
+                          </a:solidFill>
+                          <a:latin typeface="Calibri" charset="0"/>
+                          <a:ea typeface="맑은 고딕" charset="0"/>
+                          <a:sym typeface="맑은 고딕" charset="0"/>
+                        </a:rPr>
+                        <a:t>프로그램 종료</a:t>
+                      </a:r>
+                      <a:endParaRPr lang="ko-KR" altLang="en-US" sz="1800" kern="1200" i="0" b="0">
+                        <a:solidFill>
+                          <a:schemeClr val="dk1"/>
+                        </a:solidFill>
+                        <a:latin typeface="Calibri" charset="0"/>
+                        <a:ea typeface="맑은 고딕" charset="0"/>
+                        <a:sym typeface="맑은 고딕" charset="0"/>
+                      </a:endParaRPr>
+                    </a:p>
+                  </a:txBody>
+                  <a:tcPr marL="91440" marR="91440" marT="45720" marB="45720" anchor="t">
+                    <a:lnL w="12700" cap="flat" cmpd="sng" algn="ctr">
+                      <a:solidFill>
+                        <a:srgbClr val="FFFFFF">
+                          <a:alpha val="100000"/>
+                        </a:srgbClr>
+                      </a:solidFill>
+                      <a:prstDash val="solid"/>
+                      <a:round/>
+                      <a:headEnd type="none" w="med" len="med"/>
+                      <a:tailEnd type="none" w="med" len="med"/>
+                    </a:lnL>
+                    <a:lnR w="12700" cap="flat" cmpd="sng" algn="ctr">
+                      <a:solidFill>
+                        <a:srgbClr val="FFFFFF">
+                          <a:alpha val="100000"/>
+                        </a:srgbClr>
+                      </a:solidFill>
+                      <a:prstDash val="solid"/>
+                      <a:round/>
+                      <a:headEnd type="none" w="med" len="med"/>
+                      <a:tailEnd type="none" w="med" len="med"/>
+                    </a:lnR>
+                    <a:lnT w="12700" cap="flat" cmpd="sng" algn="ctr">
+                      <a:solidFill>
+                        <a:srgbClr val="FFFFFF">
+                          <a:alpha val="100000"/>
+                        </a:srgbClr>
+                      </a:solidFill>
+                      <a:prstDash val="solid"/>
+                      <a:round/>
+                      <a:headEnd type="none" w="med" len="med"/>
+                      <a:tailEnd type="none" w="med" len="med"/>
+                    </a:lnT>
+                    <a:lnB w="12700" cap="flat" cmpd="sng" algn="ctr">
+                      <a:solidFill>
+                        <a:srgbClr val="FFFFFF">
+                          <a:alpha val="100000"/>
+                        </a:srgbClr>
+                      </a:solidFill>
+                      <a:prstDash val="solid"/>
+                      <a:round/>
+                      <a:headEnd type="none" w="med" len="med"/>
+                      <a:tailEnd type="none" w="med" len="med"/>
+                    </a:lnB>
+                  </a:tcPr>
+                </a:tc>
+                <a:tc>
+                  <a:txBody>
+                    <a:bodyPr/>
+                    <a:lstStyle/>
+                    <a:p>
+                      <a:pPr marL="0" indent="0" lvl="1">
+                        <a:buFontTx/>
+                        <a:buNone/>
+                      </a:pPr>
+                      <a:r>
+                        <a:rPr sz="1800" kern="1200" i="0" b="0">
+                          <a:solidFill>
+                            <a:schemeClr val="dk1"/>
+                          </a:solidFill>
+                          <a:latin typeface="Calibri" charset="0"/>
+                          <a:ea typeface="맑은 고딕" charset="0"/>
+                          <a:sym typeface="맑은 고딕" charset="0"/>
+                        </a:rPr>
+                        <a:t>프로그램 종료</a:t>
+                      </a:r>
+                      <a:endParaRPr lang="ko-KR" altLang="en-US" sz="1800" kern="1200" i="0" b="0">
+                        <a:solidFill>
+                          <a:schemeClr val="dk1"/>
+                        </a:solidFill>
+                        <a:latin typeface="Calibri" charset="0"/>
+                        <a:ea typeface="맑은 고딕" charset="0"/>
+                        <a:sym typeface="맑은 고딕" charset="0"/>
+                      </a:endParaRPr>
+                    </a:p>
+                  </a:txBody>
+                  <a:tcPr marL="91440" marR="91440" marT="45720" marB="45720" anchor="t">
+                    <a:lnL w="12700" cap="flat" cmpd="sng" algn="ctr">
+                      <a:solidFill>
+                        <a:srgbClr val="FFFFFF">
+                          <a:alpha val="100000"/>
+                        </a:srgbClr>
+                      </a:solidFill>
+                      <a:prstDash val="solid"/>
+                      <a:round/>
+                      <a:headEnd type="none" w="med" len="med"/>
+                      <a:tailEnd type="none" w="med" len="med"/>
+                    </a:lnL>
+                    <a:lnR w="12700" cap="flat" cmpd="sng" algn="ctr">
+                      <a:solidFill>
+                        <a:srgbClr val="FFFFFF">
+                          <a:alpha val="100000"/>
+                        </a:srgbClr>
+                      </a:solidFill>
+                      <a:prstDash val="solid"/>
+                      <a:round/>
+                      <a:headEnd type="none" w="med" len="med"/>
+                      <a:tailEnd type="none" w="med" len="med"/>
+                    </a:lnR>
+                    <a:lnT w="12700" cap="flat" cmpd="sng" algn="ctr">
+                      <a:solidFill>
+                        <a:srgbClr val="FFFFFF">
+                          <a:alpha val="100000"/>
+                        </a:srgbClr>
+                      </a:solidFill>
+                      <a:prstDash val="solid"/>
+                      <a:round/>
+                      <a:headEnd type="none" w="med" len="med"/>
+                      <a:tailEnd type="none" w="med" len="med"/>
+                    </a:lnT>
+                    <a:lnB w="12700" cap="flat" cmpd="sng" algn="ctr">
+                      <a:solidFill>
+                        <a:srgbClr val="FFFFFF">
+                          <a:alpha val="100000"/>
+                        </a:srgbClr>
+                      </a:solidFill>
+                      <a:prstDash val="solid"/>
+                      <a:round/>
+                      <a:headEnd type="none" w="med" len="med"/>
+                      <a:tailEnd type="none" w="med" len="med"/>
+                    </a:lnB>
+                  </a:tcPr>
+                </a:tc>
+                <a:tc>
+                  <a:txBody>
+                    <a:bodyPr/>
+                    <a:lstStyle/>
+                    <a:p>
+                      <a:pPr marL="0" indent="0" lvl="1">
+                        <a:buFontTx/>
+                        <a:buNone/>
+                      </a:pPr>
+                      <a:r>
+                        <a:rPr sz="1800" kern="1200" i="0" b="0">
+                          <a:solidFill>
+                            <a:schemeClr val="dk1"/>
+                          </a:solidFill>
+                          <a:latin typeface="Calibri" charset="0"/>
+                          <a:ea typeface="맑은 고딕" charset="0"/>
+                          <a:sym typeface="맑은 고딕" charset="0"/>
+                        </a:rPr>
+                        <a:t>EX = 프로그램 종료</a:t>
+                      </a:r>
+                      <a:endParaRPr lang="ko-KR" altLang="en-US" sz="1800" kern="1200" i="0" b="0">
+                        <a:solidFill>
+                          <a:schemeClr val="dk1"/>
+                        </a:solidFill>
+                        <a:latin typeface="Calibri" charset="0"/>
+                        <a:ea typeface="맑은 고딕" charset="0"/>
+                        <a:sym typeface="맑은 고딕" charset="0"/>
+                      </a:endParaRPr>
+                    </a:p>
+                  </a:txBody>
+                  <a:tcPr marL="91440" marR="91440" marT="45720" marB="45720" anchor="t">
+                    <a:lnL w="12700" cap="flat" cmpd="sng" algn="ctr">
+                      <a:solidFill>
+                        <a:srgbClr val="FFFFFF">
+                          <a:alpha val="100000"/>
+                        </a:srgbClr>
+                      </a:solidFill>
+                      <a:prstDash val="solid"/>
+                      <a:round/>
+                      <a:headEnd type="none" w="med" len="med"/>
+                      <a:tailEnd type="none" w="med" len="med"/>
+                    </a:lnL>
+                    <a:lnR w="12700" cap="flat" cmpd="sng" algn="ctr">
+                      <a:solidFill>
+                        <a:srgbClr val="FFFFFF">
+                          <a:alpha val="100000"/>
+                        </a:srgbClr>
+                      </a:solidFill>
+                      <a:prstDash val="solid"/>
+                      <a:round/>
+                      <a:headEnd type="none" w="med" len="med"/>
+                      <a:tailEnd type="none" w="med" len="med"/>
+                    </a:lnR>
+                    <a:lnT w="12700" cap="flat" cmpd="sng" algn="ctr">
+                      <a:solidFill>
+                        <a:srgbClr val="FFFFFF">
+                          <a:alpha val="100000"/>
+                        </a:srgbClr>
+                      </a:solidFill>
+                      <a:prstDash val="solid"/>
+                      <a:round/>
+                      <a:headEnd type="none" w="med" len="med"/>
+                      <a:tailEnd type="none" w="med" len="med"/>
+                    </a:lnT>
+                    <a:lnB w="12700" cap="flat" cmpd="sng" algn="ctr">
+                      <a:solidFill>
+                        <a:srgbClr val="FFFFFF">
+                          <a:alpha val="100000"/>
+                        </a:srgbClr>
+                      </a:solidFill>
+                      <a:prstDash val="solid"/>
+                      <a:round/>
+                      <a:headEnd type="none" w="med" len="med"/>
+                      <a:tailEnd type="none" w="med" len="med"/>
+                    </a:lnB>
+                  </a:tcPr>
+                </a:tc>
+              </a:tr>
+            </a:tbl>
+          </a:graphicData>
+        </a:graphic>
+      </p:graphicFrame>
+      <p:sp>
+        <p:nvSpPr>
+          <p:cNvPr id="3" name="텍스트 상자 185"/>
+          <p:cNvSpPr txBox="1">
+            <a:spLocks/>
+          </p:cNvSpPr>
+          <p:nvPr/>
+        </p:nvSpPr>
+        <p:spPr>
+          <a:xfrm rot="0">
+            <a:off x="1312545" y="121920"/>
+            <a:ext cx="2731135" cy="370205"/>
+          </a:xfrm>
+          <a:prstGeom prst="rect"/>
+          <a:noFill/>
+          <a:ln>
+            <a:noFill/>
+            <a:prstDash/>
+          </a:ln>
+        </p:spPr>
+        <p:txBody>
+          <a:bodyPr wrap="square" lIns="89535" tIns="46355" rIns="89535" bIns="46355" vert="horz" anchor="t">
+            <a:spAutoFit/>
+          </a:bodyPr>
+          <a:lstStyle/>
+          <a:p>
+            <a:pPr marL="0" indent="0" algn="l" hangingPunct="1"/>
+            <a:r>
+              <a:rPr sz="1800">
+                <a:latin typeface="맑은 고딕" charset="0"/>
+                <a:ea typeface="맑은 고딕" charset="0"/>
+              </a:rPr>
+              <a:t>프로토</a:t>
+            </a:r>
+            <a:r>
+              <a:rPr lang="ko-KR" sz="1800">
+                <a:latin typeface="맑은 고딕" charset="0"/>
+                <a:ea typeface="맑은 고딕" charset="0"/>
+              </a:rPr>
+              <a:t>콜 </a:t>
+            </a:r>
+            <a:r>
+              <a:rPr lang="ko-KR" sz="1800">
+                <a:latin typeface="맑은 고딕" charset="0"/>
+                <a:ea typeface="맑은 고딕" charset="0"/>
+              </a:rPr>
+              <a:t>명령</a:t>
+            </a:r>
+            <a:r>
+              <a:rPr lang="ko-KR" sz="1800">
+                <a:latin typeface="맑은 고딕" charset="0"/>
+                <a:ea typeface="맑은 고딕" charset="0"/>
+              </a:rPr>
+              <a:t>어 </a:t>
+            </a:r>
+            <a:r>
+              <a:rPr lang="ko-KR" sz="1800">
+                <a:latin typeface="맑은 고딕" charset="0"/>
+                <a:ea typeface="맑은 고딕" charset="0"/>
+              </a:rPr>
+              <a:t>구</a:t>
+            </a:r>
+            <a:r>
+              <a:rPr lang="ko-KR" sz="1800">
+                <a:latin typeface="맑은 고딕" charset="0"/>
+                <a:ea typeface="맑은 고딕" charset="0"/>
+              </a:rPr>
+              <a:t>성</a:t>
+            </a:r>
+            <a:endParaRPr lang="ko-KR" altLang="en-US" sz="1800">
+              <a:latin typeface="맑은 고딕" charset="0"/>
+              <a:ea typeface="맑은 고딕" charset="0"/>
+            </a:endParaRPr>
+          </a:p>
+        </p:txBody>
+      </p:sp>
+    </p:spTree>
+  </p:cSld>
+  <p:clrMapOvr>
+    <a:masterClrMapping/>
+  </p:clrMapOvr>
+  <mc:AlternateContent xmlns:mc="http://schemas.openxmlformats.org/markup-compatibility/2006">
+    <mc:Choice xmlns:p14="http://schemas.microsoft.com/office/powerpoint/2010/main" Requires="p14">
+      <p:transition spd="slow" p14:dur="2000"/>
+    </mc:Choice>
+    <mc:Fallback>
+      <p:transition spd="slow"/>
     </mc:Fallback>
   </mc:AlternateContent>
 </p:sld>
@@ -37696,7 +41221,7 @@
 </file>
 
 <file path=ppt/slides/slide9.xml><?xml version="1.0" encoding="utf-8"?>
-<p:sld xmlns:r="http://schemas.openxmlformats.org/officeDocument/2006/relationships" xmlns:c="http://schemas.openxmlformats.org/drawingml/2006/chart" xmlns:a="http://schemas.openxmlformats.org/drawingml/2006/main" xmlns:dgm="http://schemas.openxmlformats.org/drawingml/2006/diagram" xmlns:dsp="http://schemas.microsoft.com/office/drawing/2008/diagram" xmlns:p="http://schemas.openxmlformats.org/presentationml/2006/main">
+<p:sld xmlns:r="http://schemas.openxmlformats.org/officeDocument/2006/relationships" xmlns:c="http://schemas.openxmlformats.org/drawingml/2006/chart" xmlns:a="http://schemas.openxmlformats.org/drawingml/2006/main" xmlns:dgm="http://schemas.openxmlformats.org/drawingml/2006/diagram" xmlns:dsp="http://schemas.microsoft.com/office/drawing/2008/diagram" xmlns:p="http://schemas.openxmlformats.org/presentationml/2006/main" xmlns:p14="http://schemas.microsoft.com/office/powerpoint/2010/main">
   <p:cSld>
     <p:spTree>
       <p:nvGrpSpPr>
@@ -37714,7 +41239,7 @@
       </p:grpSpPr>
       <p:sp>
         <p:nvSpPr>
-          <p:cNvPr id="2" name="제목 1"/>
+          <p:cNvPr id="6" name="직사각형 0"/>
           <p:cNvSpPr>
             <a:spLocks noGrp="1"/>
           </p:cNvSpPr>
@@ -37722,9 +41247,16 @@
             <p:ph type="title" idx="0"/>
           </p:nvPr>
         </p:nvSpPr>
-        <p:spPr/>
+        <p:spPr>
+          <a:xfrm>
+            <a:off x="838200" y="365125"/>
+            <a:ext cx="10516235" cy="1326515"/>
+          </a:xfrm>
+        </p:spPr>
         <p:txBody>
-          <a:bodyPr/>
+          <a:bodyPr>
+            <a:noAutofit/>
+          </a:bodyPr>
           <a:lstStyle/>
           <a:p>
             <a:pPr algn="l">
@@ -37732,735 +41264,1132 @@
             </a:pPr>
             <a:r>
               <a:rPr lang="ko-KR" altLang="en-US"/>
-              <a:t>표</a:t>
+              <a:t>도서프로그램 요구사항 분석도</a:t>
             </a:r>
             <a:endParaRPr lang="ko-KR" altLang="en-US"/>
           </a:p>
         </p:txBody>
       </p:sp>
-      <p:graphicFrame>
-        <p:nvGraphicFramePr>
-          <p:cNvPr id="3" name="표 12"/>
-          <p:cNvGraphicFramePr>
-            <a:graphicFrameLocks noGrp="1"/>
-          </p:cNvGraphicFramePr>
+      <p:sp>
+        <p:nvSpPr>
+          <p:cNvPr id="3" name="직사각형 8"/>
+          <p:cNvSpPr/>
           <p:nvPr/>
-        </p:nvGraphicFramePr>
-        <p:xfrm>
-          <a:off x="2238348" y="2000241"/>
-          <a:ext cx="7715305" cy="3857651"/>
-        </p:xfrm>
-        <a:graphic>
-          <a:graphicData uri="http://schemas.openxmlformats.org/drawingml/2006/table">
-            <a:tbl>
-              <a:tblPr firstRow="1" bandRow="1" bandCol="1">
-                <a:effectLst>
-                  <a:outerShdw blurRad="76200" sx="104000" sy="104000" algn="ctr" rotWithShape="0">
-                    <a:schemeClr val="bg1">
-                      <a:lumMod val="70000"/>
-                      <a:alpha val="50000"/>
-                    </a:schemeClr>
-                  </a:outerShdw>
-                </a:effectLst>
-                <a:tableStyleId>{CDE67981-C926-4AC7-AA08-ACFD1CD1FBA1}</a:tableStyleId>
-              </a:tblPr>
-              <a:tblGrid>
-                <a:gridCol w="1543061"/>
-                <a:gridCol w="1543061"/>
-                <a:gridCol w="1543061"/>
-                <a:gridCol w="1543061"/>
-                <a:gridCol w="1543061"/>
-              </a:tblGrid>
-              <a:tr h="551093">
-                <a:tc>
-                  <a:txBody>
-                    <a:bodyPr vert="horz" lIns="91440" tIns="45720" rIns="91440" bIns="45720" anchor="ctr" anchorCtr="0"/>
-                    <a:p>
-                      <a:pPr algn="ctr">
-                        <a:defRPr lang="ko-KR" altLang="en-US"/>
-                      </a:pPr>
-                      <a:r>
-                        <a:rPr lang="ko-KR" altLang="en-US" sz="2000">
-                          <a:solidFill>
-                            <a:schemeClr val="accent1">
-                              <a:lumMod val="75000"/>
-                            </a:schemeClr>
-                          </a:solidFill>
-                        </a:rPr>
-                        <a:t>기능</a:t>
-                      </a:r>
-                      <a:endParaRPr lang="ko-KR" altLang="en-US" sz="2000">
-                        <a:solidFill>
-                          <a:schemeClr val="accent1">
-                            <a:lumMod val="75000"/>
-                          </a:schemeClr>
-                        </a:solidFill>
-                      </a:endParaRPr>
-                    </a:p>
-                  </a:txBody>
-                  <a:tcPr marL="91440" marR="91440" anchor="ctr"/>
-                </a:tc>
-                <a:tc>
-                  <a:txBody>
-                    <a:bodyPr vert="horz" lIns="91440" tIns="45720" rIns="91440" bIns="45720" anchor="ctr" anchorCtr="0"/>
-                    <a:p>
-                      <a:pPr marL="0" indent="0" algn="ctr">
-                        <a:lnSpc>
-                          <a:spcPct val="100000"/>
-                        </a:lnSpc>
-                        <a:spcBef>
-                          <a:spcPct val="0"/>
-                        </a:spcBef>
-                        <a:spcAft>
-                          <a:spcPct val="0"/>
-                        </a:spcAft>
-                        <a:buNone/>
-                        <a:defRPr lang="ko-KR" altLang="en-US"/>
-                      </a:pPr>
-                      <a:r>
-                        <a:rPr lang="ko-KR" altLang="en-US" sz="2000">
-                          <a:solidFill>
-                            <a:schemeClr val="accent1">
-                              <a:lumMod val="75000"/>
-                            </a:schemeClr>
-                          </a:solidFill>
-                        </a:rPr>
-                        <a:t>내용</a:t>
-                      </a:r>
-                      <a:endParaRPr lang="ko-KR" altLang="en-US" sz="2000">
-                        <a:solidFill>
-                          <a:schemeClr val="accent1">
-                            <a:lumMod val="75000"/>
-                          </a:schemeClr>
-                        </a:solidFill>
-                      </a:endParaRPr>
-                    </a:p>
-                  </a:txBody>
-                  <a:tcPr marL="91440" marR="91440" anchor="ctr"/>
-                </a:tc>
-                <a:tc>
-                  <a:txBody>
-                    <a:bodyPr vert="horz" lIns="91440" tIns="45720" rIns="91440" bIns="45720" anchor="ctr" anchorCtr="0"/>
-                    <a:p>
-                      <a:pPr marL="0" indent="0" algn="ctr">
-                        <a:lnSpc>
-                          <a:spcPct val="100000"/>
-                        </a:lnSpc>
-                        <a:spcBef>
-                          <a:spcPct val="0"/>
-                        </a:spcBef>
-                        <a:spcAft>
-                          <a:spcPct val="0"/>
-                        </a:spcAft>
-                        <a:buNone/>
-                        <a:defRPr lang="ko-KR" altLang="en-US"/>
-                      </a:pPr>
-                      <a:r>
-                        <a:rPr lang="ko-KR" altLang="en-US" sz="2000">
-                          <a:solidFill>
-                            <a:schemeClr val="accent1">
-                              <a:lumMod val="75000"/>
-                            </a:schemeClr>
-                          </a:solidFill>
-                        </a:rPr>
-                        <a:t>내용</a:t>
-                      </a:r>
-                      <a:endParaRPr lang="ko-KR" altLang="en-US" sz="2000">
-                        <a:solidFill>
-                          <a:schemeClr val="accent1">
-                            <a:lumMod val="75000"/>
-                          </a:schemeClr>
-                        </a:solidFill>
-                      </a:endParaRPr>
-                    </a:p>
-                  </a:txBody>
-                  <a:tcPr marL="91440" marR="91440" anchor="ctr"/>
-                </a:tc>
-                <a:tc>
-                  <a:txBody>
-                    <a:bodyPr vert="horz" lIns="91440" tIns="45720" rIns="91440" bIns="45720" anchor="ctr" anchorCtr="0"/>
-                    <a:p>
-                      <a:pPr marL="0" indent="0" algn="ctr">
-                        <a:lnSpc>
-                          <a:spcPct val="100000"/>
-                        </a:lnSpc>
-                        <a:spcBef>
-                          <a:spcPct val="0"/>
-                        </a:spcBef>
-                        <a:spcAft>
-                          <a:spcPct val="0"/>
-                        </a:spcAft>
-                        <a:buNone/>
-                        <a:defRPr lang="ko-KR" altLang="en-US"/>
-                      </a:pPr>
-                      <a:r>
-                        <a:rPr lang="ko-KR" altLang="en-US" sz="2000">
-                          <a:solidFill>
-                            <a:schemeClr val="accent1">
-                              <a:lumMod val="75000"/>
-                            </a:schemeClr>
-                          </a:solidFill>
-                        </a:rPr>
-                        <a:t>내용</a:t>
-                      </a:r>
-                      <a:endParaRPr lang="ko-KR" altLang="en-US" sz="2000">
-                        <a:solidFill>
-                          <a:schemeClr val="accent1">
-                            <a:lumMod val="75000"/>
-                          </a:schemeClr>
-                        </a:solidFill>
-                      </a:endParaRPr>
-                    </a:p>
-                  </a:txBody>
-                  <a:tcPr marL="91440" marR="91440" anchor="ctr"/>
-                </a:tc>
-                <a:tc>
-                  <a:txBody>
-                    <a:bodyPr vert="horz" lIns="91440" tIns="45720" rIns="91440" bIns="45720" anchor="ctr" anchorCtr="0"/>
-                    <a:p>
-                      <a:pPr marL="0" indent="0" algn="ctr">
-                        <a:lnSpc>
-                          <a:spcPct val="100000"/>
-                        </a:lnSpc>
-                        <a:spcBef>
-                          <a:spcPct val="0"/>
-                        </a:spcBef>
-                        <a:spcAft>
-                          <a:spcPct val="0"/>
-                        </a:spcAft>
-                        <a:buNone/>
-                        <a:defRPr lang="ko-KR" altLang="en-US"/>
-                      </a:pPr>
-                      <a:r>
-                        <a:rPr lang="ko-KR" altLang="en-US" sz="2000">
-                          <a:solidFill>
-                            <a:schemeClr val="accent1">
-                              <a:lumMod val="75000"/>
-                            </a:schemeClr>
-                          </a:solidFill>
-                        </a:rPr>
-                        <a:t>내용</a:t>
-                      </a:r>
-                      <a:endParaRPr lang="ko-KR" altLang="en-US" sz="2000">
-                        <a:solidFill>
-                          <a:schemeClr val="accent1">
-                            <a:lumMod val="75000"/>
-                          </a:schemeClr>
-                        </a:solidFill>
-                      </a:endParaRPr>
-                    </a:p>
-                  </a:txBody>
-                  <a:tcPr marL="91440" marR="91440" anchor="ctr"/>
-                </a:tc>
-              </a:tr>
-              <a:tr h="551093">
-                <a:tc>
-                  <a:txBody>
-                    <a:bodyPr vert="horz" lIns="91440" tIns="45720" rIns="91440" bIns="45720" anchor="ctr" anchorCtr="0"/>
-                    <a:p>
-                      <a:pPr algn="ctr">
-                        <a:defRPr lang="ko-KR" altLang="en-US"/>
-                      </a:pPr>
-                      <a:r>
-                        <a:rPr lang="ko-KR" altLang="en-US">
-                          <a:solidFill>
-                            <a:srgbClr val="000000"/>
-                          </a:solidFill>
-                        </a:rPr>
-                        <a:t>내용</a:t>
-                      </a:r>
-                      <a:endParaRPr lang="ko-KR" altLang="en-US">
-                        <a:solidFill>
-                          <a:srgbClr val="000000"/>
-                        </a:solidFill>
-                      </a:endParaRPr>
-                    </a:p>
-                  </a:txBody>
-                  <a:tcPr marL="91440" marR="91440" anchor="ctr"/>
-                </a:tc>
-                <a:tc>
-                  <a:txBody>
-                    <a:bodyPr vert="horz" lIns="91440" tIns="45720" rIns="91440" bIns="45720" anchor="ctr" anchorCtr="0"/>
-                    <a:p>
-                      <a:pPr algn="ctr">
-                        <a:defRPr lang="ko-KR" altLang="en-US"/>
-                      </a:pPr>
-                      <a:endParaRPr lang="ko-KR" altLang="en-US">
-                        <a:solidFill>
-                          <a:srgbClr val="000000"/>
-                        </a:solidFill>
-                      </a:endParaRPr>
-                    </a:p>
-                  </a:txBody>
-                  <a:tcPr marL="91440" marR="91440" anchor="ctr"/>
-                </a:tc>
-                <a:tc>
-                  <a:txBody>
-                    <a:bodyPr vert="horz" lIns="91440" tIns="45720" rIns="91440" bIns="45720" anchor="ctr" anchorCtr="0"/>
-                    <a:p>
-                      <a:pPr algn="ctr">
-                        <a:defRPr lang="ko-KR" altLang="en-US"/>
-                      </a:pPr>
-                      <a:endParaRPr lang="ko-KR" altLang="en-US">
-                        <a:solidFill>
-                          <a:srgbClr val="000000"/>
-                        </a:solidFill>
-                      </a:endParaRPr>
-                    </a:p>
-                  </a:txBody>
-                  <a:tcPr marL="91440" marR="91440" anchor="ctr"/>
-                </a:tc>
-                <a:tc>
-                  <a:txBody>
-                    <a:bodyPr vert="horz" lIns="91440" tIns="45720" rIns="91440" bIns="45720" anchor="ctr" anchorCtr="0"/>
-                    <a:p>
-                      <a:pPr algn="ctr">
-                        <a:defRPr lang="ko-KR" altLang="en-US"/>
-                      </a:pPr>
-                      <a:endParaRPr lang="ko-KR" altLang="en-US">
-                        <a:solidFill>
-                          <a:srgbClr val="000000"/>
-                        </a:solidFill>
-                      </a:endParaRPr>
-                    </a:p>
-                  </a:txBody>
-                  <a:tcPr marL="91440" marR="91440" anchor="ctr"/>
-                </a:tc>
-                <a:tc>
-                  <a:txBody>
-                    <a:bodyPr vert="horz" lIns="91440" tIns="45720" rIns="91440" bIns="45720" anchor="ctr" anchorCtr="0"/>
-                    <a:p>
-                      <a:pPr algn="ctr">
-                        <a:defRPr lang="ko-KR" altLang="en-US"/>
-                      </a:pPr>
-                      <a:endParaRPr lang="ko-KR" altLang="en-US">
-                        <a:solidFill>
-                          <a:srgbClr val="000000"/>
-                        </a:solidFill>
-                      </a:endParaRPr>
-                    </a:p>
-                  </a:txBody>
-                  <a:tcPr marL="91440" marR="91440" anchor="ctr"/>
-                </a:tc>
-              </a:tr>
-              <a:tr h="551093">
-                <a:tc>
-                  <a:txBody>
-                    <a:bodyPr vert="horz" lIns="91440" tIns="45720" rIns="91440" bIns="45720" anchor="ctr" anchorCtr="0"/>
-                    <a:p>
-                      <a:pPr algn="ctr">
-                        <a:defRPr lang="ko-KR" altLang="en-US"/>
-                      </a:pPr>
-                      <a:endParaRPr lang="ko-KR" altLang="en-US">
-                        <a:solidFill>
-                          <a:srgbClr val="000000"/>
-                        </a:solidFill>
-                      </a:endParaRPr>
-                    </a:p>
-                  </a:txBody>
-                  <a:tcPr marL="91440" marR="91440" anchor="ctr"/>
-                </a:tc>
-                <a:tc>
-                  <a:txBody>
-                    <a:bodyPr vert="horz" lIns="91440" tIns="45720" rIns="91440" bIns="45720" anchor="ctr" anchorCtr="0"/>
-                    <a:p>
-                      <a:pPr algn="ctr">
-                        <a:defRPr lang="ko-KR" altLang="en-US"/>
-                      </a:pPr>
-                      <a:endParaRPr lang="ko-KR" altLang="en-US">
-                        <a:solidFill>
-                          <a:srgbClr val="000000"/>
-                        </a:solidFill>
-                      </a:endParaRPr>
-                    </a:p>
-                  </a:txBody>
-                  <a:tcPr marL="91440" marR="91440" anchor="ctr"/>
-                </a:tc>
-                <a:tc>
-                  <a:txBody>
-                    <a:bodyPr vert="horz" lIns="91440" tIns="45720" rIns="91440" bIns="45720" anchor="ctr" anchorCtr="0"/>
-                    <a:p>
-                      <a:pPr algn="ctr">
-                        <a:defRPr lang="ko-KR" altLang="en-US"/>
-                      </a:pPr>
-                      <a:endParaRPr lang="ko-KR" altLang="en-US">
-                        <a:solidFill>
-                          <a:srgbClr val="000000"/>
-                        </a:solidFill>
-                      </a:endParaRPr>
-                    </a:p>
-                  </a:txBody>
-                  <a:tcPr marL="91440" marR="91440" anchor="ctr"/>
-                </a:tc>
-                <a:tc>
-                  <a:txBody>
-                    <a:bodyPr vert="horz" lIns="91440" tIns="45720" rIns="91440" bIns="45720" anchor="ctr" anchorCtr="0"/>
-                    <a:p>
-                      <a:pPr algn="ctr">
-                        <a:defRPr lang="ko-KR" altLang="en-US"/>
-                      </a:pPr>
-                      <a:endParaRPr lang="ko-KR" altLang="en-US">
-                        <a:solidFill>
-                          <a:srgbClr val="000000"/>
-                        </a:solidFill>
-                      </a:endParaRPr>
-                    </a:p>
-                  </a:txBody>
-                  <a:tcPr marL="91440" marR="91440" anchor="ctr"/>
-                </a:tc>
-                <a:tc>
-                  <a:txBody>
-                    <a:bodyPr vert="horz" lIns="91440" tIns="45720" rIns="91440" bIns="45720" anchor="ctr" anchorCtr="0"/>
-                    <a:p>
-                      <a:pPr algn="ctr">
-                        <a:defRPr lang="ko-KR" altLang="en-US"/>
-                      </a:pPr>
-                      <a:endParaRPr lang="ko-KR" altLang="en-US">
-                        <a:solidFill>
-                          <a:srgbClr val="000000"/>
-                        </a:solidFill>
-                      </a:endParaRPr>
-                    </a:p>
-                  </a:txBody>
-                  <a:tcPr marL="91440" marR="91440" anchor="ctr"/>
-                </a:tc>
-              </a:tr>
-              <a:tr h="551093">
-                <a:tc>
-                  <a:txBody>
-                    <a:bodyPr vert="horz" lIns="91440" tIns="45720" rIns="91440" bIns="45720" anchor="ctr" anchorCtr="0"/>
-                    <a:p>
-                      <a:pPr algn="ctr">
-                        <a:defRPr lang="ko-KR" altLang="en-US"/>
-                      </a:pPr>
-                      <a:endParaRPr lang="ko-KR" altLang="en-US">
-                        <a:solidFill>
-                          <a:srgbClr val="000000"/>
-                        </a:solidFill>
-                      </a:endParaRPr>
-                    </a:p>
-                  </a:txBody>
-                  <a:tcPr marL="91440" marR="91440" anchor="ctr"/>
-                </a:tc>
-                <a:tc>
-                  <a:txBody>
-                    <a:bodyPr vert="horz" lIns="91440" tIns="45720" rIns="91440" bIns="45720" anchor="ctr" anchorCtr="0"/>
-                    <a:p>
-                      <a:pPr algn="ctr">
-                        <a:defRPr lang="ko-KR" altLang="en-US"/>
-                      </a:pPr>
-                      <a:endParaRPr lang="ko-KR" altLang="en-US">
-                        <a:solidFill>
-                          <a:srgbClr val="000000"/>
-                        </a:solidFill>
-                      </a:endParaRPr>
-                    </a:p>
-                  </a:txBody>
-                  <a:tcPr marL="91440" marR="91440" anchor="ctr"/>
-                </a:tc>
-                <a:tc>
-                  <a:txBody>
-                    <a:bodyPr vert="horz" lIns="91440" tIns="45720" rIns="91440" bIns="45720" anchor="ctr" anchorCtr="0"/>
-                    <a:p>
-                      <a:pPr algn="ctr">
-                        <a:defRPr lang="ko-KR" altLang="en-US"/>
-                      </a:pPr>
-                      <a:endParaRPr lang="ko-KR" altLang="en-US">
-                        <a:solidFill>
-                          <a:srgbClr val="000000"/>
-                        </a:solidFill>
-                      </a:endParaRPr>
-                    </a:p>
-                  </a:txBody>
-                  <a:tcPr marL="91440" marR="91440" anchor="ctr"/>
-                </a:tc>
-                <a:tc>
-                  <a:txBody>
-                    <a:bodyPr vert="horz" lIns="91440" tIns="45720" rIns="91440" bIns="45720" anchor="ctr" anchorCtr="0"/>
-                    <a:p>
-                      <a:pPr algn="ctr">
-                        <a:defRPr lang="ko-KR" altLang="en-US"/>
-                      </a:pPr>
-                      <a:endParaRPr lang="ko-KR" altLang="en-US">
-                        <a:solidFill>
-                          <a:srgbClr val="000000"/>
-                        </a:solidFill>
-                      </a:endParaRPr>
-                    </a:p>
-                  </a:txBody>
-                  <a:tcPr marL="91440" marR="91440" anchor="ctr"/>
-                </a:tc>
-                <a:tc>
-                  <a:txBody>
-                    <a:bodyPr vert="horz" lIns="91440" tIns="45720" rIns="91440" bIns="45720" anchor="ctr" anchorCtr="0"/>
-                    <a:p>
-                      <a:pPr algn="ctr">
-                        <a:defRPr lang="ko-KR" altLang="en-US"/>
-                      </a:pPr>
-                      <a:endParaRPr lang="ko-KR" altLang="en-US">
-                        <a:solidFill>
-                          <a:srgbClr val="000000"/>
-                        </a:solidFill>
-                      </a:endParaRPr>
-                    </a:p>
-                  </a:txBody>
-                  <a:tcPr marL="91440" marR="91440" anchor="ctr"/>
-                </a:tc>
-              </a:tr>
-              <a:tr h="551093">
-                <a:tc>
-                  <a:txBody>
-                    <a:bodyPr vert="horz" lIns="91440" tIns="45720" rIns="91440" bIns="45720" anchor="ctr" anchorCtr="0"/>
-                    <a:p>
-                      <a:pPr algn="ctr">
-                        <a:defRPr lang="ko-KR" altLang="en-US"/>
-                      </a:pPr>
-                      <a:endParaRPr lang="ko-KR" altLang="en-US">
-                        <a:solidFill>
-                          <a:srgbClr val="000000"/>
-                        </a:solidFill>
-                      </a:endParaRPr>
-                    </a:p>
-                  </a:txBody>
-                  <a:tcPr marL="91440" marR="91440" anchor="ctr"/>
-                </a:tc>
-                <a:tc>
-                  <a:txBody>
-                    <a:bodyPr vert="horz" lIns="91440" tIns="45720" rIns="91440" bIns="45720" anchor="ctr" anchorCtr="0"/>
-                    <a:p>
-                      <a:pPr algn="ctr">
-                        <a:defRPr lang="ko-KR" altLang="en-US"/>
-                      </a:pPr>
-                      <a:endParaRPr lang="ko-KR" altLang="en-US">
-                        <a:solidFill>
-                          <a:srgbClr val="000000"/>
-                        </a:solidFill>
-                      </a:endParaRPr>
-                    </a:p>
-                  </a:txBody>
-                  <a:tcPr marL="91440" marR="91440" anchor="ctr"/>
-                </a:tc>
-                <a:tc>
-                  <a:txBody>
-                    <a:bodyPr vert="horz" lIns="91440" tIns="45720" rIns="91440" bIns="45720" anchor="ctr" anchorCtr="0"/>
-                    <a:p>
-                      <a:pPr algn="ctr">
-                        <a:defRPr lang="ko-KR" altLang="en-US"/>
-                      </a:pPr>
-                      <a:endParaRPr lang="ko-KR" altLang="en-US">
-                        <a:solidFill>
-                          <a:srgbClr val="000000"/>
-                        </a:solidFill>
-                      </a:endParaRPr>
-                    </a:p>
-                  </a:txBody>
-                  <a:tcPr marL="91440" marR="91440" anchor="ctr"/>
-                </a:tc>
-                <a:tc>
-                  <a:txBody>
-                    <a:bodyPr vert="horz" lIns="91440" tIns="45720" rIns="91440" bIns="45720" anchor="ctr" anchorCtr="0"/>
-                    <a:p>
-                      <a:pPr algn="ctr">
-                        <a:defRPr lang="ko-KR" altLang="en-US"/>
-                      </a:pPr>
-                      <a:endParaRPr lang="ko-KR" altLang="en-US">
-                        <a:solidFill>
-                          <a:srgbClr val="000000"/>
-                        </a:solidFill>
-                      </a:endParaRPr>
-                    </a:p>
-                  </a:txBody>
-                  <a:tcPr marL="91440" marR="91440" anchor="ctr"/>
-                </a:tc>
-                <a:tc>
-                  <a:txBody>
-                    <a:bodyPr vert="horz" lIns="91440" tIns="45720" rIns="91440" bIns="45720" anchor="ctr" anchorCtr="0"/>
-                    <a:p>
-                      <a:pPr algn="ctr">
-                        <a:defRPr lang="ko-KR" altLang="en-US"/>
-                      </a:pPr>
-                      <a:endParaRPr lang="ko-KR" altLang="en-US">
-                        <a:solidFill>
-                          <a:srgbClr val="000000"/>
-                        </a:solidFill>
-                      </a:endParaRPr>
-                    </a:p>
-                  </a:txBody>
-                  <a:tcPr marL="91440" marR="91440" anchor="ctr"/>
-                </a:tc>
-              </a:tr>
-              <a:tr h="551093">
-                <a:tc>
-                  <a:txBody>
-                    <a:bodyPr vert="horz" lIns="91440" tIns="45720" rIns="91440" bIns="45720" anchor="ctr" anchorCtr="0"/>
-                    <a:p>
-                      <a:pPr algn="ctr">
-                        <a:defRPr lang="ko-KR" altLang="en-US"/>
-                      </a:pPr>
-                      <a:endParaRPr lang="ko-KR" altLang="en-US">
-                        <a:solidFill>
-                          <a:srgbClr val="000000"/>
-                        </a:solidFill>
-                      </a:endParaRPr>
-                    </a:p>
-                  </a:txBody>
-                  <a:tcPr marL="91440" marR="91440" anchor="ctr"/>
-                </a:tc>
-                <a:tc>
-                  <a:txBody>
-                    <a:bodyPr vert="horz" lIns="91440" tIns="45720" rIns="91440" bIns="45720" anchor="ctr" anchorCtr="0"/>
-                    <a:p>
-                      <a:pPr algn="ctr">
-                        <a:defRPr lang="ko-KR" altLang="en-US"/>
-                      </a:pPr>
-                      <a:endParaRPr lang="ko-KR" altLang="en-US">
-                        <a:solidFill>
-                          <a:srgbClr val="000000"/>
-                        </a:solidFill>
-                      </a:endParaRPr>
-                    </a:p>
-                  </a:txBody>
-                  <a:tcPr marL="91440" marR="91440" anchor="ctr"/>
-                </a:tc>
-                <a:tc>
-                  <a:txBody>
-                    <a:bodyPr vert="horz" lIns="91440" tIns="45720" rIns="91440" bIns="45720" anchor="ctr" anchorCtr="0"/>
-                    <a:p>
-                      <a:pPr algn="ctr">
-                        <a:defRPr lang="ko-KR" altLang="en-US"/>
-                      </a:pPr>
-                      <a:endParaRPr lang="ko-KR" altLang="en-US">
-                        <a:solidFill>
-                          <a:srgbClr val="000000"/>
-                        </a:solidFill>
-                      </a:endParaRPr>
-                    </a:p>
-                  </a:txBody>
-                  <a:tcPr marL="91440" marR="91440" anchor="ctr"/>
-                </a:tc>
-                <a:tc>
-                  <a:txBody>
-                    <a:bodyPr vert="horz" lIns="91440" tIns="45720" rIns="91440" bIns="45720" anchor="ctr" anchorCtr="0"/>
-                    <a:p>
-                      <a:pPr algn="ctr">
-                        <a:defRPr lang="ko-KR" altLang="en-US"/>
-                      </a:pPr>
-                      <a:endParaRPr lang="ko-KR" altLang="en-US">
-                        <a:solidFill>
-                          <a:srgbClr val="000000"/>
-                        </a:solidFill>
-                      </a:endParaRPr>
-                    </a:p>
-                  </a:txBody>
-                  <a:tcPr marL="91440" marR="91440" anchor="ctr"/>
-                </a:tc>
-                <a:tc>
-                  <a:txBody>
-                    <a:bodyPr vert="horz" lIns="91440" tIns="45720" rIns="91440" bIns="45720" anchor="ctr" anchorCtr="0"/>
-                    <a:p>
-                      <a:pPr algn="ctr">
-                        <a:defRPr lang="ko-KR" altLang="en-US"/>
-                      </a:pPr>
-                      <a:endParaRPr lang="ko-KR" altLang="en-US">
-                        <a:solidFill>
-                          <a:srgbClr val="000000"/>
-                        </a:solidFill>
-                      </a:endParaRPr>
-                    </a:p>
-                  </a:txBody>
-                  <a:tcPr marL="91440" marR="91440" anchor="ctr"/>
-                </a:tc>
-              </a:tr>
-              <a:tr h="551093">
-                <a:tc>
-                  <a:txBody>
-                    <a:bodyPr vert="horz" lIns="91440" tIns="45720" rIns="91440" bIns="45720" anchor="ctr" anchorCtr="0"/>
-                    <a:p>
-                      <a:pPr algn="ctr">
-                        <a:defRPr lang="ko-KR" altLang="en-US"/>
-                      </a:pPr>
-                      <a:endParaRPr lang="ko-KR" altLang="en-US">
-                        <a:solidFill>
-                          <a:srgbClr val="000000"/>
-                        </a:solidFill>
-                      </a:endParaRPr>
-                    </a:p>
-                  </a:txBody>
-                  <a:tcPr marL="91440" marR="91440" anchor="ctr"/>
-                </a:tc>
-                <a:tc>
-                  <a:txBody>
-                    <a:bodyPr vert="horz" lIns="91440" tIns="45720" rIns="91440" bIns="45720" anchor="ctr" anchorCtr="0"/>
-                    <a:p>
-                      <a:pPr algn="ctr">
-                        <a:defRPr lang="ko-KR" altLang="en-US"/>
-                      </a:pPr>
-                      <a:endParaRPr lang="ko-KR" altLang="en-US">
-                        <a:solidFill>
-                          <a:srgbClr val="000000"/>
-                        </a:solidFill>
-                      </a:endParaRPr>
-                    </a:p>
-                  </a:txBody>
-                  <a:tcPr marL="91440" marR="91440" anchor="ctr"/>
-                </a:tc>
-                <a:tc>
-                  <a:txBody>
-                    <a:bodyPr vert="horz" lIns="91440" tIns="45720" rIns="91440" bIns="45720" anchor="ctr" anchorCtr="0"/>
-                    <a:p>
-                      <a:pPr algn="ctr">
-                        <a:defRPr lang="ko-KR" altLang="en-US"/>
-                      </a:pPr>
-                      <a:endParaRPr lang="ko-KR" altLang="en-US">
-                        <a:solidFill>
-                          <a:srgbClr val="000000"/>
-                        </a:solidFill>
-                      </a:endParaRPr>
-                    </a:p>
-                  </a:txBody>
-                  <a:tcPr marL="91440" marR="91440" anchor="ctr"/>
-                </a:tc>
-                <a:tc>
-                  <a:txBody>
-                    <a:bodyPr vert="horz" lIns="91440" tIns="45720" rIns="91440" bIns="45720" anchor="ctr" anchorCtr="0"/>
-                    <a:p>
-                      <a:pPr algn="ctr">
-                        <a:defRPr lang="ko-KR" altLang="en-US"/>
-                      </a:pPr>
-                      <a:endParaRPr lang="ko-KR" altLang="en-US">
-                        <a:solidFill>
-                          <a:srgbClr val="000000"/>
-                        </a:solidFill>
-                      </a:endParaRPr>
-                    </a:p>
-                  </a:txBody>
-                  <a:tcPr marL="91440" marR="91440" anchor="ctr"/>
-                </a:tc>
-                <a:tc>
-                  <a:txBody>
-                    <a:bodyPr vert="horz" lIns="91440" tIns="45720" rIns="91440" bIns="45720" anchor="ctr" anchorCtr="0"/>
-                    <a:p>
-                      <a:pPr algn="ctr">
-                        <a:defRPr lang="ko-KR" altLang="en-US"/>
-                      </a:pPr>
-                      <a:endParaRPr lang="ko-KR" altLang="en-US">
-                        <a:solidFill>
-                          <a:srgbClr val="000000"/>
-                        </a:solidFill>
-                      </a:endParaRPr>
-                    </a:p>
-                  </a:txBody>
-                  <a:tcPr marL="91440" marR="91440" anchor="ctr"/>
-                </a:tc>
-              </a:tr>
-            </a:tbl>
-          </a:graphicData>
-        </a:graphic>
-      </p:graphicFrame>
+        </p:nvSpPr>
+        <p:spPr>
+          <a:xfrm>
+            <a:off x="2121535" y="1915160"/>
+            <a:ext cx="3758565" cy="4104005"/>
+          </a:xfrm>
+          <a:prstGeom prst="rect">
+            <a:avLst/>
+          </a:prstGeom>
+          <a:solidFill>
+            <a:schemeClr val="bg1">
+              <a:lumMod val="95000"/>
+            </a:schemeClr>
+          </a:solidFill>
+          <a:ln w="28575">
+            <a:noFill/>
+          </a:ln>
+          <a:effectLst>
+            <a:outerShdw blurRad="50800" dist="38100" dir="2700000" algn="ctr" rotWithShape="0">
+              <a:schemeClr val="tx1">
+                <a:alpha val="40000"/>
+              </a:schemeClr>
+            </a:outerShdw>
+          </a:effectLst>
+        </p:spPr>
+        <p:style>
+          <a:lnRef idx="2">
+            <a:schemeClr val="accent1">
+              <a:shade val="50000"/>
+            </a:schemeClr>
+          </a:lnRef>
+          <a:fillRef idx="1">
+            <a:schemeClr val="accent1"/>
+          </a:fillRef>
+          <a:effectRef idx="0">
+            <a:schemeClr val="accent1"/>
+          </a:effectRef>
+          <a:fontRef idx="minor">
+            <a:schemeClr val="lt1"/>
+          </a:fontRef>
+        </p:style>
+        <p:txBody>
+          <a:bodyPr vert="horz" wrap="square" lIns="91440" tIns="45720" rIns="91440" bIns="45720" anchor="t">
+            <a:noAutofit/>
+          </a:bodyPr>
+          <a:lstStyle/>
+          <a:p>
+            <a:pPr marL="180022" indent="-180022">
+              <a:lnSpc>
+                <a:spcPct val="150000"/>
+              </a:lnSpc>
+              <a:buClr>
+                <a:srgbClr val="1c3d62">
+                  <a:alpha val="100000"/>
+                </a:srgbClr>
+              </a:buClr>
+              <a:buFont typeface="+mn-cs"/>
+              <a:buChar char="•"/>
+              <a:defRPr lang="ko-KR" altLang="en-US"/>
+            </a:pPr>
+            <a:r>
+              <a:rPr xmlns:mc="http://schemas.openxmlformats.org/markup-compatibility/2006" xmlns:hp="http://schemas.haansoft.com/office/presentation/8.0" lang="ko-KR" altLang="en-US" sz="1500" b="0" i="0" u="none" kern="1200" mc:Ignorable="hp" hp:hslEmbossed="0">
+                <a:solidFill>
+                  <a:schemeClr val="accent1"/>
+                </a:solidFill>
+                <a:latin typeface="+mn-lt"/>
+                <a:ea typeface="+mn-ea"/>
+                <a:cs typeface="+mj-cs"/>
+              </a:rPr>
+              <a:t>성능 요구사항</a:t>
+            </a:r>
+            <a:endParaRPr xmlns:mc="http://schemas.openxmlformats.org/markup-compatibility/2006" xmlns:hp="http://schemas.haansoft.com/office/presentation/8.0" lang="ko-KR" altLang="en-US" sz="1500" b="0" i="0" u="none" kern="1200" mc:Ignorable="hp" hp:hslEmbossed="0">
+              <a:solidFill>
+                <a:schemeClr val="accent1"/>
+              </a:solidFill>
+              <a:latin typeface="+mn-lt"/>
+              <a:ea typeface="+mn-ea"/>
+              <a:cs typeface="+mj-cs"/>
+            </a:endParaRPr>
+          </a:p>
+          <a:p>
+            <a:pPr marL="637222" lvl="1" indent="-180022">
+              <a:lnSpc>
+                <a:spcPct val="150000"/>
+              </a:lnSpc>
+              <a:buClr>
+                <a:srgbClr val="1c3d62">
+                  <a:alpha val="100000"/>
+                </a:srgbClr>
+              </a:buClr>
+              <a:buFont typeface="+mn-cs"/>
+              <a:buChar char="•"/>
+              <a:defRPr lang="ko-KR" altLang="en-US"/>
+            </a:pPr>
+            <a:r>
+              <a:rPr xmlns:mc="http://schemas.openxmlformats.org/markup-compatibility/2006" xmlns:hp="http://schemas.haansoft.com/office/presentation/8.0" lang="ko-KR" altLang="en-US" sz="1500" b="0" i="0" u="none" kern="1200" mc:Ignorable="hp" hp:hslEmbossed="0">
+                <a:solidFill>
+                  <a:schemeClr val="accent1"/>
+                </a:solidFill>
+                <a:latin typeface="+mn-lt"/>
+                <a:ea typeface="+mn-ea"/>
+                <a:cs typeface="+mj-cs"/>
+              </a:rPr>
+              <a:t>콘솔환경 구동</a:t>
+            </a:r>
+            <a:endParaRPr xmlns:mc="http://schemas.openxmlformats.org/markup-compatibility/2006" xmlns:hp="http://schemas.haansoft.com/office/presentation/8.0" lang="ko-KR" altLang="en-US" sz="1500" b="0" i="0" u="none" kern="1200" mc:Ignorable="hp" hp:hslEmbossed="0">
+              <a:solidFill>
+                <a:schemeClr val="accent1"/>
+              </a:solidFill>
+              <a:latin typeface="+mn-lt"/>
+              <a:ea typeface="+mn-ea"/>
+              <a:cs typeface="+mj-cs"/>
+            </a:endParaRPr>
+          </a:p>
+          <a:p>
+            <a:pPr marL="180022" lvl="0" indent="-180022">
+              <a:lnSpc>
+                <a:spcPct val="150000"/>
+              </a:lnSpc>
+              <a:buClr>
+                <a:srgbClr val="1c3d62">
+                  <a:alpha val="100000"/>
+                </a:srgbClr>
+              </a:buClr>
+              <a:buFont typeface="+mn-cs"/>
+              <a:buChar char="•"/>
+              <a:defRPr lang="ko-KR" altLang="en-US"/>
+            </a:pPr>
+            <a:r>
+              <a:rPr xmlns:mc="http://schemas.openxmlformats.org/markup-compatibility/2006" xmlns:hp="http://schemas.haansoft.com/office/presentation/8.0" lang="ko-KR" altLang="en-US" sz="1500" b="0" i="0" u="none" kern="1200" mc:Ignorable="hp" hp:hslEmbossed="0">
+                <a:solidFill>
+                  <a:schemeClr val="accent1"/>
+                </a:solidFill>
+                <a:latin typeface="+mn-lt"/>
+                <a:ea typeface="+mn-ea"/>
+                <a:cs typeface="+mj-cs"/>
+              </a:rPr>
+              <a:t>프로그램 요구사항</a:t>
+            </a:r>
+            <a:endParaRPr xmlns:mc="http://schemas.openxmlformats.org/markup-compatibility/2006" xmlns:hp="http://schemas.haansoft.com/office/presentation/8.0" lang="ko-KR" altLang="en-US" sz="1500" b="0" i="0" u="none" kern="1200" mc:Ignorable="hp" hp:hslEmbossed="0">
+              <a:solidFill>
+                <a:schemeClr val="accent1"/>
+              </a:solidFill>
+              <a:latin typeface="+mn-lt"/>
+              <a:ea typeface="+mn-ea"/>
+              <a:cs typeface="+mj-cs"/>
+            </a:endParaRPr>
+          </a:p>
+          <a:p>
+            <a:pPr marL="637222" lvl="1" indent="-180022">
+              <a:lnSpc>
+                <a:spcPct val="150000"/>
+              </a:lnSpc>
+              <a:buClr>
+                <a:srgbClr val="1c3d62">
+                  <a:alpha val="100000"/>
+                </a:srgbClr>
+              </a:buClr>
+              <a:buFont typeface="+mn-cs"/>
+              <a:buChar char="•"/>
+              <a:defRPr lang="ko-KR" altLang="en-US"/>
+            </a:pPr>
+            <a:r>
+              <a:rPr xmlns:mc="http://schemas.openxmlformats.org/markup-compatibility/2006" xmlns:hp="http://schemas.haansoft.com/office/presentation/8.0" lang="ko-KR" altLang="en-US" sz="1500" b="0" i="0" u="none" kern="1200" mc:Ignorable="hp" hp:hslEmbossed="0">
+                <a:solidFill>
+                  <a:schemeClr val="accent1"/>
+                </a:solidFill>
+                <a:latin typeface="+mn-lt"/>
+                <a:ea typeface="+mn-ea"/>
+                <a:cs typeface="+mj-cs"/>
+              </a:rPr>
+              <a:t>로그인</a:t>
+            </a:r>
+            <a:endParaRPr xmlns:mc="http://schemas.openxmlformats.org/markup-compatibility/2006" xmlns:hp="http://schemas.haansoft.com/office/presentation/8.0" lang="ko-KR" altLang="en-US" sz="1500" b="0" i="0" u="none" kern="1200" mc:Ignorable="hp" hp:hslEmbossed="0">
+              <a:solidFill>
+                <a:schemeClr val="accent1"/>
+              </a:solidFill>
+              <a:latin typeface="+mn-lt"/>
+              <a:ea typeface="+mn-ea"/>
+              <a:cs typeface="+mj-cs"/>
+            </a:endParaRPr>
+          </a:p>
+          <a:p>
+            <a:pPr marL="637222" lvl="1" indent="-180022">
+              <a:lnSpc>
+                <a:spcPct val="150000"/>
+              </a:lnSpc>
+              <a:buClr>
+                <a:srgbClr val="1c3d62">
+                  <a:alpha val="100000"/>
+                </a:srgbClr>
+              </a:buClr>
+              <a:buFont typeface="+mn-cs"/>
+              <a:buChar char="•"/>
+              <a:defRPr lang="ko-KR" altLang="en-US"/>
+            </a:pPr>
+            <a:r>
+              <a:rPr xmlns:mc="http://schemas.openxmlformats.org/markup-compatibility/2006" xmlns:hp="http://schemas.haansoft.com/office/presentation/8.0" lang="ko-KR" altLang="en-US" sz="1500" b="0" i="0" u="none" kern="1200" mc:Ignorable="hp" hp:hslEmbossed="0">
+                <a:solidFill>
+                  <a:schemeClr val="accent1"/>
+                </a:solidFill>
+                <a:latin typeface="+mn-lt"/>
+                <a:ea typeface="+mn-ea"/>
+                <a:cs typeface="+mj-cs"/>
+              </a:rPr>
+              <a:t>읽기</a:t>
+            </a:r>
+            <a:r>
+              <a:rPr xmlns:mc="http://schemas.openxmlformats.org/markup-compatibility/2006" xmlns:hp="http://schemas.haansoft.com/office/presentation/8.0" lang="en-US" altLang="ko-KR" sz="1500" b="0" i="0" u="none" kern="1200" mc:Ignorable="hp" hp:hslEmbossed="0">
+                <a:solidFill>
+                  <a:schemeClr val="accent1"/>
+                </a:solidFill>
+                <a:latin typeface="+mn-lt"/>
+                <a:ea typeface="+mn-ea"/>
+                <a:cs typeface="+mj-cs"/>
+              </a:rPr>
+              <a:t>/</a:t>
+            </a:r>
+            <a:r>
+              <a:rPr xmlns:mc="http://schemas.openxmlformats.org/markup-compatibility/2006" xmlns:hp="http://schemas.haansoft.com/office/presentation/8.0" lang="ko-KR" altLang="en-US" sz="1500" b="0" i="0" u="none" kern="1200" mc:Ignorable="hp" hp:hslEmbossed="0">
+                <a:solidFill>
+                  <a:schemeClr val="accent1"/>
+                </a:solidFill>
+                <a:latin typeface="+mn-lt"/>
+                <a:ea typeface="+mn-ea"/>
+                <a:cs typeface="+mj-cs"/>
+              </a:rPr>
+              <a:t>쓰기모드 설정</a:t>
+            </a:r>
+            <a:endParaRPr xmlns:mc="http://schemas.openxmlformats.org/markup-compatibility/2006" xmlns:hp="http://schemas.haansoft.com/office/presentation/8.0" lang="ko-KR" altLang="en-US" sz="1500" b="0" i="0" u="none" kern="1200" mc:Ignorable="hp" hp:hslEmbossed="0">
+              <a:solidFill>
+                <a:schemeClr val="accent1"/>
+              </a:solidFill>
+              <a:latin typeface="+mn-lt"/>
+              <a:ea typeface="+mn-ea"/>
+              <a:cs typeface="+mj-cs"/>
+            </a:endParaRPr>
+          </a:p>
+          <a:p>
+            <a:pPr marL="637222" lvl="1" indent="-180022">
+              <a:lnSpc>
+                <a:spcPct val="150000"/>
+              </a:lnSpc>
+              <a:buClr>
+                <a:srgbClr val="1c3d62">
+                  <a:alpha val="100000"/>
+                </a:srgbClr>
+              </a:buClr>
+              <a:buFont typeface="+mn-cs"/>
+              <a:buChar char="•"/>
+              <a:defRPr lang="ko-KR" altLang="en-US"/>
+            </a:pPr>
+            <a:r>
+              <a:rPr xmlns:mc="http://schemas.openxmlformats.org/markup-compatibility/2006" xmlns:hp="http://schemas.haansoft.com/office/presentation/8.0" lang="ko-KR" altLang="en-US" sz="1500" b="0" i="0" u="none" kern="1200" mc:Ignorable="hp" hp:hslEmbossed="0">
+                <a:solidFill>
+                  <a:schemeClr val="accent1"/>
+                </a:solidFill>
+                <a:latin typeface="+mn-lt"/>
+                <a:ea typeface="+mn-ea"/>
+                <a:cs typeface="+mj-cs"/>
+              </a:rPr>
+              <a:t>사용자 정보 관리 파일</a:t>
+            </a:r>
+            <a:endParaRPr xmlns:mc="http://schemas.openxmlformats.org/markup-compatibility/2006" xmlns:hp="http://schemas.haansoft.com/office/presentation/8.0" lang="ko-KR" altLang="en-US" sz="1500" b="0" i="0" u="none" kern="1200" mc:Ignorable="hp" hp:hslEmbossed="0">
+              <a:solidFill>
+                <a:schemeClr val="accent1"/>
+              </a:solidFill>
+              <a:latin typeface="+mn-lt"/>
+              <a:ea typeface="+mn-ea"/>
+              <a:cs typeface="+mj-cs"/>
+            </a:endParaRPr>
+          </a:p>
+          <a:p>
+            <a:pPr marL="637222" lvl="1" indent="-180022">
+              <a:lnSpc>
+                <a:spcPct val="150000"/>
+              </a:lnSpc>
+              <a:buClr>
+                <a:srgbClr val="1c3d62">
+                  <a:alpha val="100000"/>
+                </a:srgbClr>
+              </a:buClr>
+              <a:buFont typeface="+mn-cs"/>
+              <a:buChar char="•"/>
+              <a:defRPr lang="ko-KR" altLang="en-US"/>
+            </a:pPr>
+            <a:r>
+              <a:rPr xmlns:mc="http://schemas.openxmlformats.org/markup-compatibility/2006" xmlns:hp="http://schemas.haansoft.com/office/presentation/8.0" lang="ko-KR" altLang="en-US" sz="1500" b="0" i="0" u="none" kern="1200" mc:Ignorable="hp" hp:hslEmbossed="0">
+                <a:solidFill>
+                  <a:schemeClr val="accent1"/>
+                </a:solidFill>
+                <a:latin typeface="+mn-lt"/>
+                <a:ea typeface="+mn-ea"/>
+                <a:cs typeface="+mj-cs"/>
+              </a:rPr>
+              <a:t>도서 정보 파일 </a:t>
+            </a:r>
+            <a:endParaRPr xmlns:mc="http://schemas.openxmlformats.org/markup-compatibility/2006" xmlns:hp="http://schemas.haansoft.com/office/presentation/8.0" lang="ko-KR" altLang="en-US" sz="1500" b="0" i="0" u="none" kern="1200" mc:Ignorable="hp" hp:hslEmbossed="0">
+              <a:solidFill>
+                <a:schemeClr val="accent1"/>
+              </a:solidFill>
+              <a:latin typeface="+mn-lt"/>
+              <a:ea typeface="+mn-ea"/>
+              <a:cs typeface="+mj-cs"/>
+            </a:endParaRPr>
+          </a:p>
+          <a:p>
+            <a:pPr marL="180022" lvl="0" indent="-180022">
+              <a:lnSpc>
+                <a:spcPct val="150000"/>
+              </a:lnSpc>
+              <a:buClr>
+                <a:srgbClr val="1c3d62">
+                  <a:alpha val="100000"/>
+                </a:srgbClr>
+              </a:buClr>
+              <a:buFont typeface="+mn-cs"/>
+              <a:buChar char="•"/>
+              <a:defRPr lang="ko-KR" altLang="en-US"/>
+            </a:pPr>
+            <a:r>
+              <a:rPr xmlns:mc="http://schemas.openxmlformats.org/markup-compatibility/2006" xmlns:hp="http://schemas.haansoft.com/office/presentation/8.0" lang="ko-KR" altLang="en-US" sz="1500" b="0" i="0" u="none" kern="1200" mc:Ignorable="hp" hp:hslEmbossed="0">
+                <a:solidFill>
+                  <a:schemeClr val="accent1"/>
+                </a:solidFill>
+                <a:latin typeface="+mn-lt"/>
+                <a:ea typeface="+mn-ea"/>
+                <a:cs typeface="+mj-cs"/>
+              </a:rPr>
+              <a:t>프로그램 업데이트</a:t>
+            </a:r>
+            <a:endParaRPr xmlns:mc="http://schemas.openxmlformats.org/markup-compatibility/2006" xmlns:hp="http://schemas.haansoft.com/office/presentation/8.0" lang="ko-KR" altLang="en-US" sz="1500" b="0" i="0" u="none" kern="1200" mc:Ignorable="hp" hp:hslEmbossed="0">
+              <a:solidFill>
+                <a:schemeClr val="accent1"/>
+              </a:solidFill>
+              <a:latin typeface="+mn-lt"/>
+              <a:ea typeface="+mn-ea"/>
+              <a:cs typeface="+mj-cs"/>
+            </a:endParaRPr>
+          </a:p>
+          <a:p>
+            <a:pPr marL="637222" lvl="1" indent="-180022">
+              <a:lnSpc>
+                <a:spcPct val="150000"/>
+              </a:lnSpc>
+              <a:buClr>
+                <a:srgbClr val="1c3d62">
+                  <a:alpha val="100000"/>
+                </a:srgbClr>
+              </a:buClr>
+              <a:buFont typeface="+mn-cs"/>
+              <a:buChar char="•"/>
+              <a:defRPr lang="ko-KR" altLang="en-US"/>
+            </a:pPr>
+            <a:r>
+              <a:rPr xmlns:mc="http://schemas.openxmlformats.org/markup-compatibility/2006" xmlns:hp="http://schemas.haansoft.com/office/presentation/8.0" lang="ko-KR" altLang="en-US" sz="1500" b="0" i="0" u="none" kern="1200" mc:Ignorable="hp" hp:hslEmbossed="0">
+                <a:solidFill>
+                  <a:schemeClr val="accent1"/>
+                </a:solidFill>
+                <a:latin typeface="+mn-lt"/>
+                <a:ea typeface="+mn-ea"/>
+                <a:cs typeface="+mj-cs"/>
+              </a:rPr>
+              <a:t>도서정보 파일 최신화 업데이트</a:t>
+            </a:r>
+            <a:endParaRPr xmlns:mc="http://schemas.openxmlformats.org/markup-compatibility/2006" xmlns:hp="http://schemas.haansoft.com/office/presentation/8.0" lang="ko-KR" altLang="en-US" sz="1500" b="0" i="0" u="none" kern="1200" mc:Ignorable="hp" hp:hslEmbossed="0">
+              <a:solidFill>
+                <a:schemeClr val="accent1"/>
+              </a:solidFill>
+              <a:latin typeface="+mn-lt"/>
+              <a:ea typeface="+mn-ea"/>
+              <a:cs typeface="+mj-cs"/>
+            </a:endParaRPr>
+          </a:p>
+          <a:p>
+            <a:pPr marL="637222" lvl="1" indent="-180022">
+              <a:lnSpc>
+                <a:spcPct val="150000"/>
+              </a:lnSpc>
+              <a:buClr>
+                <a:srgbClr val="1c3d62">
+                  <a:alpha val="100000"/>
+                </a:srgbClr>
+              </a:buClr>
+              <a:buFont typeface="+mn-cs"/>
+              <a:buChar char="•"/>
+              <a:defRPr lang="ko-KR" altLang="en-US"/>
+            </a:pPr>
+            <a:r>
+              <a:rPr xmlns:mc="http://schemas.openxmlformats.org/markup-compatibility/2006" xmlns:hp="http://schemas.haansoft.com/office/presentation/8.0" lang="ko-KR" altLang="en-US" sz="1500" b="0" i="0" u="none" kern="1200" mc:Ignorable="hp" hp:hslEmbossed="0">
+                <a:solidFill>
+                  <a:schemeClr val="accent1"/>
+                </a:solidFill>
+                <a:latin typeface="+mn-lt"/>
+                <a:ea typeface="+mn-ea"/>
+                <a:cs typeface="+mj-cs"/>
+              </a:rPr>
+              <a:t>최대 </a:t>
+            </a:r>
+            <a:r>
+              <a:rPr xmlns:mc="http://schemas.openxmlformats.org/markup-compatibility/2006" xmlns:hp="http://schemas.haansoft.com/office/presentation/8.0" lang="en-US" altLang="ko-KR" sz="1500" b="0" i="0" u="none" kern="1200" mc:Ignorable="hp" hp:hslEmbossed="0">
+                <a:solidFill>
+                  <a:schemeClr val="accent1"/>
+                </a:solidFill>
+                <a:latin typeface="+mn-lt"/>
+                <a:ea typeface="+mn-ea"/>
+                <a:cs typeface="+mj-cs"/>
+              </a:rPr>
+              <a:t>700</a:t>
+            </a:r>
+            <a:r>
+              <a:rPr xmlns:mc="http://schemas.openxmlformats.org/markup-compatibility/2006" xmlns:hp="http://schemas.haansoft.com/office/presentation/8.0" lang="ko-KR" altLang="en-US" sz="1500" b="0" i="0" u="none" kern="1200" mc:Ignorable="hp" hp:hslEmbossed="0">
+                <a:solidFill>
+                  <a:schemeClr val="accent1"/>
+                </a:solidFill>
+                <a:latin typeface="+mn-lt"/>
+                <a:ea typeface="+mn-ea"/>
+                <a:cs typeface="+mj-cs"/>
+              </a:rPr>
+              <a:t>권 저장 가능 공간</a:t>
+            </a:r>
+            <a:endParaRPr xmlns:mc="http://schemas.openxmlformats.org/markup-compatibility/2006" xmlns:hp="http://schemas.haansoft.com/office/presentation/8.0" lang="ko-KR" altLang="en-US" sz="1500" b="0" i="0" u="none" kern="1200" mc:Ignorable="hp" hp:hslEmbossed="0">
+              <a:solidFill>
+                <a:schemeClr val="accent1"/>
+              </a:solidFill>
+              <a:latin typeface="+mn-lt"/>
+              <a:ea typeface="+mn-ea"/>
+              <a:cs typeface="+mj-cs"/>
+            </a:endParaRPr>
+          </a:p>
+          <a:p>
+            <a:pPr marL="637222" lvl="1" indent="-180022">
+              <a:lnSpc>
+                <a:spcPct val="150000"/>
+              </a:lnSpc>
+              <a:buClr>
+                <a:srgbClr val="1c3d62">
+                  <a:alpha val="100000"/>
+                </a:srgbClr>
+              </a:buClr>
+              <a:buFont typeface="+mn-cs"/>
+              <a:buChar char="•"/>
+              <a:defRPr lang="ko-KR" altLang="en-US"/>
+            </a:pPr>
+            <a:endParaRPr xmlns:mc="http://schemas.openxmlformats.org/markup-compatibility/2006" xmlns:hp="http://schemas.haansoft.com/office/presentation/8.0" lang="ko-KR" altLang="en-US" sz="1500" b="0" i="0" u="none" kern="1200" mc:Ignorable="hp" hp:hslEmbossed="0">
+              <a:solidFill>
+                <a:schemeClr val="accent1"/>
+              </a:solidFill>
+              <a:latin typeface="+mn-lt"/>
+              <a:ea typeface="+mn-ea"/>
+              <a:cs typeface="+mj-cs"/>
+            </a:endParaRPr>
+          </a:p>
+          <a:p>
+            <a:pPr marL="637222" lvl="1" indent="-180022">
+              <a:lnSpc>
+                <a:spcPct val="150000"/>
+              </a:lnSpc>
+              <a:buClr>
+                <a:srgbClr val="1c3d62">
+                  <a:alpha val="100000"/>
+                </a:srgbClr>
+              </a:buClr>
+              <a:buFont typeface="+mn-cs"/>
+              <a:buChar char="•"/>
+              <a:defRPr lang="ko-KR" altLang="en-US"/>
+            </a:pPr>
+            <a:endParaRPr xmlns:mc="http://schemas.openxmlformats.org/markup-compatibility/2006" xmlns:hp="http://schemas.haansoft.com/office/presentation/8.0" lang="ko-KR" altLang="en-US" sz="1500" b="0" i="0" u="none" kern="1200" mc:Ignorable="hp" hp:hslEmbossed="0">
+              <a:solidFill>
+                <a:schemeClr val="accent1"/>
+              </a:solidFill>
+              <a:latin typeface="+mn-lt"/>
+              <a:ea typeface="+mn-ea"/>
+              <a:cs typeface="+mj-cs"/>
+            </a:endParaRPr>
+          </a:p>
+          <a:p>
+            <a:pPr marL="637222" lvl="1" indent="-180022">
+              <a:lnSpc>
+                <a:spcPct val="150000"/>
+              </a:lnSpc>
+              <a:buClr>
+                <a:srgbClr val="1c3d62">
+                  <a:alpha val="100000"/>
+                </a:srgbClr>
+              </a:buClr>
+              <a:buFont typeface="+mn-cs"/>
+              <a:buChar char="•"/>
+              <a:defRPr lang="ko-KR" altLang="en-US"/>
+            </a:pPr>
+            <a:endParaRPr xmlns:mc="http://schemas.openxmlformats.org/markup-compatibility/2006" xmlns:hp="http://schemas.haansoft.com/office/presentation/8.0" lang="ko-KR" altLang="en-US" sz="1800" b="0" i="0" u="none" kern="1200" mc:Ignorable="hp" hp:hslEmbossed="0">
+              <a:solidFill>
+                <a:schemeClr val="accent1"/>
+              </a:solidFill>
+              <a:latin typeface="+mn-lt"/>
+              <a:ea typeface="+mn-ea"/>
+              <a:cs typeface="+mj-cs"/>
+            </a:endParaRPr>
+          </a:p>
+        </p:txBody>
+      </p:sp>
+      <p:sp>
+        <p:nvSpPr>
+          <p:cNvPr id="7" name="직사각형 8"/>
+          <p:cNvSpPr/>
+          <p:nvPr/>
+        </p:nvSpPr>
+        <p:spPr>
+          <a:xfrm>
+            <a:off x="6311900" y="1917065"/>
+            <a:ext cx="3758565" cy="4104640"/>
+          </a:xfrm>
+          <a:prstGeom prst="rect">
+            <a:avLst/>
+          </a:prstGeom>
+          <a:solidFill>
+            <a:schemeClr val="bg1">
+              <a:lumMod val="95000"/>
+            </a:schemeClr>
+          </a:solidFill>
+          <a:ln w="28575">
+            <a:noFill/>
+          </a:ln>
+          <a:effectLst>
+            <a:outerShdw blurRad="50800" dist="38100" dir="2700000" algn="ctr" rotWithShape="0">
+              <a:srgbClr val="000000">
+                <a:alpha val="40000"/>
+              </a:srgbClr>
+            </a:outerShdw>
+          </a:effectLst>
+        </p:spPr>
+        <p:style>
+          <a:lnRef idx="2">
+            <a:schemeClr val="accent1">
+              <a:shade val="50000"/>
+            </a:schemeClr>
+          </a:lnRef>
+          <a:fillRef idx="1">
+            <a:schemeClr val="accent1"/>
+          </a:fillRef>
+          <a:effectRef idx="0">
+            <a:schemeClr val="accent1"/>
+          </a:effectRef>
+          <a:fontRef idx="minor">
+            <a:schemeClr val="lt1"/>
+          </a:fontRef>
+        </p:style>
+        <p:txBody>
+          <a:bodyPr vert="horz" wrap="square" lIns="91440" tIns="45720" rIns="91440" bIns="45720" anchor="t">
+            <a:noAutofit/>
+          </a:bodyPr>
+          <a:lstStyle/>
+          <a:p>
+            <a:pPr marL="179959" indent="-179959">
+              <a:lnSpc>
+                <a:spcPct val="150000"/>
+              </a:lnSpc>
+              <a:buClr>
+                <a:srgbClr val="e9ae2b">
+                  <a:alpha val="100000"/>
+                </a:srgbClr>
+              </a:buClr>
+              <a:buFont typeface="+mn-cs"/>
+              <a:buChar char="•"/>
+              <a:defRPr lang="ko-KR" altLang="en-US"/>
+            </a:pPr>
+            <a:r>
+              <a:rPr lang="ko-KR" altLang="en-US" sz="1500">
+                <a:solidFill>
+                  <a:schemeClr val="accent3">
+                    <a:lumMod val="50000"/>
+                  </a:schemeClr>
+                </a:solidFill>
+                <a:cs typeface="+mj-cs"/>
+              </a:rPr>
+              <a:t>기능 요구사항</a:t>
+            </a:r>
+            <a:endParaRPr lang="ko-KR" altLang="en-US" sz="1500">
+              <a:solidFill>
+                <a:schemeClr val="accent3">
+                  <a:lumMod val="50000"/>
+                </a:schemeClr>
+              </a:solidFill>
+              <a:cs typeface="+mj-cs"/>
+            </a:endParaRPr>
+          </a:p>
+          <a:p>
+            <a:pPr marL="637159" lvl="1" indent="-179959">
+              <a:lnSpc>
+                <a:spcPct val="150000"/>
+              </a:lnSpc>
+              <a:buClr>
+                <a:srgbClr val="e9ae2b">
+                  <a:alpha val="100000"/>
+                </a:srgbClr>
+              </a:buClr>
+              <a:buFont typeface="+mn-cs"/>
+              <a:buChar char="•"/>
+              <a:defRPr lang="ko-KR" altLang="en-US"/>
+            </a:pPr>
+            <a:r>
+              <a:rPr lang="ko-KR" altLang="en-US" sz="1500">
+                <a:solidFill>
+                  <a:schemeClr val="accent3">
+                    <a:lumMod val="50000"/>
+                  </a:schemeClr>
+                </a:solidFill>
+                <a:cs typeface="+mj-cs"/>
+              </a:rPr>
+              <a:t>로그인 기능 활성화</a:t>
+            </a:r>
+            <a:endParaRPr lang="ko-KR" altLang="en-US" sz="1500">
+              <a:solidFill>
+                <a:schemeClr val="accent3">
+                  <a:lumMod val="50000"/>
+                </a:schemeClr>
+              </a:solidFill>
+              <a:cs typeface="+mj-cs"/>
+            </a:endParaRPr>
+          </a:p>
+          <a:p>
+            <a:pPr marL="179959" lvl="0" indent="-179959">
+              <a:lnSpc>
+                <a:spcPct val="150000"/>
+              </a:lnSpc>
+              <a:buClr>
+                <a:srgbClr val="e9ae2b">
+                  <a:alpha val="100000"/>
+                </a:srgbClr>
+              </a:buClr>
+              <a:buFont typeface="+mn-cs"/>
+              <a:buChar char="•"/>
+              <a:defRPr lang="ko-KR" altLang="en-US"/>
+            </a:pPr>
+            <a:r>
+              <a:rPr lang="ko-KR" altLang="en-US" sz="1500">
+                <a:solidFill>
+                  <a:schemeClr val="accent3">
+                    <a:lumMod val="50000"/>
+                  </a:schemeClr>
+                </a:solidFill>
+                <a:cs typeface="+mj-cs"/>
+              </a:rPr>
+              <a:t>도서정보 기능 요구사항</a:t>
+            </a:r>
+            <a:endParaRPr lang="ko-KR" altLang="en-US" sz="1500">
+              <a:solidFill>
+                <a:schemeClr val="accent3">
+                  <a:lumMod val="50000"/>
+                </a:schemeClr>
+              </a:solidFill>
+              <a:cs typeface="+mj-cs"/>
+            </a:endParaRPr>
+          </a:p>
+          <a:p>
+            <a:pPr marL="637159" lvl="1" indent="-179959">
+              <a:lnSpc>
+                <a:spcPct val="150000"/>
+              </a:lnSpc>
+              <a:buClr>
+                <a:srgbClr val="e9ae2b">
+                  <a:alpha val="100000"/>
+                </a:srgbClr>
+              </a:buClr>
+              <a:buFont typeface="+mn-cs"/>
+              <a:buChar char="•"/>
+              <a:defRPr lang="ko-KR" altLang="en-US"/>
+            </a:pPr>
+            <a:r>
+              <a:rPr lang="ko-KR" altLang="en-US" sz="1500">
+                <a:solidFill>
+                  <a:schemeClr val="accent3">
+                    <a:lumMod val="50000"/>
+                  </a:schemeClr>
+                </a:solidFill>
+                <a:cs typeface="+mj-cs"/>
+              </a:rPr>
+              <a:t>검색</a:t>
+            </a:r>
+            <a:r>
+              <a:rPr lang="en-US" altLang="ko-KR" sz="1500">
+                <a:solidFill>
+                  <a:schemeClr val="accent3">
+                    <a:lumMod val="50000"/>
+                  </a:schemeClr>
+                </a:solidFill>
+                <a:cs typeface="+mj-cs"/>
+              </a:rPr>
+              <a:t>,</a:t>
+            </a:r>
+            <a:r>
+              <a:rPr lang="ko-KR" altLang="en-US" sz="1500">
+                <a:solidFill>
+                  <a:schemeClr val="accent3">
+                    <a:lumMod val="50000"/>
+                  </a:schemeClr>
+                </a:solidFill>
+                <a:cs typeface="+mj-cs"/>
+              </a:rPr>
+              <a:t> 추가</a:t>
+            </a:r>
+            <a:r>
+              <a:rPr lang="en-US" altLang="ko-KR" sz="1500">
+                <a:solidFill>
+                  <a:schemeClr val="accent3">
+                    <a:lumMod val="50000"/>
+                  </a:schemeClr>
+                </a:solidFill>
+                <a:cs typeface="+mj-cs"/>
+              </a:rPr>
+              <a:t>,</a:t>
+            </a:r>
+            <a:r>
+              <a:rPr lang="ko-KR" altLang="en-US" sz="1500">
+                <a:solidFill>
+                  <a:schemeClr val="accent3">
+                    <a:lumMod val="50000"/>
+                  </a:schemeClr>
+                </a:solidFill>
+                <a:cs typeface="+mj-cs"/>
+              </a:rPr>
+              <a:t> 수정</a:t>
+            </a:r>
+            <a:r>
+              <a:rPr lang="en-US" altLang="ko-KR" sz="1500">
+                <a:solidFill>
+                  <a:schemeClr val="accent3">
+                    <a:lumMod val="50000"/>
+                  </a:schemeClr>
+                </a:solidFill>
+                <a:cs typeface="+mj-cs"/>
+              </a:rPr>
+              <a:t>,</a:t>
+            </a:r>
+            <a:r>
+              <a:rPr lang="ko-KR" altLang="en-US" sz="1500">
+                <a:solidFill>
+                  <a:schemeClr val="accent3">
+                    <a:lumMod val="50000"/>
+                  </a:schemeClr>
+                </a:solidFill>
+                <a:cs typeface="+mj-cs"/>
+              </a:rPr>
+              <a:t> 삭제</a:t>
+            </a:r>
+            <a:r>
+              <a:rPr lang="en-US" altLang="ko-KR" sz="1500">
+                <a:solidFill>
+                  <a:schemeClr val="accent3">
+                    <a:lumMod val="50000"/>
+                  </a:schemeClr>
+                </a:solidFill>
+                <a:cs typeface="+mj-cs"/>
+              </a:rPr>
+              <a:t>,</a:t>
+            </a:r>
+            <a:r>
+              <a:rPr lang="ko-KR" altLang="en-US" sz="1500">
+                <a:solidFill>
+                  <a:schemeClr val="accent3">
+                    <a:lumMod val="50000"/>
+                  </a:schemeClr>
+                </a:solidFill>
+                <a:cs typeface="+mj-cs"/>
+              </a:rPr>
+              <a:t> 종료</a:t>
+            </a:r>
+            <a:endParaRPr lang="ko-KR" altLang="en-US" sz="1500">
+              <a:solidFill>
+                <a:schemeClr val="accent3">
+                  <a:lumMod val="50000"/>
+                </a:schemeClr>
+              </a:solidFill>
+              <a:cs typeface="+mj-cs"/>
+            </a:endParaRPr>
+          </a:p>
+          <a:p>
+            <a:pPr marL="179959" lvl="0" indent="-179959">
+              <a:lnSpc>
+                <a:spcPct val="150000"/>
+              </a:lnSpc>
+              <a:buClr>
+                <a:srgbClr val="e9ae2b">
+                  <a:alpha val="100000"/>
+                </a:srgbClr>
+              </a:buClr>
+              <a:buFont typeface="+mn-cs"/>
+              <a:buChar char="•"/>
+              <a:defRPr lang="ko-KR" altLang="en-US"/>
+            </a:pPr>
+            <a:r>
+              <a:rPr lang="ko-KR" altLang="en-US" sz="1500">
+                <a:solidFill>
+                  <a:schemeClr val="accent3">
+                    <a:lumMod val="50000"/>
+                  </a:schemeClr>
+                </a:solidFill>
+                <a:cs typeface="+mj-cs"/>
+              </a:rPr>
+              <a:t>도서 정보 관리</a:t>
+            </a:r>
+            <a:endParaRPr lang="ko-KR" altLang="en-US" sz="1500">
+              <a:solidFill>
+                <a:schemeClr val="accent3">
+                  <a:lumMod val="50000"/>
+                </a:schemeClr>
+              </a:solidFill>
+              <a:cs typeface="+mj-cs"/>
+            </a:endParaRPr>
+          </a:p>
+          <a:p>
+            <a:pPr marL="637159" lvl="1" indent="-179959">
+              <a:lnSpc>
+                <a:spcPct val="150000"/>
+              </a:lnSpc>
+              <a:buClr>
+                <a:srgbClr val="e9ae2b">
+                  <a:alpha val="100000"/>
+                </a:srgbClr>
+              </a:buClr>
+              <a:buFont typeface="+mn-cs"/>
+              <a:buChar char="•"/>
+              <a:defRPr lang="ko-KR" altLang="en-US"/>
+            </a:pPr>
+            <a:r>
+              <a:rPr lang="ko-KR" altLang="en-US" sz="1500">
+                <a:solidFill>
+                  <a:schemeClr val="accent3">
+                    <a:lumMod val="50000"/>
+                  </a:schemeClr>
+                </a:solidFill>
+                <a:cs typeface="+mj-cs"/>
+              </a:rPr>
+              <a:t>평점 랭킹 서비스</a:t>
+            </a:r>
+            <a:endParaRPr lang="ko-KR" altLang="en-US" sz="1500">
+              <a:solidFill>
+                <a:schemeClr val="accent3">
+                  <a:lumMod val="50000"/>
+                </a:schemeClr>
+              </a:solidFill>
+              <a:cs typeface="+mj-cs"/>
+            </a:endParaRPr>
+          </a:p>
+          <a:p>
+            <a:pPr marL="637159" lvl="1" indent="-179959">
+              <a:lnSpc>
+                <a:spcPct val="150000"/>
+              </a:lnSpc>
+              <a:buClr>
+                <a:srgbClr val="e9ae2b">
+                  <a:alpha val="100000"/>
+                </a:srgbClr>
+              </a:buClr>
+              <a:buFont typeface="+mn-cs"/>
+              <a:buChar char="•"/>
+              <a:defRPr lang="ko-KR" altLang="en-US"/>
+            </a:pPr>
+            <a:endParaRPr lang="ko-KR" altLang="en-US" sz="1500">
+              <a:solidFill>
+                <a:schemeClr val="accent3">
+                  <a:lumMod val="50000"/>
+                </a:schemeClr>
+              </a:solidFill>
+              <a:cs typeface="+mj-cs"/>
+            </a:endParaRPr>
+          </a:p>
+          <a:p>
+            <a:pPr marL="637159" lvl="1" indent="-179959">
+              <a:lnSpc>
+                <a:spcPct val="150000"/>
+              </a:lnSpc>
+              <a:buClr>
+                <a:srgbClr val="e9ae2b">
+                  <a:alpha val="100000"/>
+                </a:srgbClr>
+              </a:buClr>
+              <a:buFont typeface="+mn-cs"/>
+              <a:buChar char="•"/>
+              <a:defRPr lang="ko-KR" altLang="en-US"/>
+            </a:pPr>
+            <a:endParaRPr lang="ko-KR" altLang="en-US" sz="1500">
+              <a:solidFill>
+                <a:schemeClr val="accent3">
+                  <a:lumMod val="50000"/>
+                </a:schemeClr>
+              </a:solidFill>
+              <a:cs typeface="+mj-cs"/>
+            </a:endParaRPr>
+          </a:p>
+        </p:txBody>
+      </p:sp>
+      <p:sp>
+        <p:nvSpPr>
+          <p:cNvPr id="4" name="직사각형 9"/>
+          <p:cNvSpPr/>
+          <p:nvPr/>
+        </p:nvSpPr>
+        <p:spPr>
+          <a:xfrm>
+            <a:off x="2118995" y="1499870"/>
+            <a:ext cx="3752850" cy="419100"/>
+          </a:xfrm>
+          <a:prstGeom prst="rect">
+            <a:avLst/>
+          </a:prstGeom>
+          <a:gradFill flip="none" rotWithShape="1">
+            <a:gsLst>
+              <a:gs pos="0">
+                <a:schemeClr val="accent1">
+                  <a:lumMod val="20000"/>
+                  <a:lumOff val="80000"/>
+                </a:schemeClr>
+              </a:gs>
+              <a:gs pos="7000">
+                <a:schemeClr val="accent1"/>
+              </a:gs>
+              <a:gs pos="93000">
+                <a:schemeClr val="accent1"/>
+              </a:gs>
+              <a:gs pos="100000">
+                <a:schemeClr val="accent1">
+                  <a:lumMod val="40000"/>
+                  <a:lumOff val="60000"/>
+                </a:schemeClr>
+              </a:gs>
+            </a:gsLst>
+            <a:lin ang="5400000" scaled="1"/>
+            <a:tileRect/>
+          </a:gradFill>
+          <a:ln w="12700">
+            <a:solidFill>
+              <a:schemeClr val="accent1"/>
+            </a:solidFill>
+          </a:ln>
+          <a:effectLst>
+            <a:outerShdw blurRad="50800" dist="38100" dir="2700000" algn="ctr" rotWithShape="0">
+              <a:srgbClr val="000000">
+                <a:alpha val="40000"/>
+              </a:srgbClr>
+            </a:outerShdw>
+          </a:effectLst>
+        </p:spPr>
+        <p:style>
+          <a:lnRef idx="2">
+            <a:schemeClr val="accent1">
+              <a:shade val="50000"/>
+            </a:schemeClr>
+          </a:lnRef>
+          <a:fillRef idx="1">
+            <a:schemeClr val="accent1"/>
+          </a:fillRef>
+          <a:effectRef idx="0">
+            <a:schemeClr val="accent1"/>
+          </a:effectRef>
+          <a:fontRef idx="minor">
+            <a:schemeClr val="lt1"/>
+          </a:fontRef>
+        </p:style>
+        <p:txBody>
+          <a:bodyPr vert="horz" wrap="square" lIns="91440" tIns="45720" rIns="91440" bIns="45720" anchor="ctr">
+            <a:noAutofit/>
+          </a:bodyPr>
+          <a:lstStyle/>
+          <a:p>
+            <a:pPr algn="ctr">
+              <a:spcBef>
+                <a:spcPct val="0"/>
+              </a:spcBef>
+              <a:spcAft>
+                <a:spcPct val="0"/>
+              </a:spcAft>
+              <a:defRPr lang="ko-KR" altLang="en-US"/>
+            </a:pPr>
+            <a:r>
+              <a:rPr lang="ko-KR" altLang="en-US" sz="2000">
+                <a:ln w="9525">
+                  <a:solidFill>
+                    <a:schemeClr val="dk1"/>
+                  </a:solidFill>
+                </a:ln>
+                <a:solidFill>
+                  <a:schemeClr val="dk1"/>
+                </a:solidFill>
+                <a:latin typeface="+mn-lt"/>
+                <a:cs typeface="+mn-cs"/>
+              </a:rPr>
+              <a:t>비기능적 요구사항</a:t>
+            </a:r>
+            <a:endParaRPr lang="ko-KR" altLang="en-US" sz="2000">
+              <a:ln w="9525">
+                <a:solidFill>
+                  <a:schemeClr val="dk1"/>
+                </a:solidFill>
+              </a:ln>
+              <a:solidFill>
+                <a:schemeClr val="dk1"/>
+              </a:solidFill>
+              <a:latin typeface="+mn-lt"/>
+              <a:cs typeface="+mn-cs"/>
+            </a:endParaRPr>
+          </a:p>
+        </p:txBody>
+      </p:sp>
+      <p:sp>
+        <p:nvSpPr>
+          <p:cNvPr id="5" name="직사각형 10"/>
+          <p:cNvSpPr/>
+          <p:nvPr/>
+        </p:nvSpPr>
+        <p:spPr>
+          <a:xfrm>
+            <a:off x="6310630" y="1499870"/>
+            <a:ext cx="3752850" cy="419100"/>
+          </a:xfrm>
+          <a:prstGeom prst="rect">
+            <a:avLst/>
+          </a:prstGeom>
+          <a:gradFill flip="none" rotWithShape="1">
+            <a:gsLst>
+              <a:gs pos="0">
+                <a:schemeClr val="accent3">
+                  <a:lumMod val="75000"/>
+                </a:schemeClr>
+              </a:gs>
+              <a:gs pos="7000">
+                <a:schemeClr val="accent3"/>
+              </a:gs>
+              <a:gs pos="93000">
+                <a:schemeClr val="accent3"/>
+              </a:gs>
+              <a:gs pos="100000">
+                <a:schemeClr val="accent3">
+                  <a:lumMod val="40000"/>
+                  <a:lumOff val="60000"/>
+                </a:schemeClr>
+              </a:gs>
+            </a:gsLst>
+            <a:lin ang="16200000" scaled="1"/>
+            <a:tileRect/>
+          </a:gradFill>
+          <a:ln w="12700">
+            <a:solidFill>
+              <a:schemeClr val="accent3"/>
+            </a:solidFill>
+          </a:ln>
+          <a:effectLst>
+            <a:outerShdw blurRad="50800" dist="38100" dir="2700000" algn="ctr" rotWithShape="0">
+              <a:srgbClr val="000000">
+                <a:alpha val="40000"/>
+              </a:srgbClr>
+            </a:outerShdw>
+          </a:effectLst>
+        </p:spPr>
+        <p:style>
+          <a:lnRef idx="2">
+            <a:schemeClr val="accent1">
+              <a:shade val="50000"/>
+            </a:schemeClr>
+          </a:lnRef>
+          <a:fillRef idx="1">
+            <a:schemeClr val="accent1"/>
+          </a:fillRef>
+          <a:effectRef idx="0">
+            <a:schemeClr val="accent1"/>
+          </a:effectRef>
+          <a:fontRef idx="minor">
+            <a:schemeClr val="lt1"/>
+          </a:fontRef>
+        </p:style>
+        <p:txBody>
+          <a:bodyPr vert="horz" wrap="square" lIns="91440" tIns="45720" rIns="91440" bIns="45720" anchor="ctr">
+            <a:noAutofit/>
+          </a:bodyPr>
+          <a:lstStyle/>
+          <a:p>
+            <a:pPr algn="ctr">
+              <a:spcBef>
+                <a:spcPct val="0"/>
+              </a:spcBef>
+              <a:spcAft>
+                <a:spcPct val="0"/>
+              </a:spcAft>
+              <a:defRPr lang="ko-KR" altLang="en-US"/>
+            </a:pPr>
+            <a:r>
+              <a:rPr lang="ko-KR" altLang="en-US" sz="2000">
+                <a:ln w="9525">
+                  <a:solidFill>
+                    <a:schemeClr val="dk1"/>
+                  </a:solidFill>
+                </a:ln>
+                <a:solidFill>
+                  <a:schemeClr val="dk1"/>
+                </a:solidFill>
+              </a:rPr>
+              <a:t>기능적 요구사항</a:t>
+            </a:r>
+            <a:endParaRPr lang="ko-KR" altLang="en-US" sz="2000">
+              <a:ln w="9525">
+                <a:solidFill>
+                  <a:schemeClr val="dk1"/>
+                </a:solidFill>
+              </a:ln>
+              <a:solidFill>
+                <a:schemeClr val="dk1"/>
+              </a:solidFill>
+            </a:endParaRPr>
+          </a:p>
+        </p:txBody>
+      </p:sp>
     </p:spTree>
     <p:extLst>
       <p:ext uri="{BB962C8B-B14F-4D97-AF65-F5344CB8AC3E}">
-        <p14:creationId xmlns:p14="http://schemas.microsoft.com/office/powerpoint/2010/main" val="1397905639"/>
+        <p14:creationId xmlns:p14="http://schemas.microsoft.com/office/powerpoint/2010/main" val="547432939"/>
       </p:ext>
     </p:extLst>
   </p:cSld>
@@ -38469,12 +42398,19 @@
   </p:clrMapOvr>
   <mc:AlternateContent xmlns:mc="http://schemas.openxmlformats.org/markup-compatibility/2006">
     <mc:Choice xmlns:p14="http://schemas.microsoft.com/office/powerpoint/2010/main" Requires="p14">
-      <p:transition xmlns:mc="http://schemas.openxmlformats.org/markup-compatibility/2006" xmlns:p14="http://schemas.microsoft.com/office/powerpoint/2010/main" mc:Ignorable="p14" p14:dur="500"/>
+      <p:transition spd="slow" p14:dur="500"/>
     </mc:Choice>
     <mc:Fallback>
-      <p:transition/>
+      <p:transition spd="slow"/>
     </mc:Fallback>
   </mc:AlternateContent>
+  <p:timing>
+    <p:tnLst>
+      <p:par>
+        <p:cTn id="1" dur="indefinite" restart="never" nodeType="tmRoot"/>
+      </p:par>
+    </p:tnLst>
+  </p:timing>
 </p:sld>
 </file>
 
